--- a/Analisi_Sentiment_Recensioni.pptx
+++ b/Analisi_Sentiment_Recensioni.pptx
@@ -2,14 +2,18 @@
 <file path=ppt/presentation.xml><?xml version="1.0" encoding="utf-8"?>
 <p:presentation xmlns:a="http://schemas.openxmlformats.org/drawingml/2006/main" xmlns:r="http://schemas.openxmlformats.org/officeDocument/2006/relationships" xmlns:p="http://schemas.openxmlformats.org/presentationml/2006/main" saveSubsetFonts="1" autoCompressPictures="0">
   <p:sldMasterIdLst>
-    <p:sldMasterId id="2147483648" r:id="rId1"/>
+    <p:sldMasterId id="2147483750" r:id="rId1"/>
   </p:sldMasterIdLst>
   <p:sldIdLst>
-    <p:sldId id="256" r:id="rId7"/>
-    <p:sldId id="257" r:id="rId8"/>
-    <p:sldId id="258" r:id="rId9"/>
-    <p:sldId id="259" r:id="rId10"/>
-    <p:sldId id="260" r:id="rId11"/>
+    <p:sldId id="256" r:id="rId2"/>
+    <p:sldId id="261" r:id="rId3"/>
+    <p:sldId id="257" r:id="rId4"/>
+    <p:sldId id="262" r:id="rId5"/>
+    <p:sldId id="263" r:id="rId6"/>
+    <p:sldId id="259" r:id="rId7"/>
+    <p:sldId id="265" r:id="rId8"/>
+    <p:sldId id="266" r:id="rId9"/>
+    <p:sldId id="267" r:id="rId10"/>
   </p:sldIdLst>
   <p:sldSz cx="9144000" cy="6858000" type="screen4x3"/>
   <p:notesSz cx="6858000" cy="9144000"/>
@@ -108,12 +112,28 @@
       </a:defRPr>
     </a:lvl9pPr>
   </p:defaultTextStyle>
+  <p:extLst>
+    <p:ext uri="{EFAFB233-063F-42B5-8137-9DF3F51BA10A}">
+      <p15:sldGuideLst xmlns:p15="http://schemas.microsoft.com/office/powerpoint/2012/main">
+        <p15:guide id="1" orient="horz" pos="2160">
+          <p15:clr>
+            <a:srgbClr val="A4A3A4"/>
+          </p15:clr>
+        </p15:guide>
+        <p15:guide id="2" pos="2880">
+          <p15:clr>
+            <a:srgbClr val="A4A3A4"/>
+          </p15:clr>
+        </p15:guide>
+      </p15:sldGuideLst>
+    </p:ext>
+  </p:extLst>
 </p:presentation>
 </file>
 
 <file path=ppt/slideLayouts/slideLayout1.xml><?xml version="1.0" encoding="utf-8"?>
-<p:sldLayout xmlns:a="http://schemas.openxmlformats.org/drawingml/2006/main" xmlns:r="http://schemas.openxmlformats.org/officeDocument/2006/relationships" xmlns:p="http://schemas.openxmlformats.org/presentationml/2006/main" type="title" preserve="1">
-  <p:cSld name="Title Slide">
+<p:sldLayout xmlns:a="http://schemas.openxmlformats.org/drawingml/2006/main" xmlns:r="http://schemas.openxmlformats.org/officeDocument/2006/relationships" xmlns:p="http://schemas.openxmlformats.org/presentationml/2006/main" showMasterSp="0" type="title" preserve="1">
+  <p:cSld name="Diapositiva titolo">
     <p:spTree>
       <p:nvGrpSpPr>
         <p:cNvPr id="1" name=""/>
@@ -128,6 +148,196 @@
           <a:chExt cx="0" cy="0"/>
         </a:xfrm>
       </p:grpSpPr>
+      <p:grpSp>
+        <p:nvGrpSpPr>
+          <p:cNvPr id="16" name="Group 15"/>
+          <p:cNvGrpSpPr/>
+          <p:nvPr/>
+        </p:nvGrpSpPr>
+        <p:grpSpPr>
+          <a:xfrm>
+            <a:off x="4334933" y="1169931"/>
+            <a:ext cx="4814835" cy="4993802"/>
+            <a:chOff x="4334933" y="1169931"/>
+            <a:chExt cx="4814835" cy="4993802"/>
+          </a:xfrm>
+        </p:grpSpPr>
+        <p:cxnSp>
+          <p:nvCxnSpPr>
+            <p:cNvPr id="17" name="Straight Connector 16"/>
+            <p:cNvCxnSpPr/>
+            <p:nvPr/>
+          </p:nvCxnSpPr>
+          <p:spPr>
+            <a:xfrm flipH="1">
+              <a:off x="6009259" y="1169931"/>
+              <a:ext cx="3134741" cy="3134741"/>
+            </a:xfrm>
+            <a:prstGeom prst="line">
+              <a:avLst/>
+            </a:prstGeom>
+            <a:ln w="12700">
+              <a:solidFill>
+                <a:schemeClr val="tx1"/>
+              </a:solidFill>
+            </a:ln>
+          </p:spPr>
+          <p:style>
+            <a:lnRef idx="2">
+              <a:schemeClr val="accent1"/>
+            </a:lnRef>
+            <a:fillRef idx="0">
+              <a:schemeClr val="accent1"/>
+            </a:fillRef>
+            <a:effectRef idx="1">
+              <a:schemeClr val="accent1"/>
+            </a:effectRef>
+            <a:fontRef idx="minor">
+              <a:schemeClr val="tx1"/>
+            </a:fontRef>
+          </p:style>
+        </p:cxnSp>
+        <p:cxnSp>
+          <p:nvCxnSpPr>
+            <p:cNvPr id="19" name="Straight Connector 18"/>
+            <p:cNvCxnSpPr/>
+            <p:nvPr/>
+          </p:nvCxnSpPr>
+          <p:spPr>
+            <a:xfrm flipH="1">
+              <a:off x="4334933" y="1348898"/>
+              <a:ext cx="4814835" cy="4814835"/>
+            </a:xfrm>
+            <a:prstGeom prst="line">
+              <a:avLst/>
+            </a:prstGeom>
+            <a:ln w="12700">
+              <a:solidFill>
+                <a:schemeClr val="tx1"/>
+              </a:solidFill>
+            </a:ln>
+          </p:spPr>
+          <p:style>
+            <a:lnRef idx="2">
+              <a:schemeClr val="accent1"/>
+            </a:lnRef>
+            <a:fillRef idx="0">
+              <a:schemeClr val="accent1"/>
+            </a:fillRef>
+            <a:effectRef idx="1">
+              <a:schemeClr val="accent1"/>
+            </a:effectRef>
+            <a:fontRef idx="minor">
+              <a:schemeClr val="tx1"/>
+            </a:fontRef>
+          </p:style>
+        </p:cxnSp>
+        <p:cxnSp>
+          <p:nvCxnSpPr>
+            <p:cNvPr id="21" name="Straight Connector 20"/>
+            <p:cNvCxnSpPr/>
+            <p:nvPr/>
+          </p:nvCxnSpPr>
+          <p:spPr>
+            <a:xfrm flipH="1">
+              <a:off x="5225595" y="1469269"/>
+              <a:ext cx="3912054" cy="3912054"/>
+            </a:xfrm>
+            <a:prstGeom prst="line">
+              <a:avLst/>
+            </a:prstGeom>
+            <a:ln w="12700">
+              <a:solidFill>
+                <a:schemeClr val="tx1"/>
+              </a:solidFill>
+            </a:ln>
+          </p:spPr>
+          <p:style>
+            <a:lnRef idx="2">
+              <a:schemeClr val="accent1"/>
+            </a:lnRef>
+            <a:fillRef idx="0">
+              <a:schemeClr val="accent1"/>
+            </a:fillRef>
+            <a:effectRef idx="1">
+              <a:schemeClr val="accent1"/>
+            </a:effectRef>
+            <a:fontRef idx="minor">
+              <a:schemeClr val="tx1"/>
+            </a:fontRef>
+          </p:style>
+        </p:cxnSp>
+        <p:cxnSp>
+          <p:nvCxnSpPr>
+            <p:cNvPr id="22" name="Straight Connector 21"/>
+            <p:cNvCxnSpPr/>
+            <p:nvPr/>
+          </p:nvCxnSpPr>
+          <p:spPr>
+            <a:xfrm flipH="1">
+              <a:off x="5304588" y="1307856"/>
+              <a:ext cx="3839412" cy="3839412"/>
+            </a:xfrm>
+            <a:prstGeom prst="line">
+              <a:avLst/>
+            </a:prstGeom>
+            <a:ln w="31750">
+              <a:solidFill>
+                <a:schemeClr val="tx1"/>
+              </a:solidFill>
+            </a:ln>
+          </p:spPr>
+          <p:style>
+            <a:lnRef idx="2">
+              <a:schemeClr val="accent1"/>
+            </a:lnRef>
+            <a:fillRef idx="0">
+              <a:schemeClr val="accent1"/>
+            </a:fillRef>
+            <a:effectRef idx="1">
+              <a:schemeClr val="accent1"/>
+            </a:effectRef>
+            <a:fontRef idx="minor">
+              <a:schemeClr val="tx1"/>
+            </a:fontRef>
+          </p:style>
+        </p:cxnSp>
+        <p:cxnSp>
+          <p:nvCxnSpPr>
+            <p:cNvPr id="23" name="Straight Connector 22"/>
+            <p:cNvCxnSpPr/>
+            <p:nvPr/>
+          </p:nvCxnSpPr>
+          <p:spPr>
+            <a:xfrm flipH="1">
+              <a:off x="5707078" y="1770196"/>
+              <a:ext cx="3430571" cy="3430570"/>
+            </a:xfrm>
+            <a:prstGeom prst="line">
+              <a:avLst/>
+            </a:prstGeom>
+            <a:ln w="31750">
+              <a:solidFill>
+                <a:schemeClr val="tx1"/>
+              </a:solidFill>
+            </a:ln>
+          </p:spPr>
+          <p:style>
+            <a:lnRef idx="2">
+              <a:schemeClr val="accent1"/>
+            </a:lnRef>
+            <a:fillRef idx="0">
+              <a:schemeClr val="accent1"/>
+            </a:fillRef>
+            <a:effectRef idx="1">
+              <a:schemeClr val="accent1"/>
+            </a:effectRef>
+            <a:fontRef idx="minor">
+              <a:schemeClr val="tx1"/>
+            </a:fontRef>
+          </p:style>
+        </p:cxnSp>
+      </p:grpSp>
       <p:sp>
         <p:nvSpPr>
           <p:cNvPr id="2" name="Title 1"/>
@@ -140,19 +350,27 @@
         </p:nvSpPr>
         <p:spPr>
           <a:xfrm>
-            <a:off x="685800" y="2130425"/>
-            <a:ext cx="7772400" cy="1470025"/>
-          </a:xfrm>
-        </p:spPr>
-        <p:txBody>
-          <a:bodyPr/>
-          <a:lstStyle/>
-          <a:p>
-            <a:r>
-              <a:rPr lang="en-US" smtClean="0"/>
-              <a:t>Click to edit Master title style</a:t>
-            </a:r>
-            <a:endParaRPr lang="en-US"/>
+            <a:off x="533400" y="533400"/>
+            <a:ext cx="6154713" cy="3124201"/>
+          </a:xfrm>
+        </p:spPr>
+        <p:txBody>
+          <a:bodyPr anchor="b">
+            <a:normAutofit/>
+          </a:bodyPr>
+          <a:lstStyle>
+            <a:lvl1pPr algn="l">
+              <a:defRPr sz="4400">
+                <a:effectLst/>
+              </a:defRPr>
+            </a:lvl1pPr>
+          </a:lstStyle>
+          <a:p>
+            <a:r>
+              <a:rPr lang="it-IT"/>
+              <a:t>Fare clic per modificare lo stile del titolo dello schema</a:t>
+            </a:r>
+            <a:endParaRPr lang="en-US" dirty="0"/>
           </a:p>
         </p:txBody>
       </p:sp>
@@ -168,14 +386,26 @@
         </p:nvSpPr>
         <p:spPr>
           <a:xfrm>
-            <a:off x="1371600" y="3886200"/>
-            <a:ext cx="6400800" cy="1752600"/>
-          </a:xfrm>
-        </p:spPr>
-        <p:txBody>
-          <a:bodyPr/>
+            <a:off x="533400" y="3843868"/>
+            <a:ext cx="4954250" cy="1913466"/>
+          </a:xfrm>
+        </p:spPr>
+        <p:txBody>
+          <a:bodyPr anchor="t">
+            <a:normAutofit/>
+          </a:bodyPr>
           <a:lstStyle>
-            <a:lvl1pPr marL="0" indent="0" algn="ctr">
+            <a:lvl1pPr marL="0" indent="0" algn="l">
+              <a:buNone/>
+              <a:defRPr sz="2000">
+                <a:solidFill>
+                  <a:schemeClr val="bg2">
+                    <a:lumMod val="75000"/>
+                  </a:schemeClr>
+                </a:solidFill>
+              </a:defRPr>
+            </a:lvl1pPr>
+            <a:lvl2pPr marL="457200" indent="0" algn="ctr">
               <a:buNone/>
               <a:defRPr>
                 <a:solidFill>
@@ -184,8 +414,8 @@
                   </a:schemeClr>
                 </a:solidFill>
               </a:defRPr>
-            </a:lvl1pPr>
-            <a:lvl2pPr marL="457200" indent="0" algn="ctr">
+            </a:lvl2pPr>
+            <a:lvl3pPr marL="914400" indent="0" algn="ctr">
               <a:buNone/>
               <a:defRPr>
                 <a:solidFill>
@@ -194,8 +424,8 @@
                   </a:schemeClr>
                 </a:solidFill>
               </a:defRPr>
-            </a:lvl2pPr>
-            <a:lvl3pPr marL="914400" indent="0" algn="ctr">
+            </a:lvl3pPr>
+            <a:lvl4pPr marL="1371600" indent="0" algn="ctr">
               <a:buNone/>
               <a:defRPr>
                 <a:solidFill>
@@ -204,8 +434,8 @@
                   </a:schemeClr>
                 </a:solidFill>
               </a:defRPr>
-            </a:lvl3pPr>
-            <a:lvl4pPr marL="1371600" indent="0" algn="ctr">
+            </a:lvl4pPr>
+            <a:lvl5pPr marL="1828800" indent="0" algn="ctr">
               <a:buNone/>
               <a:defRPr>
                 <a:solidFill>
@@ -214,8 +444,8 @@
                   </a:schemeClr>
                 </a:solidFill>
               </a:defRPr>
-            </a:lvl4pPr>
-            <a:lvl5pPr marL="1828800" indent="0" algn="ctr">
+            </a:lvl5pPr>
+            <a:lvl6pPr marL="2286000" indent="0" algn="ctr">
               <a:buNone/>
               <a:defRPr>
                 <a:solidFill>
@@ -224,8 +454,8 @@
                   </a:schemeClr>
                 </a:solidFill>
               </a:defRPr>
-            </a:lvl5pPr>
-            <a:lvl6pPr marL="2286000" indent="0" algn="ctr">
+            </a:lvl6pPr>
+            <a:lvl7pPr marL="2743200" indent="0" algn="ctr">
               <a:buNone/>
               <a:defRPr>
                 <a:solidFill>
@@ -234,8 +464,8 @@
                   </a:schemeClr>
                 </a:solidFill>
               </a:defRPr>
-            </a:lvl6pPr>
-            <a:lvl7pPr marL="2743200" indent="0" algn="ctr">
+            </a:lvl7pPr>
+            <a:lvl8pPr marL="3200400" indent="0" algn="ctr">
               <a:buNone/>
               <a:defRPr>
                 <a:solidFill>
@@ -244,8 +474,8 @@
                   </a:schemeClr>
                 </a:solidFill>
               </a:defRPr>
-            </a:lvl7pPr>
-            <a:lvl8pPr marL="3200400" indent="0" algn="ctr">
+            </a:lvl8pPr>
+            <a:lvl9pPr marL="3657600" indent="0" algn="ctr">
               <a:buNone/>
               <a:defRPr>
                 <a:solidFill>
@@ -254,24 +484,14 @@
                   </a:schemeClr>
                 </a:solidFill>
               </a:defRPr>
-            </a:lvl8pPr>
-            <a:lvl9pPr marL="3657600" indent="0" algn="ctr">
-              <a:buNone/>
-              <a:defRPr>
-                <a:solidFill>
-                  <a:schemeClr val="tx1">
-                    <a:tint val="75000"/>
-                  </a:schemeClr>
-                </a:solidFill>
-              </a:defRPr>
             </a:lvl9pPr>
           </a:lstStyle>
           <a:p>
             <a:r>
-              <a:rPr lang="en-US" smtClean="0"/>
-              <a:t>Click to edit Master subtitle style</a:t>
-            </a:r>
-            <a:endParaRPr lang="en-US"/>
+              <a:rPr lang="it-IT"/>
+              <a:t>Fare clic per modificare lo stile del sottotitolo dello schema</a:t>
+            </a:r>
+            <a:endParaRPr lang="en-US" dirty="0"/>
           </a:p>
         </p:txBody>
       </p:sp>
@@ -292,7 +512,7 @@
           <a:p>
             <a:fld id="{5BCAD085-E8A6-8845-BD4E-CB4CCA059FC4}" type="datetimeFigureOut">
               <a:rPr lang="en-US" smtClean="0"/>
-              <a:t>1/27/13</a:t>
+              <a:t>6/18/2025</a:t>
             </a:fld>
             <a:endParaRPr lang="en-US"/>
           </a:p>
@@ -334,7 +554,7 @@
           <a:p>
             <a:fld id="{C1FF6DA9-008F-8B48-92A6-B652298478BF}" type="slidenum">
               <a:rPr lang="en-US" smtClean="0"/>
-              <a:t>‹#›</a:t>
+              <a:t>‹N›</a:t>
             </a:fld>
             <a:endParaRPr lang="en-US"/>
           </a:p>
@@ -343,7 +563,7 @@
     </p:spTree>
     <p:extLst>
       <p:ext uri="{BB962C8B-B14F-4D97-AF65-F5344CB8AC3E}">
-        <p14:creationId xmlns:p14="http://schemas.microsoft.com/office/powerpoint/2010/main" val="3168075583"/>
+        <p14:creationId xmlns:p14="http://schemas.microsoft.com/office/powerpoint/2010/main" val="2987980289"/>
       </p:ext>
     </p:extLst>
   </p:cSld>
@@ -354,8 +574,8 @@
 </file>
 
 <file path=ppt/slideLayouts/slideLayout10.xml><?xml version="1.0" encoding="utf-8"?>
-<p:sldLayout xmlns:a="http://schemas.openxmlformats.org/drawingml/2006/main" xmlns:r="http://schemas.openxmlformats.org/officeDocument/2006/relationships" xmlns:p="http://schemas.openxmlformats.org/presentationml/2006/main" type="vertTx" preserve="1">
-  <p:cSld name="Title and Vertical Text">
+<p:sldLayout xmlns:a="http://schemas.openxmlformats.org/drawingml/2006/main" xmlns:r="http://schemas.openxmlformats.org/officeDocument/2006/relationships" xmlns:p="http://schemas.openxmlformats.org/presentationml/2006/main" preserve="1">
+  <p:cSld name="Immagine panoramica con didascalia">
     <p:spTree>
       <p:nvGrpSpPr>
         <p:cNvPr id="1" name=""/>
@@ -380,74 +600,170 @@
             <p:ph type="title"/>
           </p:nvPr>
         </p:nvSpPr>
-        <p:spPr/>
+        <p:spPr>
+          <a:xfrm>
+            <a:off x="533400" y="4495800"/>
+            <a:ext cx="6554867" cy="1524000"/>
+          </a:xfrm>
+        </p:spPr>
         <p:txBody>
           <a:bodyPr/>
           <a:lstStyle/>
           <a:p>
             <a:r>
-              <a:rPr lang="en-US" smtClean="0"/>
-              <a:t>Click to edit Master title style</a:t>
-            </a:r>
-            <a:endParaRPr lang="en-US"/>
-          </a:p>
-        </p:txBody>
-      </p:sp>
-      <p:sp>
-        <p:nvSpPr>
-          <p:cNvPr id="3" name="Vertical Text Placeholder 2"/>
-          <p:cNvSpPr>
-            <a:spLocks noGrp="1"/>
-          </p:cNvSpPr>
-          <p:nvPr>
-            <p:ph type="body" orient="vert" idx="1"/>
-          </p:nvPr>
-        </p:nvSpPr>
-        <p:spPr/>
-        <p:txBody>
-          <a:bodyPr vert="eaVert"/>
-          <a:lstStyle/>
+              <a:rPr lang="it-IT"/>
+              <a:t>Fare clic per modificare lo stile del titolo dello schema</a:t>
+            </a:r>
+            <a:endParaRPr lang="en-US" dirty="0"/>
+          </a:p>
+        </p:txBody>
+      </p:sp>
+      <p:sp>
+        <p:nvSpPr>
+          <p:cNvPr id="6" name="Picture Placeholder 2"/>
+          <p:cNvSpPr>
+            <a:spLocks noGrp="1" noChangeAspect="1"/>
+          </p:cNvSpPr>
+          <p:nvPr>
+            <p:ph type="pic" idx="13"/>
+          </p:nvPr>
+        </p:nvSpPr>
+        <p:spPr>
+          <a:xfrm>
+            <a:off x="533400" y="533400"/>
+            <a:ext cx="8077200" cy="3124200"/>
+          </a:xfrm>
+          <a:prstGeom prst="snip2DiagRect">
+            <a:avLst>
+              <a:gd name="adj1" fmla="val 10815"/>
+              <a:gd name="adj2" fmla="val 0"/>
+            </a:avLst>
+          </a:prstGeom>
+          <a:ln w="15875">
+            <a:solidFill>
+              <a:schemeClr val="tx1">
+                <a:alpha val="40000"/>
+              </a:schemeClr>
+            </a:solidFill>
+          </a:ln>
+          <a:effectLst>
+            <a:innerShdw blurRad="57150" dist="38100" dir="14460000">
+              <a:srgbClr val="000000">
+                <a:alpha val="70000"/>
+              </a:srgbClr>
+            </a:innerShdw>
+          </a:effectLst>
+        </p:spPr>
+        <p:txBody>
+          <a:bodyPr anchor="t">
+            <a:normAutofit/>
+          </a:bodyPr>
+          <a:lstStyle>
+            <a:lvl1pPr marL="0" indent="0" algn="ctr">
+              <a:buNone/>
+              <a:defRPr sz="1600"/>
+            </a:lvl1pPr>
+            <a:lvl2pPr marL="457200" indent="0">
+              <a:buNone/>
+              <a:defRPr sz="1600"/>
+            </a:lvl2pPr>
+            <a:lvl3pPr marL="914400" indent="0">
+              <a:buNone/>
+              <a:defRPr sz="1600"/>
+            </a:lvl3pPr>
+            <a:lvl4pPr marL="1371600" indent="0">
+              <a:buNone/>
+              <a:defRPr sz="1600"/>
+            </a:lvl4pPr>
+            <a:lvl5pPr marL="1828800" indent="0">
+              <a:buNone/>
+              <a:defRPr sz="1600"/>
+            </a:lvl5pPr>
+            <a:lvl6pPr marL="2286000" indent="0">
+              <a:buNone/>
+              <a:defRPr sz="1600"/>
+            </a:lvl6pPr>
+            <a:lvl7pPr marL="2743200" indent="0">
+              <a:buNone/>
+              <a:defRPr sz="1600"/>
+            </a:lvl7pPr>
+            <a:lvl8pPr marL="3200400" indent="0">
+              <a:buNone/>
+              <a:defRPr sz="1600"/>
+            </a:lvl8pPr>
+            <a:lvl9pPr marL="3657600" indent="0">
+              <a:buNone/>
+              <a:defRPr sz="1600"/>
+            </a:lvl9pPr>
+          </a:lstStyle>
+          <a:p>
+            <a:r>
+              <a:rPr lang="it-IT"/>
+              <a:t>Fare clic sull'icona per inserire un'immagine</a:t>
+            </a:r>
+            <a:endParaRPr lang="en-US" dirty="0"/>
+          </a:p>
+        </p:txBody>
+      </p:sp>
+      <p:sp>
+        <p:nvSpPr>
+          <p:cNvPr id="9" name="Text Placeholder 9"/>
+          <p:cNvSpPr>
+            <a:spLocks noGrp="1"/>
+          </p:cNvSpPr>
+          <p:nvPr>
+            <p:ph type="body" sz="quarter" idx="14"/>
+          </p:nvPr>
+        </p:nvSpPr>
+        <p:spPr>
+          <a:xfrm>
+            <a:off x="762002" y="3843867"/>
+            <a:ext cx="7281332" cy="457200"/>
+          </a:xfrm>
+        </p:spPr>
+        <p:txBody>
+          <a:bodyPr anchor="t">
+            <a:normAutofit/>
+          </a:bodyPr>
+          <a:lstStyle>
+            <a:lvl1pPr marL="0" indent="0">
+              <a:buFontTx/>
+              <a:buNone/>
+              <a:defRPr sz="1600"/>
+            </a:lvl1pPr>
+            <a:lvl2pPr marL="457200" indent="0">
+              <a:buFontTx/>
+              <a:buNone/>
+              <a:defRPr/>
+            </a:lvl2pPr>
+            <a:lvl3pPr marL="914400" indent="0">
+              <a:buFontTx/>
+              <a:buNone/>
+              <a:defRPr/>
+            </a:lvl3pPr>
+            <a:lvl4pPr marL="1371600" indent="0">
+              <a:buFontTx/>
+              <a:buNone/>
+              <a:defRPr/>
+            </a:lvl4pPr>
+            <a:lvl5pPr marL="1828800" indent="0">
+              <a:buFontTx/>
+              <a:buNone/>
+              <a:defRPr/>
+            </a:lvl5pPr>
+          </a:lstStyle>
           <a:p>
             <a:pPr lvl="0"/>
             <a:r>
-              <a:rPr lang="en-US" smtClean="0"/>
-              <a:t>Click to edit Master text styles</a:t>
-            </a:r>
-          </a:p>
-          <a:p>
-            <a:pPr lvl="1"/>
-            <a:r>
-              <a:rPr lang="en-US" smtClean="0"/>
-              <a:t>Second level</a:t>
-            </a:r>
-          </a:p>
-          <a:p>
-            <a:pPr lvl="2"/>
-            <a:r>
-              <a:rPr lang="en-US" smtClean="0"/>
-              <a:t>Third level</a:t>
-            </a:r>
-          </a:p>
-          <a:p>
-            <a:pPr lvl="3"/>
-            <a:r>
-              <a:rPr lang="en-US" smtClean="0"/>
-              <a:t>Fourth level</a:t>
-            </a:r>
-          </a:p>
-          <a:p>
-            <a:pPr lvl="4"/>
-            <a:r>
-              <a:rPr lang="en-US" smtClean="0"/>
-              <a:t>Fifth level</a:t>
-            </a:r>
-            <a:endParaRPr lang="en-US"/>
-          </a:p>
-        </p:txBody>
-      </p:sp>
-      <p:sp>
-        <p:nvSpPr>
-          <p:cNvPr id="4" name="Date Placeholder 3"/>
+              <a:rPr lang="it-IT"/>
+              <a:t>Fare clic per modificare gli stili del testo dello schema</a:t>
+            </a:r>
+          </a:p>
+        </p:txBody>
+      </p:sp>
+      <p:sp>
+        <p:nvSpPr>
+          <p:cNvPr id="3" name="Date Placeholder 2"/>
           <p:cNvSpPr>
             <a:spLocks noGrp="1"/>
           </p:cNvSpPr>
@@ -462,7 +778,7 @@
           <a:p>
             <a:fld id="{5BCAD085-E8A6-8845-BD4E-CB4CCA059FC4}" type="datetimeFigureOut">
               <a:rPr lang="en-US" smtClean="0"/>
-              <a:t>1/27/13</a:t>
+              <a:t>6/18/2025</a:t>
             </a:fld>
             <a:endParaRPr lang="en-US"/>
           </a:p>
@@ -470,7 +786,7 @@
       </p:sp>
       <p:sp>
         <p:nvSpPr>
-          <p:cNvPr id="5" name="Footer Placeholder 4"/>
+          <p:cNvPr id="4" name="Footer Placeholder 3"/>
           <p:cNvSpPr>
             <a:spLocks noGrp="1"/>
           </p:cNvSpPr>
@@ -489,7 +805,7 @@
       </p:sp>
       <p:sp>
         <p:nvSpPr>
-          <p:cNvPr id="6" name="Slide Number Placeholder 5"/>
+          <p:cNvPr id="5" name="Slide Number Placeholder 4"/>
           <p:cNvSpPr>
             <a:spLocks noGrp="1"/>
           </p:cNvSpPr>
@@ -504,7 +820,7 @@
           <a:p>
             <a:fld id="{C1FF6DA9-008F-8B48-92A6-B652298478BF}" type="slidenum">
               <a:rPr lang="en-US" smtClean="0"/>
-              <a:t>‹#›</a:t>
+              <a:t>‹N›</a:t>
             </a:fld>
             <a:endParaRPr lang="en-US"/>
           </a:p>
@@ -513,7 +829,7 @@
     </p:spTree>
     <p:extLst>
       <p:ext uri="{BB962C8B-B14F-4D97-AF65-F5344CB8AC3E}">
-        <p14:creationId xmlns:p14="http://schemas.microsoft.com/office/powerpoint/2010/main" val="2910927964"/>
+        <p14:creationId xmlns:p14="http://schemas.microsoft.com/office/powerpoint/2010/main" val="2494666378"/>
       </p:ext>
     </p:extLst>
   </p:cSld>
@@ -524,8 +840,8 @@
 </file>
 
 <file path=ppt/slideLayouts/slideLayout11.xml><?xml version="1.0" encoding="utf-8"?>
-<p:sldLayout xmlns:a="http://schemas.openxmlformats.org/drawingml/2006/main" xmlns:r="http://schemas.openxmlformats.org/officeDocument/2006/relationships" xmlns:p="http://schemas.openxmlformats.org/presentationml/2006/main" type="vertTitleAndTx" preserve="1">
-  <p:cSld name="Vertical Title and Text">
+<p:sldLayout xmlns:a="http://schemas.openxmlformats.org/drawingml/2006/main" xmlns:r="http://schemas.openxmlformats.org/officeDocument/2006/relationships" xmlns:p="http://schemas.openxmlformats.org/presentationml/2006/main" preserve="1">
+  <p:cSld name="Titolo e sottotitolo">
     <p:spTree>
       <p:nvGrpSpPr>
         <p:cNvPr id="1" name=""/>
@@ -542,86 +858,156 @@
       </p:grpSpPr>
       <p:sp>
         <p:nvSpPr>
-          <p:cNvPr id="2" name="Vertical Title 1"/>
-          <p:cNvSpPr>
-            <a:spLocks noGrp="1"/>
-          </p:cNvSpPr>
-          <p:nvPr>
-            <p:ph type="title" orient="vert"/>
-          </p:nvPr>
-        </p:nvSpPr>
-        <p:spPr>
-          <a:xfrm>
-            <a:off x="6629400" y="274638"/>
-            <a:ext cx="2057400" cy="5851525"/>
-          </a:xfrm>
-        </p:spPr>
-        <p:txBody>
-          <a:bodyPr vert="eaVert"/>
-          <a:lstStyle/>
-          <a:p>
-            <a:r>
-              <a:rPr lang="en-US" smtClean="0"/>
-              <a:t>Click to edit Master title style</a:t>
-            </a:r>
-            <a:endParaRPr lang="en-US"/>
-          </a:p>
-        </p:txBody>
-      </p:sp>
-      <p:sp>
-        <p:nvSpPr>
-          <p:cNvPr id="3" name="Vertical Text Placeholder 2"/>
-          <p:cNvSpPr>
-            <a:spLocks noGrp="1"/>
-          </p:cNvSpPr>
-          <p:nvPr>
-            <p:ph type="body" orient="vert" idx="1"/>
-          </p:nvPr>
-        </p:nvSpPr>
-        <p:spPr>
-          <a:xfrm>
-            <a:off x="457200" y="274638"/>
-            <a:ext cx="6019800" cy="5851525"/>
-          </a:xfrm>
-        </p:spPr>
-        <p:txBody>
-          <a:bodyPr vert="eaVert"/>
-          <a:lstStyle/>
+          <p:cNvPr id="2" name="Title 1"/>
+          <p:cNvSpPr>
+            <a:spLocks noGrp="1"/>
+          </p:cNvSpPr>
+          <p:nvPr>
+            <p:ph type="title"/>
+          </p:nvPr>
+        </p:nvSpPr>
+        <p:spPr>
+          <a:xfrm>
+            <a:off x="533400" y="533400"/>
+            <a:ext cx="8077200" cy="2895600"/>
+          </a:xfrm>
+        </p:spPr>
+        <p:txBody>
+          <a:bodyPr anchor="ctr">
+            <a:normAutofit/>
+          </a:bodyPr>
+          <a:lstStyle>
+            <a:lvl1pPr algn="l">
+              <a:defRPr sz="2800" b="0" cap="all"/>
+            </a:lvl1pPr>
+          </a:lstStyle>
+          <a:p>
+            <a:r>
+              <a:rPr lang="it-IT"/>
+              <a:t>Fare clic per modificare lo stile del titolo dello schema</a:t>
+            </a:r>
+            <a:endParaRPr lang="en-US" dirty="0"/>
+          </a:p>
+        </p:txBody>
+      </p:sp>
+      <p:sp>
+        <p:nvSpPr>
+          <p:cNvPr id="3" name="Text Placeholder 2"/>
+          <p:cNvSpPr>
+            <a:spLocks noGrp="1"/>
+          </p:cNvSpPr>
+          <p:nvPr>
+            <p:ph type="body" idx="1"/>
+          </p:nvPr>
+        </p:nvSpPr>
+        <p:spPr>
+          <a:xfrm>
+            <a:off x="533400" y="4114800"/>
+            <a:ext cx="6383552" cy="1905000"/>
+          </a:xfrm>
+        </p:spPr>
+        <p:txBody>
+          <a:bodyPr anchor="ctr">
+            <a:normAutofit/>
+          </a:bodyPr>
+          <a:lstStyle>
+            <a:lvl1pPr marL="0" indent="0" algn="l">
+              <a:buNone/>
+              <a:defRPr sz="1800">
+                <a:solidFill>
+                  <a:schemeClr val="bg2">
+                    <a:lumMod val="75000"/>
+                  </a:schemeClr>
+                </a:solidFill>
+              </a:defRPr>
+            </a:lvl1pPr>
+            <a:lvl2pPr marL="457200" indent="0">
+              <a:buNone/>
+              <a:defRPr sz="1800">
+                <a:solidFill>
+                  <a:schemeClr val="tx1">
+                    <a:tint val="75000"/>
+                  </a:schemeClr>
+                </a:solidFill>
+              </a:defRPr>
+            </a:lvl2pPr>
+            <a:lvl3pPr marL="914400" indent="0">
+              <a:buNone/>
+              <a:defRPr sz="1600">
+                <a:solidFill>
+                  <a:schemeClr val="tx1">
+                    <a:tint val="75000"/>
+                  </a:schemeClr>
+                </a:solidFill>
+              </a:defRPr>
+            </a:lvl3pPr>
+            <a:lvl4pPr marL="1371600" indent="0">
+              <a:buNone/>
+              <a:defRPr sz="1400">
+                <a:solidFill>
+                  <a:schemeClr val="tx1">
+                    <a:tint val="75000"/>
+                  </a:schemeClr>
+                </a:solidFill>
+              </a:defRPr>
+            </a:lvl4pPr>
+            <a:lvl5pPr marL="1828800" indent="0">
+              <a:buNone/>
+              <a:defRPr sz="1400">
+                <a:solidFill>
+                  <a:schemeClr val="tx1">
+                    <a:tint val="75000"/>
+                  </a:schemeClr>
+                </a:solidFill>
+              </a:defRPr>
+            </a:lvl5pPr>
+            <a:lvl6pPr marL="2286000" indent="0">
+              <a:buNone/>
+              <a:defRPr sz="1400">
+                <a:solidFill>
+                  <a:schemeClr val="tx1">
+                    <a:tint val="75000"/>
+                  </a:schemeClr>
+                </a:solidFill>
+              </a:defRPr>
+            </a:lvl6pPr>
+            <a:lvl7pPr marL="2743200" indent="0">
+              <a:buNone/>
+              <a:defRPr sz="1400">
+                <a:solidFill>
+                  <a:schemeClr val="tx1">
+                    <a:tint val="75000"/>
+                  </a:schemeClr>
+                </a:solidFill>
+              </a:defRPr>
+            </a:lvl7pPr>
+            <a:lvl8pPr marL="3200400" indent="0">
+              <a:buNone/>
+              <a:defRPr sz="1400">
+                <a:solidFill>
+                  <a:schemeClr val="tx1">
+                    <a:tint val="75000"/>
+                  </a:schemeClr>
+                </a:solidFill>
+              </a:defRPr>
+            </a:lvl8pPr>
+            <a:lvl9pPr marL="3657600" indent="0">
+              <a:buNone/>
+              <a:defRPr sz="1400">
+                <a:solidFill>
+                  <a:schemeClr val="tx1">
+                    <a:tint val="75000"/>
+                  </a:schemeClr>
+                </a:solidFill>
+              </a:defRPr>
+            </a:lvl9pPr>
+          </a:lstStyle>
           <a:p>
             <a:pPr lvl="0"/>
             <a:r>
-              <a:rPr lang="en-US" smtClean="0"/>
-              <a:t>Click to edit Master text styles</a:t>
-            </a:r>
-          </a:p>
-          <a:p>
-            <a:pPr lvl="1"/>
-            <a:r>
-              <a:rPr lang="en-US" smtClean="0"/>
-              <a:t>Second level</a:t>
-            </a:r>
-          </a:p>
-          <a:p>
-            <a:pPr lvl="2"/>
-            <a:r>
-              <a:rPr lang="en-US" smtClean="0"/>
-              <a:t>Third level</a:t>
-            </a:r>
-          </a:p>
-          <a:p>
-            <a:pPr lvl="3"/>
-            <a:r>
-              <a:rPr lang="en-US" smtClean="0"/>
-              <a:t>Fourth level</a:t>
-            </a:r>
-          </a:p>
-          <a:p>
-            <a:pPr lvl="4"/>
-            <a:r>
-              <a:rPr lang="en-US" smtClean="0"/>
-              <a:t>Fifth level</a:t>
-            </a:r>
-            <a:endParaRPr lang="en-US"/>
+              <a:rPr lang="it-IT"/>
+              <a:t>Fare clic per modificare gli stili del testo dello schema</a:t>
+            </a:r>
           </a:p>
         </p:txBody>
       </p:sp>
@@ -642,7 +1028,7 @@
           <a:p>
             <a:fld id="{5BCAD085-E8A6-8845-BD4E-CB4CCA059FC4}" type="datetimeFigureOut">
               <a:rPr lang="en-US" smtClean="0"/>
-              <a:t>1/27/13</a:t>
+              <a:t>6/18/2025</a:t>
             </a:fld>
             <a:endParaRPr lang="en-US"/>
           </a:p>
@@ -684,7 +1070,7 @@
           <a:p>
             <a:fld id="{C1FF6DA9-008F-8B48-92A6-B652298478BF}" type="slidenum">
               <a:rPr lang="en-US" smtClean="0"/>
-              <a:t>‹#›</a:t>
+              <a:t>‹N›</a:t>
             </a:fld>
             <a:endParaRPr lang="en-US"/>
           </a:p>
@@ -693,7 +1079,7 @@
     </p:spTree>
     <p:extLst>
       <p:ext uri="{BB962C8B-B14F-4D97-AF65-F5344CB8AC3E}">
-        <p14:creationId xmlns:p14="http://schemas.microsoft.com/office/powerpoint/2010/main" val="3612223792"/>
+        <p14:creationId xmlns:p14="http://schemas.microsoft.com/office/powerpoint/2010/main" val="1674445091"/>
       </p:ext>
     </p:extLst>
   </p:cSld>
@@ -703,9 +1089,9 @@
 </p:sldLayout>
 </file>
 
-<file path=ppt/slideLayouts/slideLayout2.xml><?xml version="1.0" encoding="utf-8"?>
-<p:sldLayout xmlns:a="http://schemas.openxmlformats.org/drawingml/2006/main" xmlns:r="http://schemas.openxmlformats.org/officeDocument/2006/relationships" xmlns:p="http://schemas.openxmlformats.org/presentationml/2006/main" type="obj" preserve="1">
-  <p:cSld name="Title and Content">
+<file path=ppt/slideLayouts/slideLayout12.xml><?xml version="1.0" encoding="utf-8"?>
+<p:sldLayout xmlns:a="http://schemas.openxmlformats.org/drawingml/2006/main" xmlns:r="http://schemas.openxmlformats.org/officeDocument/2006/relationships" xmlns:p="http://schemas.openxmlformats.org/presentationml/2006/main" preserve="1">
+  <p:cSld name="Citazione con didascalia">
     <p:spTree>
       <p:nvGrpSpPr>
         <p:cNvPr id="1" name=""/>
@@ -730,68 +1116,206 @@
             <p:ph type="title"/>
           </p:nvPr>
         </p:nvSpPr>
-        <p:spPr/>
-        <p:txBody>
-          <a:bodyPr/>
-          <a:lstStyle/>
-          <a:p>
-            <a:r>
-              <a:rPr lang="en-US" smtClean="0"/>
-              <a:t>Click to edit Master title style</a:t>
-            </a:r>
-            <a:endParaRPr lang="en-US"/>
-          </a:p>
-        </p:txBody>
-      </p:sp>
-      <p:sp>
-        <p:nvSpPr>
-          <p:cNvPr id="3" name="Content Placeholder 2"/>
-          <p:cNvSpPr>
-            <a:spLocks noGrp="1"/>
-          </p:cNvSpPr>
-          <p:nvPr>
-            <p:ph idx="1"/>
-          </p:nvPr>
-        </p:nvSpPr>
-        <p:spPr/>
-        <p:txBody>
-          <a:bodyPr/>
-          <a:lstStyle/>
+        <p:spPr>
+          <a:xfrm>
+            <a:off x="856283" y="533400"/>
+            <a:ext cx="6859787" cy="2895600"/>
+          </a:xfrm>
+        </p:spPr>
+        <p:txBody>
+          <a:bodyPr anchor="ctr">
+            <a:normAutofit/>
+          </a:bodyPr>
+          <a:lstStyle>
+            <a:lvl1pPr algn="l">
+              <a:defRPr sz="2800" b="0" cap="all">
+                <a:solidFill>
+                  <a:schemeClr val="tx1"/>
+                </a:solidFill>
+              </a:defRPr>
+            </a:lvl1pPr>
+          </a:lstStyle>
+          <a:p>
+            <a:r>
+              <a:rPr lang="it-IT"/>
+              <a:t>Fare clic per modificare lo stile del titolo dello schema</a:t>
+            </a:r>
+            <a:endParaRPr lang="en-US" dirty="0"/>
+          </a:p>
+        </p:txBody>
+      </p:sp>
+      <p:sp>
+        <p:nvSpPr>
+          <p:cNvPr id="10" name="Text Placeholder 9"/>
+          <p:cNvSpPr>
+            <a:spLocks noGrp="1"/>
+          </p:cNvSpPr>
+          <p:nvPr>
+            <p:ph type="body" sz="quarter" idx="13"/>
+          </p:nvPr>
+        </p:nvSpPr>
+        <p:spPr>
+          <a:xfrm>
+            <a:off x="1066800" y="3429000"/>
+            <a:ext cx="6402467" cy="482600"/>
+          </a:xfrm>
+        </p:spPr>
+        <p:txBody>
+          <a:bodyPr anchor="ctr"/>
+          <a:lstStyle>
+            <a:lvl1pPr marL="0" indent="0">
+              <a:buFontTx/>
+              <a:buNone/>
+              <a:defRPr/>
+            </a:lvl1pPr>
+            <a:lvl2pPr marL="457200" indent="0">
+              <a:buFontTx/>
+              <a:buNone/>
+              <a:defRPr/>
+            </a:lvl2pPr>
+            <a:lvl3pPr marL="914400" indent="0">
+              <a:buFontTx/>
+              <a:buNone/>
+              <a:defRPr/>
+            </a:lvl3pPr>
+            <a:lvl4pPr marL="1371600" indent="0">
+              <a:buFontTx/>
+              <a:buNone/>
+              <a:defRPr/>
+            </a:lvl4pPr>
+            <a:lvl5pPr marL="1828800" indent="0">
+              <a:buFontTx/>
+              <a:buNone/>
+              <a:defRPr/>
+            </a:lvl5pPr>
+          </a:lstStyle>
           <a:p>
             <a:pPr lvl="0"/>
             <a:r>
-              <a:rPr lang="en-US" smtClean="0"/>
-              <a:t>Click to edit Master text styles</a:t>
-            </a:r>
-          </a:p>
-          <a:p>
-            <a:pPr lvl="1"/>
-            <a:r>
-              <a:rPr lang="en-US" smtClean="0"/>
-              <a:t>Second level</a:t>
-            </a:r>
-          </a:p>
-          <a:p>
-            <a:pPr lvl="2"/>
-            <a:r>
-              <a:rPr lang="en-US" smtClean="0"/>
-              <a:t>Third level</a:t>
-            </a:r>
-          </a:p>
-          <a:p>
-            <a:pPr lvl="3"/>
-            <a:r>
-              <a:rPr lang="en-US" smtClean="0"/>
-              <a:t>Fourth level</a:t>
-            </a:r>
-          </a:p>
-          <a:p>
-            <a:pPr lvl="4"/>
-            <a:r>
-              <a:rPr lang="en-US" smtClean="0"/>
-              <a:t>Fifth level</a:t>
-            </a:r>
-            <a:endParaRPr lang="en-US"/>
+              <a:rPr lang="it-IT"/>
+              <a:t>Fare clic per modificare gli stili del testo dello schema</a:t>
+            </a:r>
+          </a:p>
+        </p:txBody>
+      </p:sp>
+      <p:sp>
+        <p:nvSpPr>
+          <p:cNvPr id="3" name="Text Placeholder 2"/>
+          <p:cNvSpPr>
+            <a:spLocks noGrp="1"/>
+          </p:cNvSpPr>
+          <p:nvPr>
+            <p:ph type="body" idx="1"/>
+          </p:nvPr>
+        </p:nvSpPr>
+        <p:spPr>
+          <a:xfrm>
+            <a:off x="533400" y="4301070"/>
+            <a:ext cx="6382361" cy="1718730"/>
+          </a:xfrm>
+        </p:spPr>
+        <p:txBody>
+          <a:bodyPr anchor="ctr">
+            <a:normAutofit/>
+          </a:bodyPr>
+          <a:lstStyle>
+            <a:lvl1pPr marL="0" indent="0" algn="l">
+              <a:buNone/>
+              <a:defRPr sz="2000">
+                <a:solidFill>
+                  <a:schemeClr val="bg2">
+                    <a:lumMod val="75000"/>
+                  </a:schemeClr>
+                </a:solidFill>
+              </a:defRPr>
+            </a:lvl1pPr>
+            <a:lvl2pPr marL="457200" indent="0">
+              <a:buNone/>
+              <a:defRPr sz="1800">
+                <a:solidFill>
+                  <a:schemeClr val="tx1">
+                    <a:tint val="75000"/>
+                  </a:schemeClr>
+                </a:solidFill>
+              </a:defRPr>
+            </a:lvl2pPr>
+            <a:lvl3pPr marL="914400" indent="0">
+              <a:buNone/>
+              <a:defRPr sz="1600">
+                <a:solidFill>
+                  <a:schemeClr val="tx1">
+                    <a:tint val="75000"/>
+                  </a:schemeClr>
+                </a:solidFill>
+              </a:defRPr>
+            </a:lvl3pPr>
+            <a:lvl4pPr marL="1371600" indent="0">
+              <a:buNone/>
+              <a:defRPr sz="1400">
+                <a:solidFill>
+                  <a:schemeClr val="tx1">
+                    <a:tint val="75000"/>
+                  </a:schemeClr>
+                </a:solidFill>
+              </a:defRPr>
+            </a:lvl4pPr>
+            <a:lvl5pPr marL="1828800" indent="0">
+              <a:buNone/>
+              <a:defRPr sz="1400">
+                <a:solidFill>
+                  <a:schemeClr val="tx1">
+                    <a:tint val="75000"/>
+                  </a:schemeClr>
+                </a:solidFill>
+              </a:defRPr>
+            </a:lvl5pPr>
+            <a:lvl6pPr marL="2286000" indent="0">
+              <a:buNone/>
+              <a:defRPr sz="1400">
+                <a:solidFill>
+                  <a:schemeClr val="tx1">
+                    <a:tint val="75000"/>
+                  </a:schemeClr>
+                </a:solidFill>
+              </a:defRPr>
+            </a:lvl6pPr>
+            <a:lvl7pPr marL="2743200" indent="0">
+              <a:buNone/>
+              <a:defRPr sz="1400">
+                <a:solidFill>
+                  <a:schemeClr val="tx1">
+                    <a:tint val="75000"/>
+                  </a:schemeClr>
+                </a:solidFill>
+              </a:defRPr>
+            </a:lvl7pPr>
+            <a:lvl8pPr marL="3200400" indent="0">
+              <a:buNone/>
+              <a:defRPr sz="1400">
+                <a:solidFill>
+                  <a:schemeClr val="tx1">
+                    <a:tint val="75000"/>
+                  </a:schemeClr>
+                </a:solidFill>
+              </a:defRPr>
+            </a:lvl8pPr>
+            <a:lvl9pPr marL="3657600" indent="0">
+              <a:buNone/>
+              <a:defRPr sz="1400">
+                <a:solidFill>
+                  <a:schemeClr val="tx1">
+                    <a:tint val="75000"/>
+                  </a:schemeClr>
+                </a:solidFill>
+              </a:defRPr>
+            </a:lvl9pPr>
+          </a:lstStyle>
+          <a:p>
+            <a:pPr lvl="0"/>
+            <a:r>
+              <a:rPr lang="it-IT"/>
+              <a:t>Fare clic per modificare gli stili del testo dello schema</a:t>
+            </a:r>
           </a:p>
         </p:txBody>
       </p:sp>
@@ -812,7 +1336,7 @@
           <a:p>
             <a:fld id="{5BCAD085-E8A6-8845-BD4E-CB4CCA059FC4}" type="datetimeFigureOut">
               <a:rPr lang="en-US" smtClean="0"/>
-              <a:t>1/27/13</a:t>
+              <a:t>6/18/2025</a:t>
             </a:fld>
             <a:endParaRPr lang="en-US"/>
           </a:p>
@@ -854,16 +1378,84 @@
           <a:p>
             <a:fld id="{C1FF6DA9-008F-8B48-92A6-B652298478BF}" type="slidenum">
               <a:rPr lang="en-US" smtClean="0"/>
-              <a:t>‹#›</a:t>
+              <a:t>‹N›</a:t>
             </a:fld>
             <a:endParaRPr lang="en-US"/>
+          </a:p>
+        </p:txBody>
+      </p:sp>
+      <p:sp>
+        <p:nvSpPr>
+          <p:cNvPr id="14" name="TextBox 13"/>
+          <p:cNvSpPr txBox="1"/>
+          <p:nvPr/>
+        </p:nvSpPr>
+        <p:spPr>
+          <a:xfrm>
+            <a:off x="228600" y="710624"/>
+            <a:ext cx="457319" cy="584776"/>
+          </a:xfrm>
+          <a:prstGeom prst="rect">
+            <a:avLst/>
+          </a:prstGeom>
+        </p:spPr>
+        <p:txBody>
+          <a:bodyPr vert="horz" lIns="91440" tIns="45720" rIns="91440" bIns="45720" rtlCol="0" anchor="ctr">
+            <a:noAutofit/>
+          </a:bodyPr>
+          <a:lstStyle/>
+          <a:p>
+            <a:pPr lvl="0"/>
+            <a:r>
+              <a:rPr lang="en-US" sz="8000" dirty="0">
+                <a:solidFill>
+                  <a:schemeClr val="tx1"/>
+                </a:solidFill>
+                <a:effectLst/>
+              </a:rPr>
+              <a:t>“</a:t>
+            </a:r>
+          </a:p>
+        </p:txBody>
+      </p:sp>
+      <p:sp>
+        <p:nvSpPr>
+          <p:cNvPr id="15" name="TextBox 14"/>
+          <p:cNvSpPr txBox="1"/>
+          <p:nvPr/>
+        </p:nvSpPr>
+        <p:spPr>
+          <a:xfrm>
+            <a:off x="7696200" y="2768601"/>
+            <a:ext cx="457319" cy="584776"/>
+          </a:xfrm>
+          <a:prstGeom prst="rect">
+            <a:avLst/>
+          </a:prstGeom>
+        </p:spPr>
+        <p:txBody>
+          <a:bodyPr vert="horz" lIns="91440" tIns="45720" rIns="91440" bIns="45720" rtlCol="0" anchor="ctr">
+            <a:noAutofit/>
+          </a:bodyPr>
+          <a:lstStyle/>
+          <a:p>
+            <a:pPr lvl="0" algn="r"/>
+            <a:r>
+              <a:rPr lang="en-US" sz="8000" dirty="0">
+                <a:solidFill>
+                  <a:schemeClr val="tx1"/>
+                </a:solidFill>
+                <a:effectLst/>
+              </a:rPr>
+              <a:t>”</a:t>
+            </a:r>
           </a:p>
         </p:txBody>
       </p:sp>
     </p:spTree>
     <p:extLst>
       <p:ext uri="{BB962C8B-B14F-4D97-AF65-F5344CB8AC3E}">
-        <p14:creationId xmlns:p14="http://schemas.microsoft.com/office/powerpoint/2010/main" val="2614314258"/>
+        <p14:creationId xmlns:p14="http://schemas.microsoft.com/office/powerpoint/2010/main" val="3173567857"/>
       </p:ext>
     </p:extLst>
   </p:cSld>
@@ -873,9 +1465,9 @@
 </p:sldLayout>
 </file>
 
-<file path=ppt/slideLayouts/slideLayout3.xml><?xml version="1.0" encoding="utf-8"?>
-<p:sldLayout xmlns:a="http://schemas.openxmlformats.org/drawingml/2006/main" xmlns:r="http://schemas.openxmlformats.org/officeDocument/2006/relationships" xmlns:p="http://schemas.openxmlformats.org/presentationml/2006/main" type="secHead" preserve="1">
-  <p:cSld name="Section Header">
+<file path=ppt/slideLayouts/slideLayout13.xml><?xml version="1.0" encoding="utf-8"?>
+<p:sldLayout xmlns:a="http://schemas.openxmlformats.org/drawingml/2006/main" xmlns:r="http://schemas.openxmlformats.org/officeDocument/2006/relationships" xmlns:p="http://schemas.openxmlformats.org/presentationml/2006/main" preserve="1">
+  <p:cSld name="Scheda nome">
     <p:spTree>
       <p:nvGrpSpPr>
         <p:cNvPr id="1" name=""/>
@@ -902,23 +1494,25 @@
         </p:nvSpPr>
         <p:spPr>
           <a:xfrm>
-            <a:off x="722313" y="4406900"/>
-            <a:ext cx="7772400" cy="1362075"/>
-          </a:xfrm>
-        </p:spPr>
-        <p:txBody>
-          <a:bodyPr anchor="t"/>
+            <a:off x="533400" y="3429000"/>
+            <a:ext cx="6382361" cy="1697400"/>
+          </a:xfrm>
+        </p:spPr>
+        <p:txBody>
+          <a:bodyPr anchor="b">
+            <a:normAutofit/>
+          </a:bodyPr>
           <a:lstStyle>
             <a:lvl1pPr algn="l">
-              <a:defRPr sz="4000" b="1" cap="all"/>
+              <a:defRPr sz="2800" b="0" cap="all"/>
             </a:lvl1pPr>
           </a:lstStyle>
           <a:p>
             <a:r>
-              <a:rPr lang="en-US" smtClean="0"/>
-              <a:t>Click to edit Master title style</a:t>
-            </a:r>
-            <a:endParaRPr lang="en-US"/>
+              <a:rPr lang="it-IT"/>
+              <a:t>Fare clic per modificare lo stile del titolo dello schema</a:t>
+            </a:r>
+            <a:endParaRPr lang="en-US" dirty="0"/>
           </a:p>
         </p:txBody>
       </p:sp>
@@ -934,44 +1528,56 @@
         </p:nvSpPr>
         <p:spPr>
           <a:xfrm>
-            <a:off x="722313" y="2906713"/>
-            <a:ext cx="7772400" cy="1500187"/>
-          </a:xfrm>
-        </p:spPr>
-        <p:txBody>
-          <a:bodyPr anchor="b"/>
+            <a:off x="533400" y="5132980"/>
+            <a:ext cx="6383552" cy="886819"/>
+          </a:xfrm>
+        </p:spPr>
+        <p:txBody>
+          <a:bodyPr anchor="t">
+            <a:normAutofit/>
+          </a:bodyPr>
           <a:lstStyle>
-            <a:lvl1pPr marL="0" indent="0">
-              <a:buNone/>
-              <a:defRPr sz="2000">
+            <a:lvl1pPr marL="0" indent="0" algn="l">
+              <a:buNone/>
+              <a:defRPr sz="1800">
+                <a:solidFill>
+                  <a:schemeClr val="bg2">
+                    <a:lumMod val="75000"/>
+                  </a:schemeClr>
+                </a:solidFill>
+              </a:defRPr>
+            </a:lvl1pPr>
+            <a:lvl2pPr marL="457200" indent="0">
+              <a:buNone/>
+              <a:defRPr sz="1800">
                 <a:solidFill>
                   <a:schemeClr val="tx1">
                     <a:tint val="75000"/>
                   </a:schemeClr>
                 </a:solidFill>
               </a:defRPr>
-            </a:lvl1pPr>
-            <a:lvl2pPr marL="457200" indent="0">
-              <a:buNone/>
-              <a:defRPr sz="1800">
+            </a:lvl2pPr>
+            <a:lvl3pPr marL="914400" indent="0">
+              <a:buNone/>
+              <a:defRPr sz="1600">
                 <a:solidFill>
                   <a:schemeClr val="tx1">
                     <a:tint val="75000"/>
                   </a:schemeClr>
                 </a:solidFill>
               </a:defRPr>
-            </a:lvl2pPr>
-            <a:lvl3pPr marL="914400" indent="0">
-              <a:buNone/>
-              <a:defRPr sz="1600">
+            </a:lvl3pPr>
+            <a:lvl4pPr marL="1371600" indent="0">
+              <a:buNone/>
+              <a:defRPr sz="1400">
                 <a:solidFill>
                   <a:schemeClr val="tx1">
                     <a:tint val="75000"/>
                   </a:schemeClr>
                 </a:solidFill>
               </a:defRPr>
-            </a:lvl3pPr>
-            <a:lvl4pPr marL="1371600" indent="0">
+            </a:lvl4pPr>
+            <a:lvl5pPr marL="1828800" indent="0">
               <a:buNone/>
               <a:defRPr sz="1400">
                 <a:solidFill>
@@ -980,8 +1586,8 @@
                   </a:schemeClr>
                 </a:solidFill>
               </a:defRPr>
-            </a:lvl4pPr>
-            <a:lvl5pPr marL="1828800" indent="0">
+            </a:lvl5pPr>
+            <a:lvl6pPr marL="2286000" indent="0">
               <a:buNone/>
               <a:defRPr sz="1400">
                 <a:solidFill>
@@ -990,8 +1596,8 @@
                   </a:schemeClr>
                 </a:solidFill>
               </a:defRPr>
-            </a:lvl5pPr>
-            <a:lvl6pPr marL="2286000" indent="0">
+            </a:lvl6pPr>
+            <a:lvl7pPr marL="2743200" indent="0">
               <a:buNone/>
               <a:defRPr sz="1400">
                 <a:solidFill>
@@ -1000,8 +1606,8 @@
                   </a:schemeClr>
                 </a:solidFill>
               </a:defRPr>
-            </a:lvl6pPr>
-            <a:lvl7pPr marL="2743200" indent="0">
+            </a:lvl7pPr>
+            <a:lvl8pPr marL="3200400" indent="0">
               <a:buNone/>
               <a:defRPr sz="1400">
                 <a:solidFill>
@@ -1010,8 +1616,8 @@
                   </a:schemeClr>
                 </a:solidFill>
               </a:defRPr>
-            </a:lvl7pPr>
-            <a:lvl8pPr marL="3200400" indent="0">
+            </a:lvl8pPr>
+            <a:lvl9pPr marL="3657600" indent="0">
               <a:buNone/>
               <a:defRPr sz="1400">
                 <a:solidFill>
@@ -1020,23 +1626,13 @@
                   </a:schemeClr>
                 </a:solidFill>
               </a:defRPr>
-            </a:lvl8pPr>
-            <a:lvl9pPr marL="3657600" indent="0">
-              <a:buNone/>
-              <a:defRPr sz="1400">
-                <a:solidFill>
-                  <a:schemeClr val="tx1">
-                    <a:tint val="75000"/>
-                  </a:schemeClr>
-                </a:solidFill>
-              </a:defRPr>
             </a:lvl9pPr>
           </a:lstStyle>
           <a:p>
             <a:pPr lvl="0"/>
             <a:r>
-              <a:rPr lang="en-US" smtClean="0"/>
-              <a:t>Click to edit Master text styles</a:t>
+              <a:rPr lang="it-IT"/>
+              <a:t>Fare clic per modificare gli stili del testo dello schema</a:t>
             </a:r>
           </a:p>
         </p:txBody>
@@ -1058,7 +1654,7 @@
           <a:p>
             <a:fld id="{5BCAD085-E8A6-8845-BD4E-CB4CCA059FC4}" type="datetimeFigureOut">
               <a:rPr lang="en-US" smtClean="0"/>
-              <a:t>1/27/13</a:t>
+              <a:t>6/18/2025</a:t>
             </a:fld>
             <a:endParaRPr lang="en-US"/>
           </a:p>
@@ -1100,7 +1696,7 @@
           <a:p>
             <a:fld id="{C1FF6DA9-008F-8B48-92A6-B652298478BF}" type="slidenum">
               <a:rPr lang="en-US" smtClean="0"/>
-              <a:t>‹#›</a:t>
+              <a:t>‹N›</a:t>
             </a:fld>
             <a:endParaRPr lang="en-US"/>
           </a:p>
@@ -1109,7 +1705,7 @@
     </p:spTree>
     <p:extLst>
       <p:ext uri="{BB962C8B-B14F-4D97-AF65-F5344CB8AC3E}">
-        <p14:creationId xmlns:p14="http://schemas.microsoft.com/office/powerpoint/2010/main" val="960648375"/>
+        <p14:creationId xmlns:p14="http://schemas.microsoft.com/office/powerpoint/2010/main" val="1812751308"/>
       </p:ext>
     </p:extLst>
   </p:cSld>
@@ -1119,9 +1715,9 @@
 </p:sldLayout>
 </file>
 
-<file path=ppt/slideLayouts/slideLayout4.xml><?xml version="1.0" encoding="utf-8"?>
-<p:sldLayout xmlns:a="http://schemas.openxmlformats.org/drawingml/2006/main" xmlns:r="http://schemas.openxmlformats.org/officeDocument/2006/relationships" xmlns:p="http://schemas.openxmlformats.org/presentationml/2006/main" type="twoObj" preserve="1">
-  <p:cSld name="Two Content">
+<file path=ppt/slideLayouts/slideLayout14.xml><?xml version="1.0" encoding="utf-8"?>
+<p:sldLayout xmlns:a="http://schemas.openxmlformats.org/drawingml/2006/main" xmlns:r="http://schemas.openxmlformats.org/officeDocument/2006/relationships" xmlns:p="http://schemas.openxmlformats.org/presentationml/2006/main" preserve="1">
+  <p:cSld name="Scheda nome citazione">
     <p:spTree>
       <p:nvGrpSpPr>
         <p:cNvPr id="1" name=""/>
@@ -1146,192 +1742,206 @@
             <p:ph type="title"/>
           </p:nvPr>
         </p:nvSpPr>
-        <p:spPr/>
-        <p:txBody>
-          <a:bodyPr/>
-          <a:lstStyle/>
-          <a:p>
-            <a:r>
-              <a:rPr lang="en-US" smtClean="0"/>
-              <a:t>Click to edit Master title style</a:t>
-            </a:r>
-            <a:endParaRPr lang="en-US"/>
-          </a:p>
-        </p:txBody>
-      </p:sp>
-      <p:sp>
-        <p:nvSpPr>
-          <p:cNvPr id="3" name="Content Placeholder 2"/>
-          <p:cNvSpPr>
-            <a:spLocks noGrp="1"/>
-          </p:cNvSpPr>
-          <p:nvPr>
-            <p:ph sz="half" idx="1"/>
-          </p:nvPr>
-        </p:nvSpPr>
-        <p:spPr>
-          <a:xfrm>
-            <a:off x="457200" y="1600200"/>
-            <a:ext cx="4038600" cy="4525963"/>
-          </a:xfrm>
-        </p:spPr>
-        <p:txBody>
-          <a:bodyPr/>
+        <p:spPr>
+          <a:xfrm>
+            <a:off x="856284" y="533400"/>
+            <a:ext cx="6859786" cy="2895600"/>
+          </a:xfrm>
+        </p:spPr>
+        <p:txBody>
+          <a:bodyPr anchor="ctr">
+            <a:normAutofit/>
+          </a:bodyPr>
+          <a:lstStyle>
+            <a:lvl1pPr algn="l">
+              <a:defRPr sz="2800" b="0" cap="all">
+                <a:solidFill>
+                  <a:schemeClr val="tx1"/>
+                </a:solidFill>
+              </a:defRPr>
+            </a:lvl1pPr>
+          </a:lstStyle>
+          <a:p>
+            <a:r>
+              <a:rPr lang="it-IT"/>
+              <a:t>Fare clic per modificare lo stile del titolo dello schema</a:t>
+            </a:r>
+            <a:endParaRPr lang="en-US" dirty="0"/>
+          </a:p>
+        </p:txBody>
+      </p:sp>
+      <p:sp>
+        <p:nvSpPr>
+          <p:cNvPr id="10" name="Text Placeholder 9"/>
+          <p:cNvSpPr>
+            <a:spLocks noGrp="1"/>
+          </p:cNvSpPr>
+          <p:nvPr>
+            <p:ph type="body" sz="quarter" idx="13"/>
+          </p:nvPr>
+        </p:nvSpPr>
+        <p:spPr>
+          <a:xfrm>
+            <a:off x="533400" y="3886200"/>
+            <a:ext cx="6382361" cy="1049866"/>
+          </a:xfrm>
+        </p:spPr>
+        <p:txBody>
+          <a:bodyPr vert="horz" lIns="91440" tIns="45720" rIns="91440" bIns="45720" rtlCol="0" anchor="b">
+            <a:normAutofit/>
+          </a:bodyPr>
           <a:lstStyle>
             <a:lvl1pPr>
-              <a:defRPr sz="2800"/>
+              <a:buNone/>
+              <a:defRPr lang="en-US" sz="2000" b="0" cap="all" dirty="0">
+                <a:ln w="3175" cmpd="sng">
+                  <a:noFill/>
+                </a:ln>
+                <a:solidFill>
+                  <a:schemeClr val="tx1"/>
+                </a:solidFill>
+                <a:effectLst/>
+              </a:defRPr>
             </a:lvl1pPr>
-            <a:lvl2pPr>
-              <a:defRPr sz="2400"/>
+          </a:lstStyle>
+          <a:p>
+            <a:pPr marL="0" lvl="0">
+              <a:spcBef>
+                <a:spcPct val="0"/>
+              </a:spcBef>
+              <a:buNone/>
+            </a:pPr>
+            <a:r>
+              <a:rPr lang="it-IT"/>
+              <a:t>Fare clic per modificare gli stili del testo dello schema</a:t>
+            </a:r>
+          </a:p>
+        </p:txBody>
+      </p:sp>
+      <p:sp>
+        <p:nvSpPr>
+          <p:cNvPr id="3" name="Text Placeholder 2"/>
+          <p:cNvSpPr>
+            <a:spLocks noGrp="1"/>
+          </p:cNvSpPr>
+          <p:nvPr>
+            <p:ph type="body" idx="1"/>
+          </p:nvPr>
+        </p:nvSpPr>
+        <p:spPr>
+          <a:xfrm>
+            <a:off x="533400" y="4953000"/>
+            <a:ext cx="6382360" cy="1066800"/>
+          </a:xfrm>
+        </p:spPr>
+        <p:txBody>
+          <a:bodyPr anchor="t">
+            <a:normAutofit/>
+          </a:bodyPr>
+          <a:lstStyle>
+            <a:lvl1pPr marL="0" indent="0" algn="l">
+              <a:buNone/>
+              <a:defRPr sz="1800">
+                <a:solidFill>
+                  <a:schemeClr val="bg2">
+                    <a:lumMod val="75000"/>
+                  </a:schemeClr>
+                </a:solidFill>
+              </a:defRPr>
+            </a:lvl1pPr>
+            <a:lvl2pPr marL="457200" indent="0">
+              <a:buNone/>
+              <a:defRPr sz="1800">
+                <a:solidFill>
+                  <a:schemeClr val="tx1">
+                    <a:tint val="75000"/>
+                  </a:schemeClr>
+                </a:solidFill>
+              </a:defRPr>
             </a:lvl2pPr>
-            <a:lvl3pPr>
-              <a:defRPr sz="2000"/>
+            <a:lvl3pPr marL="914400" indent="0">
+              <a:buNone/>
+              <a:defRPr sz="1600">
+                <a:solidFill>
+                  <a:schemeClr val="tx1">
+                    <a:tint val="75000"/>
+                  </a:schemeClr>
+                </a:solidFill>
+              </a:defRPr>
             </a:lvl3pPr>
-            <a:lvl4pPr>
-              <a:defRPr sz="1800"/>
+            <a:lvl4pPr marL="1371600" indent="0">
+              <a:buNone/>
+              <a:defRPr sz="1400">
+                <a:solidFill>
+                  <a:schemeClr val="tx1">
+                    <a:tint val="75000"/>
+                  </a:schemeClr>
+                </a:solidFill>
+              </a:defRPr>
             </a:lvl4pPr>
-            <a:lvl5pPr>
-              <a:defRPr sz="1800"/>
+            <a:lvl5pPr marL="1828800" indent="0">
+              <a:buNone/>
+              <a:defRPr sz="1400">
+                <a:solidFill>
+                  <a:schemeClr val="tx1">
+                    <a:tint val="75000"/>
+                  </a:schemeClr>
+                </a:solidFill>
+              </a:defRPr>
             </a:lvl5pPr>
-            <a:lvl6pPr>
-              <a:defRPr sz="1800"/>
+            <a:lvl6pPr marL="2286000" indent="0">
+              <a:buNone/>
+              <a:defRPr sz="1400">
+                <a:solidFill>
+                  <a:schemeClr val="tx1">
+                    <a:tint val="75000"/>
+                  </a:schemeClr>
+                </a:solidFill>
+              </a:defRPr>
             </a:lvl6pPr>
-            <a:lvl7pPr>
-              <a:defRPr sz="1800"/>
+            <a:lvl7pPr marL="2743200" indent="0">
+              <a:buNone/>
+              <a:defRPr sz="1400">
+                <a:solidFill>
+                  <a:schemeClr val="tx1">
+                    <a:tint val="75000"/>
+                  </a:schemeClr>
+                </a:solidFill>
+              </a:defRPr>
             </a:lvl7pPr>
-            <a:lvl8pPr>
-              <a:defRPr sz="1800"/>
+            <a:lvl8pPr marL="3200400" indent="0">
+              <a:buNone/>
+              <a:defRPr sz="1400">
+                <a:solidFill>
+                  <a:schemeClr val="tx1">
+                    <a:tint val="75000"/>
+                  </a:schemeClr>
+                </a:solidFill>
+              </a:defRPr>
             </a:lvl8pPr>
-            <a:lvl9pPr>
-              <a:defRPr sz="1800"/>
+            <a:lvl9pPr marL="3657600" indent="0">
+              <a:buNone/>
+              <a:defRPr sz="1400">
+                <a:solidFill>
+                  <a:schemeClr val="tx1">
+                    <a:tint val="75000"/>
+                  </a:schemeClr>
+                </a:solidFill>
+              </a:defRPr>
             </a:lvl9pPr>
           </a:lstStyle>
           <a:p>
             <a:pPr lvl="0"/>
             <a:r>
-              <a:rPr lang="en-US" smtClean="0"/>
-              <a:t>Click to edit Master text styles</a:t>
-            </a:r>
-          </a:p>
-          <a:p>
-            <a:pPr lvl="1"/>
-            <a:r>
-              <a:rPr lang="en-US" smtClean="0"/>
-              <a:t>Second level</a:t>
-            </a:r>
-          </a:p>
-          <a:p>
-            <a:pPr lvl="2"/>
-            <a:r>
-              <a:rPr lang="en-US" smtClean="0"/>
-              <a:t>Third level</a:t>
-            </a:r>
-          </a:p>
-          <a:p>
-            <a:pPr lvl="3"/>
-            <a:r>
-              <a:rPr lang="en-US" smtClean="0"/>
-              <a:t>Fourth level</a:t>
-            </a:r>
-          </a:p>
-          <a:p>
-            <a:pPr lvl="4"/>
-            <a:r>
-              <a:rPr lang="en-US" smtClean="0"/>
-              <a:t>Fifth level</a:t>
-            </a:r>
-            <a:endParaRPr lang="en-US"/>
-          </a:p>
-        </p:txBody>
-      </p:sp>
-      <p:sp>
-        <p:nvSpPr>
-          <p:cNvPr id="4" name="Content Placeholder 3"/>
-          <p:cNvSpPr>
-            <a:spLocks noGrp="1"/>
-          </p:cNvSpPr>
-          <p:nvPr>
-            <p:ph sz="half" idx="2"/>
-          </p:nvPr>
-        </p:nvSpPr>
-        <p:spPr>
-          <a:xfrm>
-            <a:off x="4648200" y="1600200"/>
-            <a:ext cx="4038600" cy="4525963"/>
-          </a:xfrm>
-        </p:spPr>
-        <p:txBody>
-          <a:bodyPr/>
-          <a:lstStyle>
-            <a:lvl1pPr>
-              <a:defRPr sz="2800"/>
-            </a:lvl1pPr>
-            <a:lvl2pPr>
-              <a:defRPr sz="2400"/>
-            </a:lvl2pPr>
-            <a:lvl3pPr>
-              <a:defRPr sz="2000"/>
-            </a:lvl3pPr>
-            <a:lvl4pPr>
-              <a:defRPr sz="1800"/>
-            </a:lvl4pPr>
-            <a:lvl5pPr>
-              <a:defRPr sz="1800"/>
-            </a:lvl5pPr>
-            <a:lvl6pPr>
-              <a:defRPr sz="1800"/>
-            </a:lvl6pPr>
-            <a:lvl7pPr>
-              <a:defRPr sz="1800"/>
-            </a:lvl7pPr>
-            <a:lvl8pPr>
-              <a:defRPr sz="1800"/>
-            </a:lvl8pPr>
-            <a:lvl9pPr>
-              <a:defRPr sz="1800"/>
-            </a:lvl9pPr>
-          </a:lstStyle>
-          <a:p>
-            <a:pPr lvl="0"/>
-            <a:r>
-              <a:rPr lang="en-US" smtClean="0"/>
-              <a:t>Click to edit Master text styles</a:t>
-            </a:r>
-          </a:p>
-          <a:p>
-            <a:pPr lvl="1"/>
-            <a:r>
-              <a:rPr lang="en-US" smtClean="0"/>
-              <a:t>Second level</a:t>
-            </a:r>
-          </a:p>
-          <a:p>
-            <a:pPr lvl="2"/>
-            <a:r>
-              <a:rPr lang="en-US" smtClean="0"/>
-              <a:t>Third level</a:t>
-            </a:r>
-          </a:p>
-          <a:p>
-            <a:pPr lvl="3"/>
-            <a:r>
-              <a:rPr lang="en-US" smtClean="0"/>
-              <a:t>Fourth level</a:t>
-            </a:r>
-          </a:p>
-          <a:p>
-            <a:pPr lvl="4"/>
-            <a:r>
-              <a:rPr lang="en-US" smtClean="0"/>
-              <a:t>Fifth level</a:t>
-            </a:r>
-            <a:endParaRPr lang="en-US"/>
-          </a:p>
-        </p:txBody>
-      </p:sp>
-      <p:sp>
-        <p:nvSpPr>
-          <p:cNvPr id="5" name="Date Placeholder 4"/>
+              <a:rPr lang="it-IT"/>
+              <a:t>Fare clic per modificare gli stili del testo dello schema</a:t>
+            </a:r>
+          </a:p>
+        </p:txBody>
+      </p:sp>
+      <p:sp>
+        <p:nvSpPr>
+          <p:cNvPr id="4" name="Date Placeholder 3"/>
           <p:cNvSpPr>
             <a:spLocks noGrp="1"/>
           </p:cNvSpPr>
@@ -1346,7 +1956,7 @@
           <a:p>
             <a:fld id="{5BCAD085-E8A6-8845-BD4E-CB4CCA059FC4}" type="datetimeFigureOut">
               <a:rPr lang="en-US" smtClean="0"/>
-              <a:t>1/27/13</a:t>
+              <a:t>6/18/2025</a:t>
             </a:fld>
             <a:endParaRPr lang="en-US"/>
           </a:p>
@@ -1354,7 +1964,7 @@
       </p:sp>
       <p:sp>
         <p:nvSpPr>
-          <p:cNvPr id="6" name="Footer Placeholder 5"/>
+          <p:cNvPr id="5" name="Footer Placeholder 4"/>
           <p:cNvSpPr>
             <a:spLocks noGrp="1"/>
           </p:cNvSpPr>
@@ -1373,7 +1983,7 @@
       </p:sp>
       <p:sp>
         <p:nvSpPr>
-          <p:cNvPr id="7" name="Slide Number Placeholder 6"/>
+          <p:cNvPr id="6" name="Slide Number Placeholder 5"/>
           <p:cNvSpPr>
             <a:spLocks noGrp="1"/>
           </p:cNvSpPr>
@@ -1388,16 +1998,84 @@
           <a:p>
             <a:fld id="{C1FF6DA9-008F-8B48-92A6-B652298478BF}" type="slidenum">
               <a:rPr lang="en-US" smtClean="0"/>
-              <a:t>‹#›</a:t>
+              <a:t>‹N›</a:t>
             </a:fld>
             <a:endParaRPr lang="en-US"/>
+          </a:p>
+        </p:txBody>
+      </p:sp>
+      <p:sp>
+        <p:nvSpPr>
+          <p:cNvPr id="14" name="TextBox 13"/>
+          <p:cNvSpPr txBox="1"/>
+          <p:nvPr/>
+        </p:nvSpPr>
+        <p:spPr>
+          <a:xfrm>
+            <a:off x="228600" y="710624"/>
+            <a:ext cx="457319" cy="584776"/>
+          </a:xfrm>
+          <a:prstGeom prst="rect">
+            <a:avLst/>
+          </a:prstGeom>
+        </p:spPr>
+        <p:txBody>
+          <a:bodyPr vert="horz" lIns="91440" tIns="45720" rIns="91440" bIns="45720" rtlCol="0" anchor="ctr">
+            <a:noAutofit/>
+          </a:bodyPr>
+          <a:lstStyle/>
+          <a:p>
+            <a:pPr lvl="0"/>
+            <a:r>
+              <a:rPr lang="en-US" sz="8000" dirty="0">
+                <a:solidFill>
+                  <a:schemeClr val="tx1"/>
+                </a:solidFill>
+                <a:effectLst/>
+              </a:rPr>
+              <a:t>“</a:t>
+            </a:r>
+          </a:p>
+        </p:txBody>
+      </p:sp>
+      <p:sp>
+        <p:nvSpPr>
+          <p:cNvPr id="15" name="TextBox 14"/>
+          <p:cNvSpPr txBox="1"/>
+          <p:nvPr/>
+        </p:nvSpPr>
+        <p:spPr>
+          <a:xfrm>
+            <a:off x="7696200" y="2768601"/>
+            <a:ext cx="457319" cy="584776"/>
+          </a:xfrm>
+          <a:prstGeom prst="rect">
+            <a:avLst/>
+          </a:prstGeom>
+        </p:spPr>
+        <p:txBody>
+          <a:bodyPr vert="horz" lIns="91440" tIns="45720" rIns="91440" bIns="45720" rtlCol="0" anchor="ctr">
+            <a:noAutofit/>
+          </a:bodyPr>
+          <a:lstStyle/>
+          <a:p>
+            <a:pPr lvl="0" algn="r"/>
+            <a:r>
+              <a:rPr lang="en-US" sz="8000" dirty="0">
+                <a:solidFill>
+                  <a:schemeClr val="tx1"/>
+                </a:solidFill>
+                <a:effectLst/>
+              </a:rPr>
+              <a:t>”</a:t>
+            </a:r>
           </a:p>
         </p:txBody>
       </p:sp>
     </p:spTree>
     <p:extLst>
       <p:ext uri="{BB962C8B-B14F-4D97-AF65-F5344CB8AC3E}">
-        <p14:creationId xmlns:p14="http://schemas.microsoft.com/office/powerpoint/2010/main" val="2782244947"/>
+        <p14:creationId xmlns:p14="http://schemas.microsoft.com/office/powerpoint/2010/main" val="3395641711"/>
       </p:ext>
     </p:extLst>
   </p:cSld>
@@ -1407,9 +2085,9 @@
 </p:sldLayout>
 </file>
 
-<file path=ppt/slideLayouts/slideLayout5.xml><?xml version="1.0" encoding="utf-8"?>
-<p:sldLayout xmlns:a="http://schemas.openxmlformats.org/drawingml/2006/main" xmlns:r="http://schemas.openxmlformats.org/officeDocument/2006/relationships" xmlns:p="http://schemas.openxmlformats.org/presentationml/2006/main" type="twoTxTwoObj" preserve="1">
-  <p:cSld name="Comparison">
+<file path=ppt/slideLayouts/slideLayout15.xml><?xml version="1.0" encoding="utf-8"?>
+<p:sldLayout xmlns:a="http://schemas.openxmlformats.org/drawingml/2006/main" xmlns:r="http://schemas.openxmlformats.org/officeDocument/2006/relationships" xmlns:p="http://schemas.openxmlformats.org/presentationml/2006/main" preserve="1">
+  <p:cSld name="Vero o falso">
     <p:spTree>
       <p:nvGrpSpPr>
         <p:cNvPr id="1" name=""/>
@@ -1434,20 +2112,76 @@
             <p:ph type="title"/>
           </p:nvPr>
         </p:nvSpPr>
-        <p:spPr/>
-        <p:txBody>
-          <a:bodyPr/>
+        <p:spPr>
+          <a:xfrm>
+            <a:off x="533400" y="533400"/>
+            <a:ext cx="7525658" cy="2895600"/>
+          </a:xfrm>
+        </p:spPr>
+        <p:txBody>
+          <a:bodyPr vert="horz" lIns="91440" tIns="45720" rIns="91440" bIns="45720" rtlCol="0" anchor="ctr">
+            <a:normAutofit/>
+          </a:bodyPr>
           <a:lstStyle>
             <a:lvl1pPr>
-              <a:defRPr/>
+              <a:defRPr lang="en-US" sz="2800" b="0" dirty="0"/>
             </a:lvl1pPr>
           </a:lstStyle>
           <a:p>
-            <a:r>
-              <a:rPr lang="en-US" smtClean="0"/>
-              <a:t>Click to edit Master title style</a:t>
-            </a:r>
-            <a:endParaRPr lang="en-US"/>
+            <a:pPr marL="0" lvl="0"/>
+            <a:r>
+              <a:rPr lang="it-IT"/>
+              <a:t>Fare clic per modificare lo stile del titolo dello schema</a:t>
+            </a:r>
+            <a:endParaRPr lang="en-US" dirty="0"/>
+          </a:p>
+        </p:txBody>
+      </p:sp>
+      <p:sp>
+        <p:nvSpPr>
+          <p:cNvPr id="10" name="Text Placeholder 9"/>
+          <p:cNvSpPr>
+            <a:spLocks noGrp="1"/>
+          </p:cNvSpPr>
+          <p:nvPr>
+            <p:ph type="body" sz="quarter" idx="13"/>
+          </p:nvPr>
+        </p:nvSpPr>
+        <p:spPr>
+          <a:xfrm>
+            <a:off x="533400" y="3928534"/>
+            <a:ext cx="6382361" cy="838200"/>
+          </a:xfrm>
+        </p:spPr>
+        <p:txBody>
+          <a:bodyPr vert="horz" lIns="91440" tIns="45720" rIns="91440" bIns="45720" rtlCol="0" anchor="b">
+            <a:normAutofit/>
+          </a:bodyPr>
+          <a:lstStyle>
+            <a:lvl1pPr>
+              <a:buNone/>
+              <a:defRPr lang="en-US" sz="2000" b="0" cap="all" dirty="0">
+                <a:ln w="3175" cmpd="sng">
+                  <a:noFill/>
+                </a:ln>
+                <a:solidFill>
+                  <a:schemeClr val="tx1"/>
+                </a:solidFill>
+                <a:effectLst/>
+              </a:defRPr>
+            </a:lvl1pPr>
+          </a:lstStyle>
+          <a:p>
+            <a:pPr marL="0" lvl="0">
+              <a:spcBef>
+                <a:spcPct val="0"/>
+              </a:spcBef>
+              <a:buNone/>
+            </a:pPr>
+            <a:r>
+              <a:rPr lang="it-IT"/>
+              <a:t>Fare clic per modificare gli stili del testo dello schema</a:t>
+            </a:r>
           </a:p>
         </p:txBody>
       </p:sp>
@@ -1463,297 +2197,118 @@
         </p:nvSpPr>
         <p:spPr>
           <a:xfrm>
-            <a:off x="457200" y="1535113"/>
-            <a:ext cx="4040188" cy="639762"/>
-          </a:xfrm>
-        </p:spPr>
-        <p:txBody>
-          <a:bodyPr anchor="b"/>
+            <a:off x="533400" y="4766735"/>
+            <a:ext cx="6382360" cy="1253065"/>
+          </a:xfrm>
+        </p:spPr>
+        <p:txBody>
+          <a:bodyPr anchor="t">
+            <a:normAutofit/>
+          </a:bodyPr>
           <a:lstStyle>
-            <a:lvl1pPr marL="0" indent="0">
-              <a:buNone/>
-              <a:defRPr sz="2400" b="1"/>
+            <a:lvl1pPr marL="0" indent="0" algn="l">
+              <a:buNone/>
+              <a:defRPr sz="1800">
+                <a:solidFill>
+                  <a:schemeClr val="bg2">
+                    <a:lumMod val="75000"/>
+                  </a:schemeClr>
+                </a:solidFill>
+              </a:defRPr>
             </a:lvl1pPr>
             <a:lvl2pPr marL="457200" indent="0">
               <a:buNone/>
-              <a:defRPr sz="2000" b="1"/>
+              <a:defRPr sz="1800">
+                <a:solidFill>
+                  <a:schemeClr val="tx1">
+                    <a:tint val="75000"/>
+                  </a:schemeClr>
+                </a:solidFill>
+              </a:defRPr>
             </a:lvl2pPr>
             <a:lvl3pPr marL="914400" indent="0">
               <a:buNone/>
-              <a:defRPr sz="1800" b="1"/>
+              <a:defRPr sz="1600">
+                <a:solidFill>
+                  <a:schemeClr val="tx1">
+                    <a:tint val="75000"/>
+                  </a:schemeClr>
+                </a:solidFill>
+              </a:defRPr>
             </a:lvl3pPr>
             <a:lvl4pPr marL="1371600" indent="0">
               <a:buNone/>
-              <a:defRPr sz="1600" b="1"/>
+              <a:defRPr sz="1400">
+                <a:solidFill>
+                  <a:schemeClr val="tx1">
+                    <a:tint val="75000"/>
+                  </a:schemeClr>
+                </a:solidFill>
+              </a:defRPr>
             </a:lvl4pPr>
             <a:lvl5pPr marL="1828800" indent="0">
               <a:buNone/>
-              <a:defRPr sz="1600" b="1"/>
+              <a:defRPr sz="1400">
+                <a:solidFill>
+                  <a:schemeClr val="tx1">
+                    <a:tint val="75000"/>
+                  </a:schemeClr>
+                </a:solidFill>
+              </a:defRPr>
             </a:lvl5pPr>
             <a:lvl6pPr marL="2286000" indent="0">
               <a:buNone/>
-              <a:defRPr sz="1600" b="1"/>
+              <a:defRPr sz="1400">
+                <a:solidFill>
+                  <a:schemeClr val="tx1">
+                    <a:tint val="75000"/>
+                  </a:schemeClr>
+                </a:solidFill>
+              </a:defRPr>
             </a:lvl6pPr>
             <a:lvl7pPr marL="2743200" indent="0">
               <a:buNone/>
-              <a:defRPr sz="1600" b="1"/>
+              <a:defRPr sz="1400">
+                <a:solidFill>
+                  <a:schemeClr val="tx1">
+                    <a:tint val="75000"/>
+                  </a:schemeClr>
+                </a:solidFill>
+              </a:defRPr>
             </a:lvl7pPr>
             <a:lvl8pPr marL="3200400" indent="0">
               <a:buNone/>
-              <a:defRPr sz="1600" b="1"/>
+              <a:defRPr sz="1400">
+                <a:solidFill>
+                  <a:schemeClr val="tx1">
+                    <a:tint val="75000"/>
+                  </a:schemeClr>
+                </a:solidFill>
+              </a:defRPr>
             </a:lvl8pPr>
             <a:lvl9pPr marL="3657600" indent="0">
               <a:buNone/>
-              <a:defRPr sz="1600" b="1"/>
+              <a:defRPr sz="1400">
+                <a:solidFill>
+                  <a:schemeClr val="tx1">
+                    <a:tint val="75000"/>
+                  </a:schemeClr>
+                </a:solidFill>
+              </a:defRPr>
             </a:lvl9pPr>
           </a:lstStyle>
           <a:p>
             <a:pPr lvl="0"/>
             <a:r>
-              <a:rPr lang="en-US" smtClean="0"/>
-              <a:t>Click to edit Master text styles</a:t>
-            </a:r>
-          </a:p>
-        </p:txBody>
-      </p:sp>
-      <p:sp>
-        <p:nvSpPr>
-          <p:cNvPr id="4" name="Content Placeholder 3"/>
-          <p:cNvSpPr>
-            <a:spLocks noGrp="1"/>
-          </p:cNvSpPr>
-          <p:nvPr>
-            <p:ph sz="half" idx="2"/>
-          </p:nvPr>
-        </p:nvSpPr>
-        <p:spPr>
-          <a:xfrm>
-            <a:off x="457200" y="2174875"/>
-            <a:ext cx="4040188" cy="3951288"/>
-          </a:xfrm>
-        </p:spPr>
-        <p:txBody>
-          <a:bodyPr/>
-          <a:lstStyle>
-            <a:lvl1pPr>
-              <a:defRPr sz="2400"/>
-            </a:lvl1pPr>
-            <a:lvl2pPr>
-              <a:defRPr sz="2000"/>
-            </a:lvl2pPr>
-            <a:lvl3pPr>
-              <a:defRPr sz="1800"/>
-            </a:lvl3pPr>
-            <a:lvl4pPr>
-              <a:defRPr sz="1600"/>
-            </a:lvl4pPr>
-            <a:lvl5pPr>
-              <a:defRPr sz="1600"/>
-            </a:lvl5pPr>
-            <a:lvl6pPr>
-              <a:defRPr sz="1600"/>
-            </a:lvl6pPr>
-            <a:lvl7pPr>
-              <a:defRPr sz="1600"/>
-            </a:lvl7pPr>
-            <a:lvl8pPr>
-              <a:defRPr sz="1600"/>
-            </a:lvl8pPr>
-            <a:lvl9pPr>
-              <a:defRPr sz="1600"/>
-            </a:lvl9pPr>
-          </a:lstStyle>
-          <a:p>
-            <a:pPr lvl="0"/>
-            <a:r>
-              <a:rPr lang="en-US" smtClean="0"/>
-              <a:t>Click to edit Master text styles</a:t>
-            </a:r>
-          </a:p>
-          <a:p>
-            <a:pPr lvl="1"/>
-            <a:r>
-              <a:rPr lang="en-US" smtClean="0"/>
-              <a:t>Second level</a:t>
-            </a:r>
-          </a:p>
-          <a:p>
-            <a:pPr lvl="2"/>
-            <a:r>
-              <a:rPr lang="en-US" smtClean="0"/>
-              <a:t>Third level</a:t>
-            </a:r>
-          </a:p>
-          <a:p>
-            <a:pPr lvl="3"/>
-            <a:r>
-              <a:rPr lang="en-US" smtClean="0"/>
-              <a:t>Fourth level</a:t>
-            </a:r>
-          </a:p>
-          <a:p>
-            <a:pPr lvl="4"/>
-            <a:r>
-              <a:rPr lang="en-US" smtClean="0"/>
-              <a:t>Fifth level</a:t>
-            </a:r>
-            <a:endParaRPr lang="en-US"/>
-          </a:p>
-        </p:txBody>
-      </p:sp>
-      <p:sp>
-        <p:nvSpPr>
-          <p:cNvPr id="5" name="Text Placeholder 4"/>
-          <p:cNvSpPr>
-            <a:spLocks noGrp="1"/>
-          </p:cNvSpPr>
-          <p:nvPr>
-            <p:ph type="body" sz="quarter" idx="3"/>
-          </p:nvPr>
-        </p:nvSpPr>
-        <p:spPr>
-          <a:xfrm>
-            <a:off x="4645025" y="1535113"/>
-            <a:ext cx="4041775" cy="639762"/>
-          </a:xfrm>
-        </p:spPr>
-        <p:txBody>
-          <a:bodyPr anchor="b"/>
-          <a:lstStyle>
-            <a:lvl1pPr marL="0" indent="0">
-              <a:buNone/>
-              <a:defRPr sz="2400" b="1"/>
-            </a:lvl1pPr>
-            <a:lvl2pPr marL="457200" indent="0">
-              <a:buNone/>
-              <a:defRPr sz="2000" b="1"/>
-            </a:lvl2pPr>
-            <a:lvl3pPr marL="914400" indent="0">
-              <a:buNone/>
-              <a:defRPr sz="1800" b="1"/>
-            </a:lvl3pPr>
-            <a:lvl4pPr marL="1371600" indent="0">
-              <a:buNone/>
-              <a:defRPr sz="1600" b="1"/>
-            </a:lvl4pPr>
-            <a:lvl5pPr marL="1828800" indent="0">
-              <a:buNone/>
-              <a:defRPr sz="1600" b="1"/>
-            </a:lvl5pPr>
-            <a:lvl6pPr marL="2286000" indent="0">
-              <a:buNone/>
-              <a:defRPr sz="1600" b="1"/>
-            </a:lvl6pPr>
-            <a:lvl7pPr marL="2743200" indent="0">
-              <a:buNone/>
-              <a:defRPr sz="1600" b="1"/>
-            </a:lvl7pPr>
-            <a:lvl8pPr marL="3200400" indent="0">
-              <a:buNone/>
-              <a:defRPr sz="1600" b="1"/>
-            </a:lvl8pPr>
-            <a:lvl9pPr marL="3657600" indent="0">
-              <a:buNone/>
-              <a:defRPr sz="1600" b="1"/>
-            </a:lvl9pPr>
-          </a:lstStyle>
-          <a:p>
-            <a:pPr lvl="0"/>
-            <a:r>
-              <a:rPr lang="en-US" smtClean="0"/>
-              <a:t>Click to edit Master text styles</a:t>
-            </a:r>
-          </a:p>
-        </p:txBody>
-      </p:sp>
-      <p:sp>
-        <p:nvSpPr>
-          <p:cNvPr id="6" name="Content Placeholder 5"/>
-          <p:cNvSpPr>
-            <a:spLocks noGrp="1"/>
-          </p:cNvSpPr>
-          <p:nvPr>
-            <p:ph sz="quarter" idx="4"/>
-          </p:nvPr>
-        </p:nvSpPr>
-        <p:spPr>
-          <a:xfrm>
-            <a:off x="4645025" y="2174875"/>
-            <a:ext cx="4041775" cy="3951288"/>
-          </a:xfrm>
-        </p:spPr>
-        <p:txBody>
-          <a:bodyPr/>
-          <a:lstStyle>
-            <a:lvl1pPr>
-              <a:defRPr sz="2400"/>
-            </a:lvl1pPr>
-            <a:lvl2pPr>
-              <a:defRPr sz="2000"/>
-            </a:lvl2pPr>
-            <a:lvl3pPr>
-              <a:defRPr sz="1800"/>
-            </a:lvl3pPr>
-            <a:lvl4pPr>
-              <a:defRPr sz="1600"/>
-            </a:lvl4pPr>
-            <a:lvl5pPr>
-              <a:defRPr sz="1600"/>
-            </a:lvl5pPr>
-            <a:lvl6pPr>
-              <a:defRPr sz="1600"/>
-            </a:lvl6pPr>
-            <a:lvl7pPr>
-              <a:defRPr sz="1600"/>
-            </a:lvl7pPr>
-            <a:lvl8pPr>
-              <a:defRPr sz="1600"/>
-            </a:lvl8pPr>
-            <a:lvl9pPr>
-              <a:defRPr sz="1600"/>
-            </a:lvl9pPr>
-          </a:lstStyle>
-          <a:p>
-            <a:pPr lvl="0"/>
-            <a:r>
-              <a:rPr lang="en-US" smtClean="0"/>
-              <a:t>Click to edit Master text styles</a:t>
-            </a:r>
-          </a:p>
-          <a:p>
-            <a:pPr lvl="1"/>
-            <a:r>
-              <a:rPr lang="en-US" smtClean="0"/>
-              <a:t>Second level</a:t>
-            </a:r>
-          </a:p>
-          <a:p>
-            <a:pPr lvl="2"/>
-            <a:r>
-              <a:rPr lang="en-US" smtClean="0"/>
-              <a:t>Third level</a:t>
-            </a:r>
-          </a:p>
-          <a:p>
-            <a:pPr lvl="3"/>
-            <a:r>
-              <a:rPr lang="en-US" smtClean="0"/>
-              <a:t>Fourth level</a:t>
-            </a:r>
-          </a:p>
-          <a:p>
-            <a:pPr lvl="4"/>
-            <a:r>
-              <a:rPr lang="en-US" smtClean="0"/>
-              <a:t>Fifth level</a:t>
-            </a:r>
-            <a:endParaRPr lang="en-US"/>
-          </a:p>
-        </p:txBody>
-      </p:sp>
-      <p:sp>
-        <p:nvSpPr>
-          <p:cNvPr id="7" name="Date Placeholder 6"/>
+              <a:rPr lang="it-IT"/>
+              <a:t>Fare clic per modificare gli stili del testo dello schema</a:t>
+            </a:r>
+          </a:p>
+        </p:txBody>
+      </p:sp>
+      <p:sp>
+        <p:nvSpPr>
+          <p:cNvPr id="4" name="Date Placeholder 3"/>
           <p:cNvSpPr>
             <a:spLocks noGrp="1"/>
           </p:cNvSpPr>
@@ -1768,7 +2323,7 @@
           <a:p>
             <a:fld id="{5BCAD085-E8A6-8845-BD4E-CB4CCA059FC4}" type="datetimeFigureOut">
               <a:rPr lang="en-US" smtClean="0"/>
-              <a:t>1/27/13</a:t>
+              <a:t>6/18/2025</a:t>
             </a:fld>
             <a:endParaRPr lang="en-US"/>
           </a:p>
@@ -1776,7 +2331,7 @@
       </p:sp>
       <p:sp>
         <p:nvSpPr>
-          <p:cNvPr id="8" name="Footer Placeholder 7"/>
+          <p:cNvPr id="5" name="Footer Placeholder 4"/>
           <p:cNvSpPr>
             <a:spLocks noGrp="1"/>
           </p:cNvSpPr>
@@ -1795,7 +2350,7 @@
       </p:sp>
       <p:sp>
         <p:nvSpPr>
-          <p:cNvPr id="9" name="Slide Number Placeholder 8"/>
+          <p:cNvPr id="6" name="Slide Number Placeholder 5"/>
           <p:cNvSpPr>
             <a:spLocks noGrp="1"/>
           </p:cNvSpPr>
@@ -1810,7 +2365,7 @@
           <a:p>
             <a:fld id="{C1FF6DA9-008F-8B48-92A6-B652298478BF}" type="slidenum">
               <a:rPr lang="en-US" smtClean="0"/>
-              <a:t>‹#›</a:t>
+              <a:t>‹N›</a:t>
             </a:fld>
             <a:endParaRPr lang="en-US"/>
           </a:p>
@@ -1819,7 +2374,7 @@
     </p:spTree>
     <p:extLst>
       <p:ext uri="{BB962C8B-B14F-4D97-AF65-F5344CB8AC3E}">
-        <p14:creationId xmlns:p14="http://schemas.microsoft.com/office/powerpoint/2010/main" val="990158736"/>
+        <p14:creationId xmlns:p14="http://schemas.microsoft.com/office/powerpoint/2010/main" val="3036655225"/>
       </p:ext>
     </p:extLst>
   </p:cSld>
@@ -1829,9 +2384,9 @@
 </p:sldLayout>
 </file>
 
-<file path=ppt/slideLayouts/slideLayout6.xml><?xml version="1.0" encoding="utf-8"?>
-<p:sldLayout xmlns:a="http://schemas.openxmlformats.org/drawingml/2006/main" xmlns:r="http://schemas.openxmlformats.org/officeDocument/2006/relationships" xmlns:p="http://schemas.openxmlformats.org/presentationml/2006/main" type="titleOnly" preserve="1">
-  <p:cSld name="Title Only">
+<file path=ppt/slideLayouts/slideLayout16.xml><?xml version="1.0" encoding="utf-8"?>
+<p:sldLayout xmlns:a="http://schemas.openxmlformats.org/drawingml/2006/main" xmlns:r="http://schemas.openxmlformats.org/officeDocument/2006/relationships" xmlns:p="http://schemas.openxmlformats.org/presentationml/2006/main" type="vertTx" preserve="1">
+  <p:cSld name="Titolo e testo verticale">
     <p:spTree>
       <p:nvGrpSpPr>
         <p:cNvPr id="1" name=""/>
@@ -1856,22 +2411,90 @@
             <p:ph type="title"/>
           </p:nvPr>
         </p:nvSpPr>
-        <p:spPr/>
-        <p:txBody>
-          <a:bodyPr/>
-          <a:lstStyle/>
-          <a:p>
-            <a:r>
-              <a:rPr lang="en-US" smtClean="0"/>
-              <a:t>Click to edit Master title style</a:t>
-            </a:r>
-            <a:endParaRPr lang="en-US"/>
-          </a:p>
-        </p:txBody>
-      </p:sp>
-      <p:sp>
-        <p:nvSpPr>
-          <p:cNvPr id="3" name="Date Placeholder 2"/>
+        <p:spPr>
+          <a:xfrm>
+            <a:off x="533400" y="4495800"/>
+            <a:ext cx="6554867" cy="1524000"/>
+          </a:xfrm>
+        </p:spPr>
+        <p:txBody>
+          <a:bodyPr>
+            <a:normAutofit/>
+          </a:bodyPr>
+          <a:lstStyle>
+            <a:lvl1pPr algn="l">
+              <a:defRPr sz="2800"/>
+            </a:lvl1pPr>
+          </a:lstStyle>
+          <a:p>
+            <a:r>
+              <a:rPr lang="it-IT"/>
+              <a:t>Fare clic per modificare lo stile del titolo dello schema</a:t>
+            </a:r>
+            <a:endParaRPr lang="en-US" dirty="0"/>
+          </a:p>
+        </p:txBody>
+      </p:sp>
+      <p:sp>
+        <p:nvSpPr>
+          <p:cNvPr id="3" name="Vertical Text Placeholder 2"/>
+          <p:cNvSpPr>
+            <a:spLocks noGrp="1"/>
+          </p:cNvSpPr>
+          <p:nvPr>
+            <p:ph type="body" orient="vert" idx="1"/>
+          </p:nvPr>
+        </p:nvSpPr>
+        <p:spPr>
+          <a:xfrm>
+            <a:off x="533400" y="533401"/>
+            <a:ext cx="6554867" cy="3767670"/>
+          </a:xfrm>
+        </p:spPr>
+        <p:txBody>
+          <a:bodyPr vert="eaVert" anchor="t"/>
+          <a:lstStyle/>
+          <a:p>
+            <a:pPr lvl="0"/>
+            <a:r>
+              <a:rPr lang="it-IT"/>
+              <a:t>Fare clic per modificare gli stili del testo dello schema</a:t>
+            </a:r>
+          </a:p>
+          <a:p>
+            <a:pPr lvl="1"/>
+            <a:r>
+              <a:rPr lang="it-IT"/>
+              <a:t>Secondo livello</a:t>
+            </a:r>
+          </a:p>
+          <a:p>
+            <a:pPr lvl="2"/>
+            <a:r>
+              <a:rPr lang="it-IT"/>
+              <a:t>Terzo livello</a:t>
+            </a:r>
+          </a:p>
+          <a:p>
+            <a:pPr lvl="3"/>
+            <a:r>
+              <a:rPr lang="it-IT"/>
+              <a:t>Quarto livello</a:t>
+            </a:r>
+          </a:p>
+          <a:p>
+            <a:pPr lvl="4"/>
+            <a:r>
+              <a:rPr lang="it-IT"/>
+              <a:t>Quinto livello</a:t>
+            </a:r>
+            <a:endParaRPr lang="en-US" dirty="0"/>
+          </a:p>
+        </p:txBody>
+      </p:sp>
+      <p:sp>
+        <p:nvSpPr>
+          <p:cNvPr id="4" name="Date Placeholder 3"/>
           <p:cNvSpPr>
             <a:spLocks noGrp="1"/>
           </p:cNvSpPr>
@@ -1886,7 +2509,7 @@
           <a:p>
             <a:fld id="{5BCAD085-E8A6-8845-BD4E-CB4CCA059FC4}" type="datetimeFigureOut">
               <a:rPr lang="en-US" smtClean="0"/>
-              <a:t>1/27/13</a:t>
+              <a:t>6/18/2025</a:t>
             </a:fld>
             <a:endParaRPr lang="en-US"/>
           </a:p>
@@ -1894,7 +2517,7 @@
       </p:sp>
       <p:sp>
         <p:nvSpPr>
-          <p:cNvPr id="4" name="Footer Placeholder 3"/>
+          <p:cNvPr id="5" name="Footer Placeholder 4"/>
           <p:cNvSpPr>
             <a:spLocks noGrp="1"/>
           </p:cNvSpPr>
@@ -1913,7 +2536,7 @@
       </p:sp>
       <p:sp>
         <p:nvSpPr>
-          <p:cNvPr id="5" name="Slide Number Placeholder 4"/>
+          <p:cNvPr id="6" name="Slide Number Placeholder 5"/>
           <p:cNvSpPr>
             <a:spLocks noGrp="1"/>
           </p:cNvSpPr>
@@ -1928,7 +2551,7 @@
           <a:p>
             <a:fld id="{C1FF6DA9-008F-8B48-92A6-B652298478BF}" type="slidenum">
               <a:rPr lang="en-US" smtClean="0"/>
-              <a:t>‹#›</a:t>
+              <a:t>‹N›</a:t>
             </a:fld>
             <a:endParaRPr lang="en-US"/>
           </a:p>
@@ -1937,7 +2560,7 @@
     </p:spTree>
     <p:extLst>
       <p:ext uri="{BB962C8B-B14F-4D97-AF65-F5344CB8AC3E}">
-        <p14:creationId xmlns:p14="http://schemas.microsoft.com/office/powerpoint/2010/main" val="727027711"/>
+        <p14:creationId xmlns:p14="http://schemas.microsoft.com/office/powerpoint/2010/main" val="2805755278"/>
       </p:ext>
     </p:extLst>
   </p:cSld>
@@ -1947,9 +2570,9 @@
 </p:sldLayout>
 </file>
 
-<file path=ppt/slideLayouts/slideLayout7.xml><?xml version="1.0" encoding="utf-8"?>
-<p:sldLayout xmlns:a="http://schemas.openxmlformats.org/drawingml/2006/main" xmlns:r="http://schemas.openxmlformats.org/officeDocument/2006/relationships" xmlns:p="http://schemas.openxmlformats.org/presentationml/2006/main" type="blank" preserve="1">
-  <p:cSld name="Blank">
+<file path=ppt/slideLayouts/slideLayout17.xml><?xml version="1.0" encoding="utf-8"?>
+<p:sldLayout xmlns:a="http://schemas.openxmlformats.org/drawingml/2006/main" xmlns:r="http://schemas.openxmlformats.org/officeDocument/2006/relationships" xmlns:p="http://schemas.openxmlformats.org/presentationml/2006/main" type="vertTitleAndTx" preserve="1">
+  <p:cSld name="1_Titolo e testo verticale">
     <p:spTree>
       <p:nvGrpSpPr>
         <p:cNvPr id="1" name=""/>
@@ -1966,7 +2589,98 @@
       </p:grpSpPr>
       <p:sp>
         <p:nvSpPr>
-          <p:cNvPr id="2" name="Date Placeholder 1"/>
+          <p:cNvPr id="2" name="Vertical Title 1"/>
+          <p:cNvSpPr>
+            <a:spLocks noGrp="1"/>
+          </p:cNvSpPr>
+          <p:nvPr>
+            <p:ph type="title" orient="vert"/>
+          </p:nvPr>
+        </p:nvSpPr>
+        <p:spPr>
+          <a:xfrm>
+            <a:off x="6566406" y="533400"/>
+            <a:ext cx="2044194" cy="4419600"/>
+          </a:xfrm>
+        </p:spPr>
+        <p:txBody>
+          <a:bodyPr vert="eaVert">
+            <a:normAutofit/>
+          </a:bodyPr>
+          <a:lstStyle>
+            <a:lvl1pPr>
+              <a:defRPr sz="2800"/>
+            </a:lvl1pPr>
+          </a:lstStyle>
+          <a:p>
+            <a:r>
+              <a:rPr lang="it-IT"/>
+              <a:t>Fare clic per modificare lo stile del titolo dello schema</a:t>
+            </a:r>
+            <a:endParaRPr lang="en-US" dirty="0"/>
+          </a:p>
+        </p:txBody>
+      </p:sp>
+      <p:sp>
+        <p:nvSpPr>
+          <p:cNvPr id="3" name="Vertical Text Placeholder 2"/>
+          <p:cNvSpPr>
+            <a:spLocks noGrp="1"/>
+          </p:cNvSpPr>
+          <p:nvPr>
+            <p:ph type="body" orient="vert" idx="1"/>
+          </p:nvPr>
+        </p:nvSpPr>
+        <p:spPr>
+          <a:xfrm>
+            <a:off x="533400" y="533400"/>
+            <a:ext cx="5850012" cy="5486400"/>
+          </a:xfrm>
+        </p:spPr>
+        <p:txBody>
+          <a:bodyPr vert="eaVert" anchor="t"/>
+          <a:lstStyle/>
+          <a:p>
+            <a:pPr lvl="0"/>
+            <a:r>
+              <a:rPr lang="it-IT"/>
+              <a:t>Fare clic per modificare gli stili del testo dello schema</a:t>
+            </a:r>
+          </a:p>
+          <a:p>
+            <a:pPr lvl="1"/>
+            <a:r>
+              <a:rPr lang="it-IT"/>
+              <a:t>Secondo livello</a:t>
+            </a:r>
+          </a:p>
+          <a:p>
+            <a:pPr lvl="2"/>
+            <a:r>
+              <a:rPr lang="it-IT"/>
+              <a:t>Terzo livello</a:t>
+            </a:r>
+          </a:p>
+          <a:p>
+            <a:pPr lvl="3"/>
+            <a:r>
+              <a:rPr lang="it-IT"/>
+              <a:t>Quarto livello</a:t>
+            </a:r>
+          </a:p>
+          <a:p>
+            <a:pPr lvl="4"/>
+            <a:r>
+              <a:rPr lang="it-IT"/>
+              <a:t>Quinto livello</a:t>
+            </a:r>
+            <a:endParaRPr lang="en-US" dirty="0"/>
+          </a:p>
+        </p:txBody>
+      </p:sp>
+      <p:sp>
+        <p:nvSpPr>
+          <p:cNvPr id="4" name="Date Placeholder 3"/>
           <p:cNvSpPr>
             <a:spLocks noGrp="1"/>
           </p:cNvSpPr>
@@ -1981,7 +2695,7 @@
           <a:p>
             <a:fld id="{5BCAD085-E8A6-8845-BD4E-CB4CCA059FC4}" type="datetimeFigureOut">
               <a:rPr lang="en-US" smtClean="0"/>
-              <a:t>1/27/13</a:t>
+              <a:t>6/18/2025</a:t>
             </a:fld>
             <a:endParaRPr lang="en-US"/>
           </a:p>
@@ -1989,7 +2703,7 @@
       </p:sp>
       <p:sp>
         <p:nvSpPr>
-          <p:cNvPr id="3" name="Footer Placeholder 2"/>
+          <p:cNvPr id="5" name="Footer Placeholder 4"/>
           <p:cNvSpPr>
             <a:spLocks noGrp="1"/>
           </p:cNvSpPr>
@@ -2008,7 +2722,7 @@
       </p:sp>
       <p:sp>
         <p:nvSpPr>
-          <p:cNvPr id="4" name="Slide Number Placeholder 3"/>
+          <p:cNvPr id="6" name="Slide Number Placeholder 5"/>
           <p:cNvSpPr>
             <a:spLocks noGrp="1"/>
           </p:cNvSpPr>
@@ -2023,7 +2737,7 @@
           <a:p>
             <a:fld id="{C1FF6DA9-008F-8B48-92A6-B652298478BF}" type="slidenum">
               <a:rPr lang="en-US" smtClean="0"/>
-              <a:t>‹#›</a:t>
+              <a:t>‹N›</a:t>
             </a:fld>
             <a:endParaRPr lang="en-US"/>
           </a:p>
@@ -2032,7 +2746,7 @@
     </p:spTree>
     <p:extLst>
       <p:ext uri="{BB962C8B-B14F-4D97-AF65-F5344CB8AC3E}">
-        <p14:creationId xmlns:p14="http://schemas.microsoft.com/office/powerpoint/2010/main" val="1212999818"/>
+        <p14:creationId xmlns:p14="http://schemas.microsoft.com/office/powerpoint/2010/main" val="1928046345"/>
       </p:ext>
     </p:extLst>
   </p:cSld>
@@ -2042,9 +2756,9 @@
 </p:sldLayout>
 </file>
 
-<file path=ppt/slideLayouts/slideLayout8.xml><?xml version="1.0" encoding="utf-8"?>
-<p:sldLayout xmlns:a="http://schemas.openxmlformats.org/drawingml/2006/main" xmlns:r="http://schemas.openxmlformats.org/officeDocument/2006/relationships" xmlns:p="http://schemas.openxmlformats.org/presentationml/2006/main" type="objTx" preserve="1">
-  <p:cSld name="Content with Caption">
+<file path=ppt/slideLayouts/slideLayout2.xml><?xml version="1.0" encoding="utf-8"?>
+<p:sldLayout xmlns:a="http://schemas.openxmlformats.org/drawingml/2006/main" xmlns:r="http://schemas.openxmlformats.org/officeDocument/2006/relationships" xmlns:p="http://schemas.openxmlformats.org/presentationml/2006/main" type="obj" preserve="1">
+  <p:cSld name="Titolo e contenuto">
     <p:spTree>
       <p:nvGrpSpPr>
         <p:cNvPr id="1" name=""/>
@@ -2071,23 +2785,19 @@
         </p:nvSpPr>
         <p:spPr>
           <a:xfrm>
-            <a:off x="457200" y="273050"/>
-            <a:ext cx="3008313" cy="1162050"/>
-          </a:xfrm>
-        </p:spPr>
-        <p:txBody>
-          <a:bodyPr anchor="b"/>
-          <a:lstStyle>
-            <a:lvl1pPr algn="l">
-              <a:defRPr sz="2000" b="1"/>
-            </a:lvl1pPr>
-          </a:lstStyle>
-          <a:p>
-            <a:r>
-              <a:rPr lang="en-US" smtClean="0"/>
-              <a:t>Click to edit Master title style</a:t>
-            </a:r>
-            <a:endParaRPr lang="en-US"/>
+            <a:off x="533400" y="4495800"/>
+            <a:ext cx="6554867" cy="1524000"/>
+          </a:xfrm>
+        </p:spPr>
+        <p:txBody>
+          <a:bodyPr/>
+          <a:lstStyle/>
+          <a:p>
+            <a:r>
+              <a:rPr lang="it-IT"/>
+              <a:t>Fare clic per modificare lo stile del titolo dello schema</a:t>
+            </a:r>
+            <a:endParaRPr lang="en-US" dirty="0"/>
           </a:p>
         </p:txBody>
       </p:sp>
@@ -2103,147 +2813,54 @@
         </p:nvSpPr>
         <p:spPr>
           <a:xfrm>
-            <a:off x="3575050" y="273050"/>
-            <a:ext cx="5111750" cy="5853113"/>
-          </a:xfrm>
-        </p:spPr>
-        <p:txBody>
-          <a:bodyPr/>
-          <a:lstStyle>
-            <a:lvl1pPr>
-              <a:defRPr sz="3200"/>
-            </a:lvl1pPr>
-            <a:lvl2pPr>
-              <a:defRPr sz="2800"/>
-            </a:lvl2pPr>
-            <a:lvl3pPr>
-              <a:defRPr sz="2400"/>
-            </a:lvl3pPr>
-            <a:lvl4pPr>
-              <a:defRPr sz="2000"/>
-            </a:lvl4pPr>
-            <a:lvl5pPr>
-              <a:defRPr sz="2000"/>
-            </a:lvl5pPr>
-            <a:lvl6pPr>
-              <a:defRPr sz="2000"/>
-            </a:lvl6pPr>
-            <a:lvl7pPr>
-              <a:defRPr sz="2000"/>
-            </a:lvl7pPr>
-            <a:lvl8pPr>
-              <a:defRPr sz="2000"/>
-            </a:lvl8pPr>
-            <a:lvl9pPr>
-              <a:defRPr sz="2000"/>
-            </a:lvl9pPr>
-          </a:lstStyle>
+            <a:off x="533400" y="533400"/>
+            <a:ext cx="6554867" cy="3767670"/>
+          </a:xfrm>
+        </p:spPr>
+        <p:txBody>
+          <a:bodyPr anchor="ctr"/>
+          <a:lstStyle/>
           <a:p>
             <a:pPr lvl="0"/>
             <a:r>
-              <a:rPr lang="en-US" smtClean="0"/>
-              <a:t>Click to edit Master text styles</a:t>
+              <a:rPr lang="it-IT"/>
+              <a:t>Fare clic per modificare gli stili del testo dello schema</a:t>
             </a:r>
           </a:p>
           <a:p>
             <a:pPr lvl="1"/>
             <a:r>
-              <a:rPr lang="en-US" smtClean="0"/>
-              <a:t>Second level</a:t>
+              <a:rPr lang="it-IT"/>
+              <a:t>Secondo livello</a:t>
             </a:r>
           </a:p>
           <a:p>
             <a:pPr lvl="2"/>
             <a:r>
-              <a:rPr lang="en-US" smtClean="0"/>
-              <a:t>Third level</a:t>
+              <a:rPr lang="it-IT"/>
+              <a:t>Terzo livello</a:t>
             </a:r>
           </a:p>
           <a:p>
             <a:pPr lvl="3"/>
             <a:r>
-              <a:rPr lang="en-US" smtClean="0"/>
-              <a:t>Fourth level</a:t>
+              <a:rPr lang="it-IT"/>
+              <a:t>Quarto livello</a:t>
             </a:r>
           </a:p>
           <a:p>
             <a:pPr lvl="4"/>
             <a:r>
-              <a:rPr lang="en-US" smtClean="0"/>
-              <a:t>Fifth level</a:t>
-            </a:r>
-            <a:endParaRPr lang="en-US"/>
-          </a:p>
-        </p:txBody>
-      </p:sp>
-      <p:sp>
-        <p:nvSpPr>
-          <p:cNvPr id="4" name="Text Placeholder 3"/>
-          <p:cNvSpPr>
-            <a:spLocks noGrp="1"/>
-          </p:cNvSpPr>
-          <p:nvPr>
-            <p:ph type="body" sz="half" idx="2"/>
-          </p:nvPr>
-        </p:nvSpPr>
-        <p:spPr>
-          <a:xfrm>
-            <a:off x="457200" y="1435100"/>
-            <a:ext cx="3008313" cy="4691063"/>
-          </a:xfrm>
-        </p:spPr>
-        <p:txBody>
-          <a:bodyPr/>
-          <a:lstStyle>
-            <a:lvl1pPr marL="0" indent="0">
-              <a:buNone/>
-              <a:defRPr sz="1400"/>
-            </a:lvl1pPr>
-            <a:lvl2pPr marL="457200" indent="0">
-              <a:buNone/>
-              <a:defRPr sz="1200"/>
-            </a:lvl2pPr>
-            <a:lvl3pPr marL="914400" indent="0">
-              <a:buNone/>
-              <a:defRPr sz="1000"/>
-            </a:lvl3pPr>
-            <a:lvl4pPr marL="1371600" indent="0">
-              <a:buNone/>
-              <a:defRPr sz="900"/>
-            </a:lvl4pPr>
-            <a:lvl5pPr marL="1828800" indent="0">
-              <a:buNone/>
-              <a:defRPr sz="900"/>
-            </a:lvl5pPr>
-            <a:lvl6pPr marL="2286000" indent="0">
-              <a:buNone/>
-              <a:defRPr sz="900"/>
-            </a:lvl6pPr>
-            <a:lvl7pPr marL="2743200" indent="0">
-              <a:buNone/>
-              <a:defRPr sz="900"/>
-            </a:lvl7pPr>
-            <a:lvl8pPr marL="3200400" indent="0">
-              <a:buNone/>
-              <a:defRPr sz="900"/>
-            </a:lvl8pPr>
-            <a:lvl9pPr marL="3657600" indent="0">
-              <a:buNone/>
-              <a:defRPr sz="900"/>
-            </a:lvl9pPr>
-          </a:lstStyle>
-          <a:p>
-            <a:pPr lvl="0"/>
-            <a:r>
-              <a:rPr lang="en-US" smtClean="0"/>
-              <a:t>Click to edit Master text styles</a:t>
-            </a:r>
-          </a:p>
-        </p:txBody>
-      </p:sp>
-      <p:sp>
-        <p:nvSpPr>
-          <p:cNvPr id="5" name="Date Placeholder 4"/>
+              <a:rPr lang="it-IT"/>
+              <a:t>Quinto livello</a:t>
+            </a:r>
+            <a:endParaRPr lang="en-US" dirty="0"/>
+          </a:p>
+        </p:txBody>
+      </p:sp>
+      <p:sp>
+        <p:nvSpPr>
+          <p:cNvPr id="4" name="Date Placeholder 3"/>
           <p:cNvSpPr>
             <a:spLocks noGrp="1"/>
           </p:cNvSpPr>
@@ -2258,7 +2875,7 @@
           <a:p>
             <a:fld id="{5BCAD085-E8A6-8845-BD4E-CB4CCA059FC4}" type="datetimeFigureOut">
               <a:rPr lang="en-US" smtClean="0"/>
-              <a:t>1/27/13</a:t>
+              <a:t>6/18/2025</a:t>
             </a:fld>
             <a:endParaRPr lang="en-US"/>
           </a:p>
@@ -2266,7 +2883,7 @@
       </p:sp>
       <p:sp>
         <p:nvSpPr>
-          <p:cNvPr id="6" name="Footer Placeholder 5"/>
+          <p:cNvPr id="5" name="Footer Placeholder 4"/>
           <p:cNvSpPr>
             <a:spLocks noGrp="1"/>
           </p:cNvSpPr>
@@ -2285,7 +2902,7 @@
       </p:sp>
       <p:sp>
         <p:nvSpPr>
-          <p:cNvPr id="7" name="Slide Number Placeholder 6"/>
+          <p:cNvPr id="6" name="Slide Number Placeholder 5"/>
           <p:cNvSpPr>
             <a:spLocks noGrp="1"/>
           </p:cNvSpPr>
@@ -2300,7 +2917,7 @@
           <a:p>
             <a:fld id="{C1FF6DA9-008F-8B48-92A6-B652298478BF}" type="slidenum">
               <a:rPr lang="en-US" smtClean="0"/>
-              <a:t>‹#›</a:t>
+              <a:t>‹N›</a:t>
             </a:fld>
             <a:endParaRPr lang="en-US"/>
           </a:p>
@@ -2309,7 +2926,7 @@
     </p:spTree>
     <p:extLst>
       <p:ext uri="{BB962C8B-B14F-4D97-AF65-F5344CB8AC3E}">
-        <p14:creationId xmlns:p14="http://schemas.microsoft.com/office/powerpoint/2010/main" val="1840726560"/>
+        <p14:creationId xmlns:p14="http://schemas.microsoft.com/office/powerpoint/2010/main" val="1685604124"/>
       </p:ext>
     </p:extLst>
   </p:cSld>
@@ -2319,9 +2936,9 @@
 </p:sldLayout>
 </file>
 
-<file path=ppt/slideLayouts/slideLayout9.xml><?xml version="1.0" encoding="utf-8"?>
-<p:sldLayout xmlns:a="http://schemas.openxmlformats.org/drawingml/2006/main" xmlns:r="http://schemas.openxmlformats.org/officeDocument/2006/relationships" xmlns:p="http://schemas.openxmlformats.org/presentationml/2006/main" type="picTx" preserve="1">
-  <p:cSld name="Picture with Caption">
+<file path=ppt/slideLayouts/slideLayout3.xml><?xml version="1.0" encoding="utf-8"?>
+<p:sldLayout xmlns:a="http://schemas.openxmlformats.org/drawingml/2006/main" xmlns:r="http://schemas.openxmlformats.org/officeDocument/2006/relationships" xmlns:p="http://schemas.openxmlformats.org/presentationml/2006/main" type="secHead" preserve="1">
+  <p:cSld name="Intestazione sezione">
     <p:spTree>
       <p:nvGrpSpPr>
         <p:cNvPr id="1" name=""/>
@@ -2348,89 +2965,1199 @@
         </p:nvSpPr>
         <p:spPr>
           <a:xfrm>
-            <a:off x="1792288" y="4800600"/>
-            <a:ext cx="5486400" cy="566738"/>
-          </a:xfrm>
-        </p:spPr>
-        <p:txBody>
-          <a:bodyPr anchor="b"/>
+            <a:off x="533400" y="1981199"/>
+            <a:ext cx="6402468" cy="2319867"/>
+          </a:xfrm>
+        </p:spPr>
+        <p:txBody>
+          <a:bodyPr anchor="b">
+            <a:normAutofit/>
+          </a:bodyPr>
           <a:lstStyle>
             <a:lvl1pPr algn="l">
-              <a:defRPr sz="2000" b="1"/>
+              <a:defRPr sz="3200" b="0" cap="all"/>
             </a:lvl1pPr>
           </a:lstStyle>
           <a:p>
             <a:r>
+              <a:rPr lang="it-IT"/>
+              <a:t>Fare clic per modificare lo stile del titolo dello schema</a:t>
+            </a:r>
+            <a:endParaRPr lang="en-US" dirty="0"/>
+          </a:p>
+        </p:txBody>
+      </p:sp>
+      <p:sp>
+        <p:nvSpPr>
+          <p:cNvPr id="3" name="Text Placeholder 2"/>
+          <p:cNvSpPr>
+            <a:spLocks noGrp="1"/>
+          </p:cNvSpPr>
+          <p:nvPr>
+            <p:ph type="body" idx="1"/>
+          </p:nvPr>
+        </p:nvSpPr>
+        <p:spPr>
+          <a:xfrm>
+            <a:off x="533400" y="4487333"/>
+            <a:ext cx="6402467" cy="1532467"/>
+          </a:xfrm>
+        </p:spPr>
+        <p:txBody>
+          <a:bodyPr anchor="t">
+            <a:normAutofit/>
+          </a:bodyPr>
+          <a:lstStyle>
+            <a:lvl1pPr marL="0" indent="0" algn="l">
+              <a:buNone/>
+              <a:defRPr sz="1800">
+                <a:solidFill>
+                  <a:schemeClr val="bg2">
+                    <a:lumMod val="75000"/>
+                  </a:schemeClr>
+                </a:solidFill>
+              </a:defRPr>
+            </a:lvl1pPr>
+            <a:lvl2pPr marL="457200" indent="0">
+              <a:buNone/>
+              <a:defRPr sz="1800">
+                <a:solidFill>
+                  <a:schemeClr val="tx1">
+                    <a:tint val="75000"/>
+                  </a:schemeClr>
+                </a:solidFill>
+              </a:defRPr>
+            </a:lvl2pPr>
+            <a:lvl3pPr marL="914400" indent="0">
+              <a:buNone/>
+              <a:defRPr sz="1600">
+                <a:solidFill>
+                  <a:schemeClr val="tx1">
+                    <a:tint val="75000"/>
+                  </a:schemeClr>
+                </a:solidFill>
+              </a:defRPr>
+            </a:lvl3pPr>
+            <a:lvl4pPr marL="1371600" indent="0">
+              <a:buNone/>
+              <a:defRPr sz="1400">
+                <a:solidFill>
+                  <a:schemeClr val="tx1">
+                    <a:tint val="75000"/>
+                  </a:schemeClr>
+                </a:solidFill>
+              </a:defRPr>
+            </a:lvl4pPr>
+            <a:lvl5pPr marL="1828800" indent="0">
+              <a:buNone/>
+              <a:defRPr sz="1400">
+                <a:solidFill>
+                  <a:schemeClr val="tx1">
+                    <a:tint val="75000"/>
+                  </a:schemeClr>
+                </a:solidFill>
+              </a:defRPr>
+            </a:lvl5pPr>
+            <a:lvl6pPr marL="2286000" indent="0">
+              <a:buNone/>
+              <a:defRPr sz="1400">
+                <a:solidFill>
+                  <a:schemeClr val="tx1">
+                    <a:tint val="75000"/>
+                  </a:schemeClr>
+                </a:solidFill>
+              </a:defRPr>
+            </a:lvl6pPr>
+            <a:lvl7pPr marL="2743200" indent="0">
+              <a:buNone/>
+              <a:defRPr sz="1400">
+                <a:solidFill>
+                  <a:schemeClr val="tx1">
+                    <a:tint val="75000"/>
+                  </a:schemeClr>
+                </a:solidFill>
+              </a:defRPr>
+            </a:lvl7pPr>
+            <a:lvl8pPr marL="3200400" indent="0">
+              <a:buNone/>
+              <a:defRPr sz="1400">
+                <a:solidFill>
+                  <a:schemeClr val="tx1">
+                    <a:tint val="75000"/>
+                  </a:schemeClr>
+                </a:solidFill>
+              </a:defRPr>
+            </a:lvl8pPr>
+            <a:lvl9pPr marL="3657600" indent="0">
+              <a:buNone/>
+              <a:defRPr sz="1400">
+                <a:solidFill>
+                  <a:schemeClr val="tx1">
+                    <a:tint val="75000"/>
+                  </a:schemeClr>
+                </a:solidFill>
+              </a:defRPr>
+            </a:lvl9pPr>
+          </a:lstStyle>
+          <a:p>
+            <a:pPr lvl="0"/>
+            <a:r>
+              <a:rPr lang="it-IT"/>
+              <a:t>Fare clic per modificare gli stili del testo dello schema</a:t>
+            </a:r>
+          </a:p>
+        </p:txBody>
+      </p:sp>
+      <p:sp>
+        <p:nvSpPr>
+          <p:cNvPr id="4" name="Date Placeholder 3"/>
+          <p:cNvSpPr>
+            <a:spLocks noGrp="1"/>
+          </p:cNvSpPr>
+          <p:nvPr>
+            <p:ph type="dt" sz="half" idx="10"/>
+          </p:nvPr>
+        </p:nvSpPr>
+        <p:spPr/>
+        <p:txBody>
+          <a:bodyPr/>
+          <a:lstStyle/>
+          <a:p>
+            <a:fld id="{5BCAD085-E8A6-8845-BD4E-CB4CCA059FC4}" type="datetimeFigureOut">
               <a:rPr lang="en-US" smtClean="0"/>
-              <a:t>Click to edit Master title style</a:t>
-            </a:r>
+              <a:t>6/18/2025</a:t>
+            </a:fld>
             <a:endParaRPr lang="en-US"/>
           </a:p>
         </p:txBody>
       </p:sp>
       <p:sp>
         <p:nvSpPr>
-          <p:cNvPr id="3" name="Picture Placeholder 2"/>
-          <p:cNvSpPr>
-            <a:spLocks noGrp="1"/>
-          </p:cNvSpPr>
-          <p:nvPr>
-            <p:ph type="pic" idx="1"/>
-          </p:nvPr>
-        </p:nvSpPr>
-        <p:spPr>
-          <a:xfrm>
-            <a:off x="1792288" y="612775"/>
-            <a:ext cx="5486400" cy="4114800"/>
-          </a:xfrm>
-        </p:spPr>
+          <p:cNvPr id="5" name="Footer Placeholder 4"/>
+          <p:cNvSpPr>
+            <a:spLocks noGrp="1"/>
+          </p:cNvSpPr>
+          <p:nvPr>
+            <p:ph type="ftr" sz="quarter" idx="11"/>
+          </p:nvPr>
+        </p:nvSpPr>
+        <p:spPr/>
         <p:txBody>
           <a:bodyPr/>
+          <a:lstStyle/>
+          <a:p>
+            <a:endParaRPr lang="en-US"/>
+          </a:p>
+        </p:txBody>
+      </p:sp>
+      <p:sp>
+        <p:nvSpPr>
+          <p:cNvPr id="6" name="Slide Number Placeholder 5"/>
+          <p:cNvSpPr>
+            <a:spLocks noGrp="1"/>
+          </p:cNvSpPr>
+          <p:nvPr>
+            <p:ph type="sldNum" sz="quarter" idx="12"/>
+          </p:nvPr>
+        </p:nvSpPr>
+        <p:spPr/>
+        <p:txBody>
+          <a:bodyPr/>
+          <a:lstStyle/>
+          <a:p>
+            <a:fld id="{C1FF6DA9-008F-8B48-92A6-B652298478BF}" type="slidenum">
+              <a:rPr lang="en-US" smtClean="0"/>
+              <a:t>‹N›</a:t>
+            </a:fld>
+            <a:endParaRPr lang="en-US"/>
+          </a:p>
+        </p:txBody>
+      </p:sp>
+    </p:spTree>
+    <p:extLst>
+      <p:ext uri="{BB962C8B-B14F-4D97-AF65-F5344CB8AC3E}">
+        <p14:creationId xmlns:p14="http://schemas.microsoft.com/office/powerpoint/2010/main" val="2930944434"/>
+      </p:ext>
+    </p:extLst>
+  </p:cSld>
+  <p:clrMapOvr>
+    <a:masterClrMapping/>
+  </p:clrMapOvr>
+</p:sldLayout>
+</file>
+
+<file path=ppt/slideLayouts/slideLayout4.xml><?xml version="1.0" encoding="utf-8"?>
+<p:sldLayout xmlns:a="http://schemas.openxmlformats.org/drawingml/2006/main" xmlns:r="http://schemas.openxmlformats.org/officeDocument/2006/relationships" xmlns:p="http://schemas.openxmlformats.org/presentationml/2006/main" type="twoObj" preserve="1">
+  <p:cSld name="Due contenuti">
+    <p:spTree>
+      <p:nvGrpSpPr>
+        <p:cNvPr id="1" name=""/>
+        <p:cNvGrpSpPr/>
+        <p:nvPr/>
+      </p:nvGrpSpPr>
+      <p:grpSpPr>
+        <a:xfrm>
+          <a:off x="0" y="0"/>
+          <a:ext cx="0" cy="0"/>
+          <a:chOff x="0" y="0"/>
+          <a:chExt cx="0" cy="0"/>
+        </a:xfrm>
+      </p:grpSpPr>
+      <p:sp>
+        <p:nvSpPr>
+          <p:cNvPr id="2" name="Title 1"/>
+          <p:cNvSpPr>
+            <a:spLocks noGrp="1"/>
+          </p:cNvSpPr>
+          <p:nvPr>
+            <p:ph type="title"/>
+          </p:nvPr>
+        </p:nvSpPr>
+        <p:spPr>
+          <a:xfrm>
+            <a:off x="533400" y="4495800"/>
+            <a:ext cx="6554867" cy="1524000"/>
+          </a:xfrm>
+        </p:spPr>
+        <p:txBody>
+          <a:bodyPr>
+            <a:normAutofit/>
+          </a:bodyPr>
+          <a:lstStyle>
+            <a:lvl1pPr>
+              <a:defRPr sz="3200"/>
+            </a:lvl1pPr>
+          </a:lstStyle>
+          <a:p>
+            <a:r>
+              <a:rPr lang="it-IT"/>
+              <a:t>Fare clic per modificare lo stile del titolo dello schema</a:t>
+            </a:r>
+            <a:endParaRPr lang="en-US" dirty="0"/>
+          </a:p>
+        </p:txBody>
+      </p:sp>
+      <p:sp>
+        <p:nvSpPr>
+          <p:cNvPr id="11" name="Content Placeholder 3"/>
+          <p:cNvSpPr>
+            <a:spLocks noGrp="1"/>
+          </p:cNvSpPr>
+          <p:nvPr>
+            <p:ph sz="half" idx="13"/>
+          </p:nvPr>
+        </p:nvSpPr>
+        <p:spPr>
+          <a:xfrm>
+            <a:off x="533400" y="533400"/>
+            <a:ext cx="3949967" cy="3767667"/>
+          </a:xfrm>
+        </p:spPr>
+        <p:txBody>
+          <a:bodyPr anchor="ctr">
+            <a:normAutofit/>
+          </a:bodyPr>
+          <a:lstStyle/>
+          <a:p>
+            <a:pPr lvl="0"/>
+            <a:r>
+              <a:rPr lang="it-IT"/>
+              <a:t>Fare clic per modificare gli stili del testo dello schema</a:t>
+            </a:r>
+          </a:p>
+          <a:p>
+            <a:pPr lvl="1"/>
+            <a:r>
+              <a:rPr lang="it-IT"/>
+              <a:t>Secondo livello</a:t>
+            </a:r>
+          </a:p>
+          <a:p>
+            <a:pPr lvl="2"/>
+            <a:r>
+              <a:rPr lang="it-IT"/>
+              <a:t>Terzo livello</a:t>
+            </a:r>
+          </a:p>
+          <a:p>
+            <a:pPr lvl="3"/>
+            <a:r>
+              <a:rPr lang="it-IT"/>
+              <a:t>Quarto livello</a:t>
+            </a:r>
+          </a:p>
+          <a:p>
+            <a:pPr lvl="4"/>
+            <a:r>
+              <a:rPr lang="it-IT"/>
+              <a:t>Quinto livello</a:t>
+            </a:r>
+            <a:endParaRPr lang="en-US" dirty="0"/>
+          </a:p>
+        </p:txBody>
+      </p:sp>
+      <p:sp>
+        <p:nvSpPr>
+          <p:cNvPr id="12" name="Content Placeholder 5"/>
+          <p:cNvSpPr>
+            <a:spLocks noGrp="1"/>
+          </p:cNvSpPr>
+          <p:nvPr>
+            <p:ph sz="quarter" idx="4"/>
+          </p:nvPr>
+        </p:nvSpPr>
+        <p:spPr>
+          <a:xfrm>
+            <a:off x="4662362" y="533400"/>
+            <a:ext cx="3948238" cy="3759200"/>
+          </a:xfrm>
+        </p:spPr>
+        <p:txBody>
+          <a:bodyPr anchor="ctr">
+            <a:normAutofit/>
+          </a:bodyPr>
+          <a:lstStyle/>
+          <a:p>
+            <a:pPr lvl="0"/>
+            <a:r>
+              <a:rPr lang="it-IT"/>
+              <a:t>Fare clic per modificare gli stili del testo dello schema</a:t>
+            </a:r>
+          </a:p>
+          <a:p>
+            <a:pPr lvl="1"/>
+            <a:r>
+              <a:rPr lang="it-IT"/>
+              <a:t>Secondo livello</a:t>
+            </a:r>
+          </a:p>
+          <a:p>
+            <a:pPr lvl="2"/>
+            <a:r>
+              <a:rPr lang="it-IT"/>
+              <a:t>Terzo livello</a:t>
+            </a:r>
+          </a:p>
+          <a:p>
+            <a:pPr lvl="3"/>
+            <a:r>
+              <a:rPr lang="it-IT"/>
+              <a:t>Quarto livello</a:t>
+            </a:r>
+          </a:p>
+          <a:p>
+            <a:pPr lvl="4"/>
+            <a:r>
+              <a:rPr lang="it-IT"/>
+              <a:t>Quinto livello</a:t>
+            </a:r>
+            <a:endParaRPr lang="en-US" dirty="0"/>
+          </a:p>
+        </p:txBody>
+      </p:sp>
+      <p:sp>
+        <p:nvSpPr>
+          <p:cNvPr id="5" name="Date Placeholder 4"/>
+          <p:cNvSpPr>
+            <a:spLocks noGrp="1"/>
+          </p:cNvSpPr>
+          <p:nvPr>
+            <p:ph type="dt" sz="half" idx="10"/>
+          </p:nvPr>
+        </p:nvSpPr>
+        <p:spPr/>
+        <p:txBody>
+          <a:bodyPr/>
+          <a:lstStyle/>
+          <a:p>
+            <a:fld id="{5BCAD085-E8A6-8845-BD4E-CB4CCA059FC4}" type="datetimeFigureOut">
+              <a:rPr lang="en-US" smtClean="0"/>
+              <a:t>6/18/2025</a:t>
+            </a:fld>
+            <a:endParaRPr lang="en-US"/>
+          </a:p>
+        </p:txBody>
+      </p:sp>
+      <p:sp>
+        <p:nvSpPr>
+          <p:cNvPr id="6" name="Footer Placeholder 5"/>
+          <p:cNvSpPr>
+            <a:spLocks noGrp="1"/>
+          </p:cNvSpPr>
+          <p:nvPr>
+            <p:ph type="ftr" sz="quarter" idx="11"/>
+          </p:nvPr>
+        </p:nvSpPr>
+        <p:spPr/>
+        <p:txBody>
+          <a:bodyPr/>
+          <a:lstStyle/>
+          <a:p>
+            <a:endParaRPr lang="en-US"/>
+          </a:p>
+        </p:txBody>
+      </p:sp>
+      <p:sp>
+        <p:nvSpPr>
+          <p:cNvPr id="7" name="Slide Number Placeholder 6"/>
+          <p:cNvSpPr>
+            <a:spLocks noGrp="1"/>
+          </p:cNvSpPr>
+          <p:nvPr>
+            <p:ph type="sldNum" sz="quarter" idx="12"/>
+          </p:nvPr>
+        </p:nvSpPr>
+        <p:spPr/>
+        <p:txBody>
+          <a:bodyPr/>
+          <a:lstStyle/>
+          <a:p>
+            <a:fld id="{C1FF6DA9-008F-8B48-92A6-B652298478BF}" type="slidenum">
+              <a:rPr lang="en-US" smtClean="0"/>
+              <a:t>‹N›</a:t>
+            </a:fld>
+            <a:endParaRPr lang="en-US"/>
+          </a:p>
+        </p:txBody>
+      </p:sp>
+    </p:spTree>
+    <p:extLst>
+      <p:ext uri="{BB962C8B-B14F-4D97-AF65-F5344CB8AC3E}">
+        <p14:creationId xmlns:p14="http://schemas.microsoft.com/office/powerpoint/2010/main" val="2972988356"/>
+      </p:ext>
+    </p:extLst>
+  </p:cSld>
+  <p:clrMapOvr>
+    <a:masterClrMapping/>
+  </p:clrMapOvr>
+</p:sldLayout>
+</file>
+
+<file path=ppt/slideLayouts/slideLayout5.xml><?xml version="1.0" encoding="utf-8"?>
+<p:sldLayout xmlns:a="http://schemas.openxmlformats.org/drawingml/2006/main" xmlns:r="http://schemas.openxmlformats.org/officeDocument/2006/relationships" xmlns:p="http://schemas.openxmlformats.org/presentationml/2006/main" type="twoTxTwoObj" preserve="1">
+  <p:cSld name="Confronto">
+    <p:spTree>
+      <p:nvGrpSpPr>
+        <p:cNvPr id="1" name=""/>
+        <p:cNvGrpSpPr/>
+        <p:nvPr/>
+      </p:nvGrpSpPr>
+      <p:grpSpPr>
+        <a:xfrm>
+          <a:off x="0" y="0"/>
+          <a:ext cx="0" cy="0"/>
+          <a:chOff x="0" y="0"/>
+          <a:chExt cx="0" cy="0"/>
+        </a:xfrm>
+      </p:grpSpPr>
+      <p:sp>
+        <p:nvSpPr>
+          <p:cNvPr id="2" name="Title 1"/>
+          <p:cNvSpPr>
+            <a:spLocks noGrp="1"/>
+          </p:cNvSpPr>
+          <p:nvPr>
+            <p:ph type="title"/>
+          </p:nvPr>
+        </p:nvSpPr>
+        <p:spPr>
+          <a:xfrm>
+            <a:off x="533400" y="4495800"/>
+            <a:ext cx="6554867" cy="1524000"/>
+          </a:xfrm>
+        </p:spPr>
+        <p:txBody>
+          <a:bodyPr>
+            <a:normAutofit/>
+          </a:bodyPr>
+          <a:lstStyle>
+            <a:lvl1pPr>
+              <a:defRPr sz="3200"/>
+            </a:lvl1pPr>
+          </a:lstStyle>
+          <a:p>
+            <a:r>
+              <a:rPr lang="it-IT"/>
+              <a:t>Fare clic per modificare lo stile del titolo dello schema</a:t>
+            </a:r>
+            <a:endParaRPr lang="en-US" dirty="0"/>
+          </a:p>
+        </p:txBody>
+      </p:sp>
+      <p:sp>
+        <p:nvSpPr>
+          <p:cNvPr id="3" name="Text Placeholder 2"/>
+          <p:cNvSpPr>
+            <a:spLocks noGrp="1"/>
+          </p:cNvSpPr>
+          <p:nvPr>
+            <p:ph type="body" idx="1"/>
+          </p:nvPr>
+        </p:nvSpPr>
+        <p:spPr>
+          <a:xfrm>
+            <a:off x="762001" y="533400"/>
+            <a:ext cx="3716866" cy="609600"/>
+          </a:xfrm>
+        </p:spPr>
+        <p:txBody>
+          <a:bodyPr anchor="b">
+            <a:noAutofit/>
+          </a:bodyPr>
           <a:lstStyle>
             <a:lvl1pPr marL="0" indent="0">
               <a:buNone/>
+              <a:defRPr sz="2400" b="0" cap="all">
+                <a:solidFill>
+                  <a:schemeClr val="tx1"/>
+                </a:solidFill>
+              </a:defRPr>
+            </a:lvl1pPr>
+            <a:lvl2pPr marL="457200" indent="0">
+              <a:buNone/>
+              <a:defRPr sz="2000" b="1"/>
+            </a:lvl2pPr>
+            <a:lvl3pPr marL="914400" indent="0">
+              <a:buNone/>
+              <a:defRPr sz="1800" b="1"/>
+            </a:lvl3pPr>
+            <a:lvl4pPr marL="1371600" indent="0">
+              <a:buNone/>
+              <a:defRPr sz="1600" b="1"/>
+            </a:lvl4pPr>
+            <a:lvl5pPr marL="1828800" indent="0">
+              <a:buNone/>
+              <a:defRPr sz="1600" b="1"/>
+            </a:lvl5pPr>
+            <a:lvl6pPr marL="2286000" indent="0">
+              <a:buNone/>
+              <a:defRPr sz="1600" b="1"/>
+            </a:lvl6pPr>
+            <a:lvl7pPr marL="2743200" indent="0">
+              <a:buNone/>
+              <a:defRPr sz="1600" b="1"/>
+            </a:lvl7pPr>
+            <a:lvl8pPr marL="3200400" indent="0">
+              <a:buNone/>
+              <a:defRPr sz="1600" b="1"/>
+            </a:lvl8pPr>
+            <a:lvl9pPr marL="3657600" indent="0">
+              <a:buNone/>
+              <a:defRPr sz="1600" b="1"/>
+            </a:lvl9pPr>
+          </a:lstStyle>
+          <a:p>
+            <a:pPr lvl="0"/>
+            <a:r>
+              <a:rPr lang="it-IT"/>
+              <a:t>Fare clic per modificare gli stili del testo dello schema</a:t>
+            </a:r>
+          </a:p>
+        </p:txBody>
+      </p:sp>
+      <p:sp>
+        <p:nvSpPr>
+          <p:cNvPr id="4" name="Content Placeholder 3"/>
+          <p:cNvSpPr>
+            <a:spLocks noGrp="1"/>
+          </p:cNvSpPr>
+          <p:nvPr>
+            <p:ph sz="half" idx="2"/>
+          </p:nvPr>
+        </p:nvSpPr>
+        <p:spPr>
+          <a:xfrm>
+            <a:off x="533399" y="1143000"/>
+            <a:ext cx="3945467" cy="3158067"/>
+          </a:xfrm>
+        </p:spPr>
+        <p:txBody>
+          <a:bodyPr anchor="t">
+            <a:normAutofit/>
+          </a:bodyPr>
+          <a:lstStyle/>
+          <a:p>
+            <a:pPr lvl="0"/>
+            <a:r>
+              <a:rPr lang="it-IT"/>
+              <a:t>Fare clic per modificare gli stili del testo dello schema</a:t>
+            </a:r>
+          </a:p>
+          <a:p>
+            <a:pPr lvl="1"/>
+            <a:r>
+              <a:rPr lang="it-IT"/>
+              <a:t>Secondo livello</a:t>
+            </a:r>
+          </a:p>
+          <a:p>
+            <a:pPr lvl="2"/>
+            <a:r>
+              <a:rPr lang="it-IT"/>
+              <a:t>Terzo livello</a:t>
+            </a:r>
+          </a:p>
+          <a:p>
+            <a:pPr lvl="3"/>
+            <a:r>
+              <a:rPr lang="it-IT"/>
+              <a:t>Quarto livello</a:t>
+            </a:r>
+          </a:p>
+          <a:p>
+            <a:pPr lvl="4"/>
+            <a:r>
+              <a:rPr lang="it-IT"/>
+              <a:t>Quinto livello</a:t>
+            </a:r>
+            <a:endParaRPr lang="en-US" dirty="0"/>
+          </a:p>
+        </p:txBody>
+      </p:sp>
+      <p:sp>
+        <p:nvSpPr>
+          <p:cNvPr id="5" name="Text Placeholder 4"/>
+          <p:cNvSpPr>
+            <a:spLocks noGrp="1"/>
+          </p:cNvSpPr>
+          <p:nvPr>
+            <p:ph type="body" sz="quarter" idx="3"/>
+          </p:nvPr>
+        </p:nvSpPr>
+        <p:spPr>
+          <a:xfrm>
+            <a:off x="4855016" y="566738"/>
+            <a:ext cx="3764051" cy="576262"/>
+          </a:xfrm>
+        </p:spPr>
+        <p:txBody>
+          <a:bodyPr anchor="b">
+            <a:noAutofit/>
+          </a:bodyPr>
+          <a:lstStyle>
+            <a:lvl1pPr marL="0" indent="0">
+              <a:buNone/>
+              <a:defRPr sz="2400" b="0" cap="all">
+                <a:solidFill>
+                  <a:schemeClr val="tx1"/>
+                </a:solidFill>
+              </a:defRPr>
+            </a:lvl1pPr>
+            <a:lvl2pPr marL="457200" indent="0">
+              <a:buNone/>
+              <a:defRPr sz="2000" b="1"/>
+            </a:lvl2pPr>
+            <a:lvl3pPr marL="914400" indent="0">
+              <a:buNone/>
+              <a:defRPr sz="1800" b="1"/>
+            </a:lvl3pPr>
+            <a:lvl4pPr marL="1371600" indent="0">
+              <a:buNone/>
+              <a:defRPr sz="1600" b="1"/>
+            </a:lvl4pPr>
+            <a:lvl5pPr marL="1828800" indent="0">
+              <a:buNone/>
+              <a:defRPr sz="1600" b="1"/>
+            </a:lvl5pPr>
+            <a:lvl6pPr marL="2286000" indent="0">
+              <a:buNone/>
+              <a:defRPr sz="1600" b="1"/>
+            </a:lvl6pPr>
+            <a:lvl7pPr marL="2743200" indent="0">
+              <a:buNone/>
+              <a:defRPr sz="1600" b="1"/>
+            </a:lvl7pPr>
+            <a:lvl8pPr marL="3200400" indent="0">
+              <a:buNone/>
+              <a:defRPr sz="1600" b="1"/>
+            </a:lvl8pPr>
+            <a:lvl9pPr marL="3657600" indent="0">
+              <a:buNone/>
+              <a:defRPr sz="1600" b="1"/>
+            </a:lvl9pPr>
+          </a:lstStyle>
+          <a:p>
+            <a:pPr lvl="0"/>
+            <a:r>
+              <a:rPr lang="it-IT"/>
+              <a:t>Fare clic per modificare gli stili del testo dello schema</a:t>
+            </a:r>
+          </a:p>
+        </p:txBody>
+      </p:sp>
+      <p:sp>
+        <p:nvSpPr>
+          <p:cNvPr id="6" name="Content Placeholder 5"/>
+          <p:cNvSpPr>
+            <a:spLocks noGrp="1"/>
+          </p:cNvSpPr>
+          <p:nvPr>
+            <p:ph sz="quarter" idx="4"/>
+          </p:nvPr>
+        </p:nvSpPr>
+        <p:spPr>
+          <a:xfrm>
+            <a:off x="4662362" y="1143000"/>
+            <a:ext cx="3956705" cy="3149600"/>
+          </a:xfrm>
+        </p:spPr>
+        <p:txBody>
+          <a:bodyPr anchor="t">
+            <a:normAutofit/>
+          </a:bodyPr>
+          <a:lstStyle/>
+          <a:p>
+            <a:pPr lvl="0"/>
+            <a:r>
+              <a:rPr lang="it-IT"/>
+              <a:t>Fare clic per modificare gli stili del testo dello schema</a:t>
+            </a:r>
+          </a:p>
+          <a:p>
+            <a:pPr lvl="1"/>
+            <a:r>
+              <a:rPr lang="it-IT"/>
+              <a:t>Secondo livello</a:t>
+            </a:r>
+          </a:p>
+          <a:p>
+            <a:pPr lvl="2"/>
+            <a:r>
+              <a:rPr lang="it-IT"/>
+              <a:t>Terzo livello</a:t>
+            </a:r>
+          </a:p>
+          <a:p>
+            <a:pPr lvl="3"/>
+            <a:r>
+              <a:rPr lang="it-IT"/>
+              <a:t>Quarto livello</a:t>
+            </a:r>
+          </a:p>
+          <a:p>
+            <a:pPr lvl="4"/>
+            <a:r>
+              <a:rPr lang="it-IT"/>
+              <a:t>Quinto livello</a:t>
+            </a:r>
+            <a:endParaRPr lang="en-US" dirty="0"/>
+          </a:p>
+        </p:txBody>
+      </p:sp>
+      <p:sp>
+        <p:nvSpPr>
+          <p:cNvPr id="7" name="Date Placeholder 6"/>
+          <p:cNvSpPr>
+            <a:spLocks noGrp="1"/>
+          </p:cNvSpPr>
+          <p:nvPr>
+            <p:ph type="dt" sz="half" idx="10"/>
+          </p:nvPr>
+        </p:nvSpPr>
+        <p:spPr/>
+        <p:txBody>
+          <a:bodyPr/>
+          <a:lstStyle/>
+          <a:p>
+            <a:fld id="{5BCAD085-E8A6-8845-BD4E-CB4CCA059FC4}" type="datetimeFigureOut">
+              <a:rPr lang="en-US" smtClean="0"/>
+              <a:t>6/18/2025</a:t>
+            </a:fld>
+            <a:endParaRPr lang="en-US"/>
+          </a:p>
+        </p:txBody>
+      </p:sp>
+      <p:sp>
+        <p:nvSpPr>
+          <p:cNvPr id="8" name="Footer Placeholder 7"/>
+          <p:cNvSpPr>
+            <a:spLocks noGrp="1"/>
+          </p:cNvSpPr>
+          <p:nvPr>
+            <p:ph type="ftr" sz="quarter" idx="11"/>
+          </p:nvPr>
+        </p:nvSpPr>
+        <p:spPr/>
+        <p:txBody>
+          <a:bodyPr/>
+          <a:lstStyle/>
+          <a:p>
+            <a:endParaRPr lang="en-US"/>
+          </a:p>
+        </p:txBody>
+      </p:sp>
+      <p:sp>
+        <p:nvSpPr>
+          <p:cNvPr id="9" name="Slide Number Placeholder 8"/>
+          <p:cNvSpPr>
+            <a:spLocks noGrp="1"/>
+          </p:cNvSpPr>
+          <p:nvPr>
+            <p:ph type="sldNum" sz="quarter" idx="12"/>
+          </p:nvPr>
+        </p:nvSpPr>
+        <p:spPr/>
+        <p:txBody>
+          <a:bodyPr/>
+          <a:lstStyle/>
+          <a:p>
+            <a:fld id="{C1FF6DA9-008F-8B48-92A6-B652298478BF}" type="slidenum">
+              <a:rPr lang="en-US" smtClean="0"/>
+              <a:t>‹N›</a:t>
+            </a:fld>
+            <a:endParaRPr lang="en-US"/>
+          </a:p>
+        </p:txBody>
+      </p:sp>
+    </p:spTree>
+    <p:extLst>
+      <p:ext uri="{BB962C8B-B14F-4D97-AF65-F5344CB8AC3E}">
+        <p14:creationId xmlns:p14="http://schemas.microsoft.com/office/powerpoint/2010/main" val="1446477291"/>
+      </p:ext>
+    </p:extLst>
+  </p:cSld>
+  <p:clrMapOvr>
+    <a:masterClrMapping/>
+  </p:clrMapOvr>
+</p:sldLayout>
+</file>
+
+<file path=ppt/slideLayouts/slideLayout6.xml><?xml version="1.0" encoding="utf-8"?>
+<p:sldLayout xmlns:a="http://schemas.openxmlformats.org/drawingml/2006/main" xmlns:r="http://schemas.openxmlformats.org/officeDocument/2006/relationships" xmlns:p="http://schemas.openxmlformats.org/presentationml/2006/main" type="titleOnly" preserve="1">
+  <p:cSld name="Solo titolo">
+    <p:spTree>
+      <p:nvGrpSpPr>
+        <p:cNvPr id="1" name=""/>
+        <p:cNvGrpSpPr/>
+        <p:nvPr/>
+      </p:nvGrpSpPr>
+      <p:grpSpPr>
+        <a:xfrm>
+          <a:off x="0" y="0"/>
+          <a:ext cx="0" cy="0"/>
+          <a:chOff x="0" y="0"/>
+          <a:chExt cx="0" cy="0"/>
+        </a:xfrm>
+      </p:grpSpPr>
+      <p:sp>
+        <p:nvSpPr>
+          <p:cNvPr id="2" name="Title 1"/>
+          <p:cNvSpPr>
+            <a:spLocks noGrp="1"/>
+          </p:cNvSpPr>
+          <p:nvPr>
+            <p:ph type="title"/>
+          </p:nvPr>
+        </p:nvSpPr>
+        <p:spPr>
+          <a:xfrm>
+            <a:off x="533400" y="4495800"/>
+            <a:ext cx="6554867" cy="1524000"/>
+          </a:xfrm>
+        </p:spPr>
+        <p:txBody>
+          <a:bodyPr>
+            <a:normAutofit/>
+          </a:bodyPr>
+          <a:lstStyle>
+            <a:lvl1pPr>
               <a:defRPr sz="3200"/>
             </a:lvl1pPr>
-            <a:lvl2pPr marL="457200" indent="0">
-              <a:buNone/>
-              <a:defRPr sz="2800"/>
-            </a:lvl2pPr>
-            <a:lvl3pPr marL="914400" indent="0">
-              <a:buNone/>
-              <a:defRPr sz="2400"/>
-            </a:lvl3pPr>
-            <a:lvl4pPr marL="1371600" indent="0">
-              <a:buNone/>
-              <a:defRPr sz="2000"/>
-            </a:lvl4pPr>
-            <a:lvl5pPr marL="1828800" indent="0">
-              <a:buNone/>
-              <a:defRPr sz="2000"/>
-            </a:lvl5pPr>
-            <a:lvl6pPr marL="2286000" indent="0">
-              <a:buNone/>
-              <a:defRPr sz="2000"/>
-            </a:lvl6pPr>
-            <a:lvl7pPr marL="2743200" indent="0">
-              <a:buNone/>
-              <a:defRPr sz="2000"/>
-            </a:lvl7pPr>
-            <a:lvl8pPr marL="3200400" indent="0">
-              <a:buNone/>
-              <a:defRPr sz="2000"/>
-            </a:lvl8pPr>
-            <a:lvl9pPr marL="3657600" indent="0">
-              <a:buNone/>
-              <a:defRPr sz="2000"/>
-            </a:lvl9pPr>
           </a:lstStyle>
           <a:p>
+            <a:r>
+              <a:rPr lang="it-IT"/>
+              <a:t>Fare clic per modificare lo stile del titolo dello schema</a:t>
+            </a:r>
+            <a:endParaRPr lang="en-US" dirty="0"/>
+          </a:p>
+        </p:txBody>
+      </p:sp>
+      <p:sp>
+        <p:nvSpPr>
+          <p:cNvPr id="3" name="Date Placeholder 2"/>
+          <p:cNvSpPr>
+            <a:spLocks noGrp="1"/>
+          </p:cNvSpPr>
+          <p:nvPr>
+            <p:ph type="dt" sz="half" idx="10"/>
+          </p:nvPr>
+        </p:nvSpPr>
+        <p:spPr/>
+        <p:txBody>
+          <a:bodyPr/>
+          <a:lstStyle/>
+          <a:p>
+            <a:fld id="{5BCAD085-E8A6-8845-BD4E-CB4CCA059FC4}" type="datetimeFigureOut">
+              <a:rPr lang="en-US" smtClean="0"/>
+              <a:t>6/18/2025</a:t>
+            </a:fld>
             <a:endParaRPr lang="en-US"/>
           </a:p>
         </p:txBody>
       </p:sp>
       <p:sp>
         <p:nvSpPr>
+          <p:cNvPr id="4" name="Footer Placeholder 3"/>
+          <p:cNvSpPr>
+            <a:spLocks noGrp="1"/>
+          </p:cNvSpPr>
+          <p:nvPr>
+            <p:ph type="ftr" sz="quarter" idx="11"/>
+          </p:nvPr>
+        </p:nvSpPr>
+        <p:spPr/>
+        <p:txBody>
+          <a:bodyPr/>
+          <a:lstStyle/>
+          <a:p>
+            <a:endParaRPr lang="en-US"/>
+          </a:p>
+        </p:txBody>
+      </p:sp>
+      <p:sp>
+        <p:nvSpPr>
+          <p:cNvPr id="5" name="Slide Number Placeholder 4"/>
+          <p:cNvSpPr>
+            <a:spLocks noGrp="1"/>
+          </p:cNvSpPr>
+          <p:nvPr>
+            <p:ph type="sldNum" sz="quarter" idx="12"/>
+          </p:nvPr>
+        </p:nvSpPr>
+        <p:spPr/>
+        <p:txBody>
+          <a:bodyPr/>
+          <a:lstStyle/>
+          <a:p>
+            <a:fld id="{C1FF6DA9-008F-8B48-92A6-B652298478BF}" type="slidenum">
+              <a:rPr lang="en-US" smtClean="0"/>
+              <a:t>‹N›</a:t>
+            </a:fld>
+            <a:endParaRPr lang="en-US"/>
+          </a:p>
+        </p:txBody>
+      </p:sp>
+    </p:spTree>
+    <p:extLst>
+      <p:ext uri="{BB962C8B-B14F-4D97-AF65-F5344CB8AC3E}">
+        <p14:creationId xmlns:p14="http://schemas.microsoft.com/office/powerpoint/2010/main" val="1320366763"/>
+      </p:ext>
+    </p:extLst>
+  </p:cSld>
+  <p:clrMapOvr>
+    <a:masterClrMapping/>
+  </p:clrMapOvr>
+</p:sldLayout>
+</file>
+
+<file path=ppt/slideLayouts/slideLayout7.xml><?xml version="1.0" encoding="utf-8"?>
+<p:sldLayout xmlns:a="http://schemas.openxmlformats.org/drawingml/2006/main" xmlns:r="http://schemas.openxmlformats.org/officeDocument/2006/relationships" xmlns:p="http://schemas.openxmlformats.org/presentationml/2006/main" type="blank" preserve="1">
+  <p:cSld name="Vuota">
+    <p:spTree>
+      <p:nvGrpSpPr>
+        <p:cNvPr id="1" name=""/>
+        <p:cNvGrpSpPr/>
+        <p:nvPr/>
+      </p:nvGrpSpPr>
+      <p:grpSpPr>
+        <a:xfrm>
+          <a:off x="0" y="0"/>
+          <a:ext cx="0" cy="0"/>
+          <a:chOff x="0" y="0"/>
+          <a:chExt cx="0" cy="0"/>
+        </a:xfrm>
+      </p:grpSpPr>
+      <p:sp>
+        <p:nvSpPr>
+          <p:cNvPr id="2" name="Date Placeholder 1"/>
+          <p:cNvSpPr>
+            <a:spLocks noGrp="1"/>
+          </p:cNvSpPr>
+          <p:nvPr>
+            <p:ph type="dt" sz="half" idx="10"/>
+          </p:nvPr>
+        </p:nvSpPr>
+        <p:spPr/>
+        <p:txBody>
+          <a:bodyPr/>
+          <a:lstStyle/>
+          <a:p>
+            <a:fld id="{5BCAD085-E8A6-8845-BD4E-CB4CCA059FC4}" type="datetimeFigureOut">
+              <a:rPr lang="en-US" smtClean="0"/>
+              <a:t>6/18/2025</a:t>
+            </a:fld>
+            <a:endParaRPr lang="en-US"/>
+          </a:p>
+        </p:txBody>
+      </p:sp>
+      <p:sp>
+        <p:nvSpPr>
+          <p:cNvPr id="3" name="Footer Placeholder 2"/>
+          <p:cNvSpPr>
+            <a:spLocks noGrp="1"/>
+          </p:cNvSpPr>
+          <p:nvPr>
+            <p:ph type="ftr" sz="quarter" idx="11"/>
+          </p:nvPr>
+        </p:nvSpPr>
+        <p:spPr/>
+        <p:txBody>
+          <a:bodyPr/>
+          <a:lstStyle/>
+          <a:p>
+            <a:endParaRPr lang="en-US"/>
+          </a:p>
+        </p:txBody>
+      </p:sp>
+      <p:sp>
+        <p:nvSpPr>
+          <p:cNvPr id="4" name="Slide Number Placeholder 3"/>
+          <p:cNvSpPr>
+            <a:spLocks noGrp="1"/>
+          </p:cNvSpPr>
+          <p:nvPr>
+            <p:ph type="sldNum" sz="quarter" idx="12"/>
+          </p:nvPr>
+        </p:nvSpPr>
+        <p:spPr/>
+        <p:txBody>
+          <a:bodyPr/>
+          <a:lstStyle/>
+          <a:p>
+            <a:fld id="{C1FF6DA9-008F-8B48-92A6-B652298478BF}" type="slidenum">
+              <a:rPr lang="en-US" smtClean="0"/>
+              <a:t>‹N›</a:t>
+            </a:fld>
+            <a:endParaRPr lang="en-US"/>
+          </a:p>
+        </p:txBody>
+      </p:sp>
+    </p:spTree>
+    <p:extLst>
+      <p:ext uri="{BB962C8B-B14F-4D97-AF65-F5344CB8AC3E}">
+        <p14:creationId xmlns:p14="http://schemas.microsoft.com/office/powerpoint/2010/main" val="2489014817"/>
+      </p:ext>
+    </p:extLst>
+  </p:cSld>
+  <p:clrMapOvr>
+    <a:masterClrMapping/>
+  </p:clrMapOvr>
+</p:sldLayout>
+</file>
+
+<file path=ppt/slideLayouts/slideLayout8.xml><?xml version="1.0" encoding="utf-8"?>
+<p:sldLayout xmlns:a="http://schemas.openxmlformats.org/drawingml/2006/main" xmlns:r="http://schemas.openxmlformats.org/officeDocument/2006/relationships" xmlns:p="http://schemas.openxmlformats.org/presentationml/2006/main" type="objTx" preserve="1">
+  <p:cSld name="Contenuto con didascalia">
+    <p:spTree>
+      <p:nvGrpSpPr>
+        <p:cNvPr id="1" name=""/>
+        <p:cNvGrpSpPr/>
+        <p:nvPr/>
+      </p:nvGrpSpPr>
+      <p:grpSpPr>
+        <a:xfrm>
+          <a:off x="0" y="0"/>
+          <a:ext cx="0" cy="0"/>
+          <a:chOff x="0" y="0"/>
+          <a:chExt cx="0" cy="0"/>
+        </a:xfrm>
+      </p:grpSpPr>
+      <p:sp>
+        <p:nvSpPr>
+          <p:cNvPr id="2" name="Title 1"/>
+          <p:cNvSpPr>
+            <a:spLocks noGrp="1"/>
+          </p:cNvSpPr>
+          <p:nvPr>
+            <p:ph type="title"/>
+          </p:nvPr>
+        </p:nvSpPr>
+        <p:spPr>
+          <a:xfrm>
+            <a:off x="5418667" y="533400"/>
+            <a:ext cx="3200400" cy="1524000"/>
+          </a:xfrm>
+        </p:spPr>
+        <p:txBody>
+          <a:bodyPr anchor="b">
+            <a:normAutofit/>
+          </a:bodyPr>
+          <a:lstStyle>
+            <a:lvl1pPr algn="l">
+              <a:defRPr sz="2000" b="0"/>
+            </a:lvl1pPr>
+          </a:lstStyle>
+          <a:p>
+            <a:r>
+              <a:rPr lang="it-IT"/>
+              <a:t>Fare clic per modificare lo stile del titolo dello schema</a:t>
+            </a:r>
+            <a:endParaRPr lang="en-US" dirty="0"/>
+          </a:p>
+        </p:txBody>
+      </p:sp>
+      <p:sp>
+        <p:nvSpPr>
+          <p:cNvPr id="3" name="Content Placeholder 2"/>
+          <p:cNvSpPr>
+            <a:spLocks noGrp="1"/>
+          </p:cNvSpPr>
+          <p:nvPr>
+            <p:ph idx="1"/>
+          </p:nvPr>
+        </p:nvSpPr>
+        <p:spPr>
+          <a:xfrm>
+            <a:off x="533399" y="533400"/>
+            <a:ext cx="4438755" cy="5486400"/>
+          </a:xfrm>
+        </p:spPr>
+        <p:txBody>
+          <a:bodyPr anchor="ctr">
+            <a:normAutofit/>
+          </a:bodyPr>
+          <a:lstStyle/>
+          <a:p>
+            <a:pPr lvl="0"/>
+            <a:r>
+              <a:rPr lang="it-IT"/>
+              <a:t>Fare clic per modificare gli stili del testo dello schema</a:t>
+            </a:r>
+          </a:p>
+          <a:p>
+            <a:pPr lvl="1"/>
+            <a:r>
+              <a:rPr lang="it-IT"/>
+              <a:t>Secondo livello</a:t>
+            </a:r>
+          </a:p>
+          <a:p>
+            <a:pPr lvl="2"/>
+            <a:r>
+              <a:rPr lang="it-IT"/>
+              <a:t>Terzo livello</a:t>
+            </a:r>
+          </a:p>
+          <a:p>
+            <a:pPr lvl="3"/>
+            <a:r>
+              <a:rPr lang="it-IT"/>
+              <a:t>Quarto livello</a:t>
+            </a:r>
+          </a:p>
+          <a:p>
+            <a:pPr lvl="4"/>
+            <a:r>
+              <a:rPr lang="it-IT"/>
+              <a:t>Quinto livello</a:t>
+            </a:r>
+            <a:endParaRPr lang="en-US" dirty="0"/>
+          </a:p>
+        </p:txBody>
+      </p:sp>
+      <p:sp>
+        <p:nvSpPr>
           <p:cNvPr id="4" name="Text Placeholder 3"/>
           <p:cNvSpPr>
             <a:spLocks noGrp="1"/>
@@ -2441,16 +4168,18 @@
         </p:nvSpPr>
         <p:spPr>
           <a:xfrm>
-            <a:off x="1792288" y="5367338"/>
-            <a:ext cx="5486400" cy="804862"/>
-          </a:xfrm>
-        </p:spPr>
-        <p:txBody>
-          <a:bodyPr/>
+            <a:off x="5418667" y="2209802"/>
+            <a:ext cx="3200400" cy="2091267"/>
+          </a:xfrm>
+        </p:spPr>
+        <p:txBody>
+          <a:bodyPr anchor="t">
+            <a:normAutofit/>
+          </a:bodyPr>
           <a:lstStyle>
             <a:lvl1pPr marL="0" indent="0">
               <a:buNone/>
-              <a:defRPr sz="1400"/>
+              <a:defRPr sz="1600"/>
             </a:lvl1pPr>
             <a:lvl2pPr marL="457200" indent="0">
               <a:buNone/>
@@ -2488,8 +4217,8 @@
           <a:p>
             <a:pPr lvl="0"/>
             <a:r>
-              <a:rPr lang="en-US" smtClean="0"/>
-              <a:t>Click to edit Master text styles</a:t>
+              <a:rPr lang="it-IT"/>
+              <a:t>Fare clic per modificare gli stili del testo dello schema</a:t>
             </a:r>
           </a:p>
         </p:txBody>
@@ -2511,7 +4240,7 @@
           <a:p>
             <a:fld id="{5BCAD085-E8A6-8845-BD4E-CB4CCA059FC4}" type="datetimeFigureOut">
               <a:rPr lang="en-US" smtClean="0"/>
-              <a:t>1/27/13</a:t>
+              <a:t>6/18/2025</a:t>
             </a:fld>
             <a:endParaRPr lang="en-US"/>
           </a:p>
@@ -2553,7 +4282,7 @@
           <a:p>
             <a:fld id="{C1FF6DA9-008F-8B48-92A6-B652298478BF}" type="slidenum">
               <a:rPr lang="en-US" smtClean="0"/>
-              <a:t>‹#›</a:t>
+              <a:t>‹N›</a:t>
             </a:fld>
             <a:endParaRPr lang="en-US"/>
           </a:p>
@@ -2562,7 +4291,295 @@
     </p:spTree>
     <p:extLst>
       <p:ext uri="{BB962C8B-B14F-4D97-AF65-F5344CB8AC3E}">
-        <p14:creationId xmlns:p14="http://schemas.microsoft.com/office/powerpoint/2010/main" val="3889236939"/>
+        <p14:creationId xmlns:p14="http://schemas.microsoft.com/office/powerpoint/2010/main" val="4026012855"/>
+      </p:ext>
+    </p:extLst>
+  </p:cSld>
+  <p:clrMapOvr>
+    <a:masterClrMapping/>
+  </p:clrMapOvr>
+</p:sldLayout>
+</file>
+
+<file path=ppt/slideLayouts/slideLayout9.xml><?xml version="1.0" encoding="utf-8"?>
+<p:sldLayout xmlns:a="http://schemas.openxmlformats.org/drawingml/2006/main" xmlns:r="http://schemas.openxmlformats.org/officeDocument/2006/relationships" xmlns:p="http://schemas.openxmlformats.org/presentationml/2006/main" type="picTx" preserve="1">
+  <p:cSld name="Immagine con didascalia">
+    <p:spTree>
+      <p:nvGrpSpPr>
+        <p:cNvPr id="1" name=""/>
+        <p:cNvGrpSpPr/>
+        <p:nvPr/>
+      </p:nvGrpSpPr>
+      <p:grpSpPr>
+        <a:xfrm>
+          <a:off x="0" y="0"/>
+          <a:ext cx="0" cy="0"/>
+          <a:chOff x="0" y="0"/>
+          <a:chExt cx="0" cy="0"/>
+        </a:xfrm>
+      </p:grpSpPr>
+      <p:sp>
+        <p:nvSpPr>
+          <p:cNvPr id="2" name="Title 1"/>
+          <p:cNvSpPr>
+            <a:spLocks noGrp="1"/>
+          </p:cNvSpPr>
+          <p:nvPr>
+            <p:ph type="title"/>
+          </p:nvPr>
+        </p:nvSpPr>
+        <p:spPr>
+          <a:xfrm>
+            <a:off x="4495800" y="1447800"/>
+            <a:ext cx="3563258" cy="1143000"/>
+          </a:xfrm>
+        </p:spPr>
+        <p:txBody>
+          <a:bodyPr anchor="b">
+            <a:normAutofit/>
+          </a:bodyPr>
+          <a:lstStyle>
+            <a:lvl1pPr algn="l">
+              <a:defRPr sz="2400" b="0"/>
+            </a:lvl1pPr>
+          </a:lstStyle>
+          <a:p>
+            <a:r>
+              <a:rPr lang="it-IT"/>
+              <a:t>Fare clic per modificare lo stile del titolo dello schema</a:t>
+            </a:r>
+            <a:endParaRPr lang="en-US" dirty="0"/>
+          </a:p>
+        </p:txBody>
+      </p:sp>
+      <p:sp>
+        <p:nvSpPr>
+          <p:cNvPr id="17" name="Picture Placeholder 2"/>
+          <p:cNvSpPr>
+            <a:spLocks noGrp="1" noChangeAspect="1"/>
+          </p:cNvSpPr>
+          <p:nvPr>
+            <p:ph type="pic" idx="13"/>
+          </p:nvPr>
+        </p:nvSpPr>
+        <p:spPr>
+          <a:xfrm>
+            <a:off x="762000" y="914400"/>
+            <a:ext cx="3280974" cy="4800600"/>
+          </a:xfrm>
+          <a:prstGeom prst="snip2DiagRect">
+            <a:avLst>
+              <a:gd name="adj1" fmla="val 10815"/>
+              <a:gd name="adj2" fmla="val 0"/>
+            </a:avLst>
+          </a:prstGeom>
+          <a:ln w="15875">
+            <a:solidFill>
+              <a:schemeClr val="tx1">
+                <a:alpha val="40000"/>
+              </a:schemeClr>
+            </a:solidFill>
+          </a:ln>
+          <a:effectLst>
+            <a:innerShdw blurRad="57150" dist="38100" dir="14460000">
+              <a:srgbClr val="000000">
+                <a:alpha val="70000"/>
+              </a:srgbClr>
+            </a:innerShdw>
+          </a:effectLst>
+        </p:spPr>
+        <p:txBody>
+          <a:bodyPr anchor="t">
+            <a:normAutofit/>
+          </a:bodyPr>
+          <a:lstStyle>
+            <a:lvl1pPr marL="0" indent="0" algn="ctr">
+              <a:buNone/>
+              <a:defRPr sz="1600"/>
+            </a:lvl1pPr>
+            <a:lvl2pPr marL="457200" indent="0">
+              <a:buNone/>
+              <a:defRPr sz="1600"/>
+            </a:lvl2pPr>
+            <a:lvl3pPr marL="914400" indent="0">
+              <a:buNone/>
+              <a:defRPr sz="1600"/>
+            </a:lvl3pPr>
+            <a:lvl4pPr marL="1371600" indent="0">
+              <a:buNone/>
+              <a:defRPr sz="1600"/>
+            </a:lvl4pPr>
+            <a:lvl5pPr marL="1828800" indent="0">
+              <a:buNone/>
+              <a:defRPr sz="1600"/>
+            </a:lvl5pPr>
+            <a:lvl6pPr marL="2286000" indent="0">
+              <a:buNone/>
+              <a:defRPr sz="1600"/>
+            </a:lvl6pPr>
+            <a:lvl7pPr marL="2743200" indent="0">
+              <a:buNone/>
+              <a:defRPr sz="1600"/>
+            </a:lvl7pPr>
+            <a:lvl8pPr marL="3200400" indent="0">
+              <a:buNone/>
+              <a:defRPr sz="1600"/>
+            </a:lvl8pPr>
+            <a:lvl9pPr marL="3657600" indent="0">
+              <a:buNone/>
+              <a:defRPr sz="1600"/>
+            </a:lvl9pPr>
+          </a:lstStyle>
+          <a:p>
+            <a:r>
+              <a:rPr lang="it-IT"/>
+              <a:t>Fare clic sull'icona per inserire un'immagine</a:t>
+            </a:r>
+            <a:endParaRPr lang="en-US" dirty="0"/>
+          </a:p>
+        </p:txBody>
+      </p:sp>
+      <p:sp>
+        <p:nvSpPr>
+          <p:cNvPr id="4" name="Text Placeholder 3"/>
+          <p:cNvSpPr>
+            <a:spLocks noGrp="1"/>
+          </p:cNvSpPr>
+          <p:nvPr>
+            <p:ph type="body" sz="half" idx="2"/>
+          </p:nvPr>
+        </p:nvSpPr>
+        <p:spPr>
+          <a:xfrm>
+            <a:off x="4496027" y="2743200"/>
+            <a:ext cx="3564223" cy="2082800"/>
+          </a:xfrm>
+        </p:spPr>
+        <p:txBody>
+          <a:bodyPr anchor="t">
+            <a:normAutofit/>
+          </a:bodyPr>
+          <a:lstStyle>
+            <a:lvl1pPr marL="0" indent="0">
+              <a:buNone/>
+              <a:defRPr sz="1800"/>
+            </a:lvl1pPr>
+            <a:lvl2pPr marL="457200" indent="0">
+              <a:buNone/>
+              <a:defRPr sz="1200"/>
+            </a:lvl2pPr>
+            <a:lvl3pPr marL="914400" indent="0">
+              <a:buNone/>
+              <a:defRPr sz="1000"/>
+            </a:lvl3pPr>
+            <a:lvl4pPr marL="1371600" indent="0">
+              <a:buNone/>
+              <a:defRPr sz="900"/>
+            </a:lvl4pPr>
+            <a:lvl5pPr marL="1828800" indent="0">
+              <a:buNone/>
+              <a:defRPr sz="900"/>
+            </a:lvl5pPr>
+            <a:lvl6pPr marL="2286000" indent="0">
+              <a:buNone/>
+              <a:defRPr sz="900"/>
+            </a:lvl6pPr>
+            <a:lvl7pPr marL="2743200" indent="0">
+              <a:buNone/>
+              <a:defRPr sz="900"/>
+            </a:lvl7pPr>
+            <a:lvl8pPr marL="3200400" indent="0">
+              <a:buNone/>
+              <a:defRPr sz="900"/>
+            </a:lvl8pPr>
+            <a:lvl9pPr marL="3657600" indent="0">
+              <a:buNone/>
+              <a:defRPr sz="900"/>
+            </a:lvl9pPr>
+          </a:lstStyle>
+          <a:p>
+            <a:pPr lvl="0"/>
+            <a:r>
+              <a:rPr lang="it-IT"/>
+              <a:t>Fare clic per modificare gli stili del testo dello schema</a:t>
+            </a:r>
+          </a:p>
+        </p:txBody>
+      </p:sp>
+      <p:sp>
+        <p:nvSpPr>
+          <p:cNvPr id="5" name="Date Placeholder 4"/>
+          <p:cNvSpPr>
+            <a:spLocks noGrp="1"/>
+          </p:cNvSpPr>
+          <p:nvPr>
+            <p:ph type="dt" sz="half" idx="10"/>
+          </p:nvPr>
+        </p:nvSpPr>
+        <p:spPr/>
+        <p:txBody>
+          <a:bodyPr/>
+          <a:lstStyle/>
+          <a:p>
+            <a:fld id="{5BCAD085-E8A6-8845-BD4E-CB4CCA059FC4}" type="datetimeFigureOut">
+              <a:rPr lang="en-US" smtClean="0"/>
+              <a:t>6/18/2025</a:t>
+            </a:fld>
+            <a:endParaRPr lang="en-US"/>
+          </a:p>
+        </p:txBody>
+      </p:sp>
+      <p:sp>
+        <p:nvSpPr>
+          <p:cNvPr id="6" name="Footer Placeholder 5"/>
+          <p:cNvSpPr>
+            <a:spLocks noGrp="1"/>
+          </p:cNvSpPr>
+          <p:nvPr>
+            <p:ph type="ftr" sz="quarter" idx="11"/>
+          </p:nvPr>
+        </p:nvSpPr>
+        <p:spPr>
+          <a:xfrm>
+            <a:off x="533400" y="6172200"/>
+            <a:ext cx="5811724" cy="365125"/>
+          </a:xfrm>
+        </p:spPr>
+        <p:txBody>
+          <a:bodyPr/>
+          <a:lstStyle/>
+          <a:p>
+            <a:endParaRPr lang="en-US"/>
+          </a:p>
+        </p:txBody>
+      </p:sp>
+      <p:sp>
+        <p:nvSpPr>
+          <p:cNvPr id="7" name="Slide Number Placeholder 6"/>
+          <p:cNvSpPr>
+            <a:spLocks noGrp="1"/>
+          </p:cNvSpPr>
+          <p:nvPr>
+            <p:ph type="sldNum" sz="quarter" idx="12"/>
+          </p:nvPr>
+        </p:nvSpPr>
+        <p:spPr/>
+        <p:txBody>
+          <a:bodyPr/>
+          <a:lstStyle/>
+          <a:p>
+            <a:fld id="{C1FF6DA9-008F-8B48-92A6-B652298478BF}" type="slidenum">
+              <a:rPr lang="en-US" smtClean="0"/>
+              <a:t>‹N›</a:t>
+            </a:fld>
+            <a:endParaRPr lang="en-US"/>
+          </a:p>
+        </p:txBody>
+      </p:sp>
+    </p:spTree>
+    <p:extLst>
+      <p:ext uri="{BB962C8B-B14F-4D97-AF65-F5344CB8AC3E}">
+        <p14:creationId xmlns:p14="http://schemas.microsoft.com/office/powerpoint/2010/main" val="2595654866"/>
       </p:ext>
     </p:extLst>
   </p:cSld>
@@ -2576,8 +4593,8 @@
 <p:sldMaster xmlns:a="http://schemas.openxmlformats.org/drawingml/2006/main" xmlns:r="http://schemas.openxmlformats.org/officeDocument/2006/relationships" xmlns:p="http://schemas.openxmlformats.org/presentationml/2006/main">
   <p:cSld>
     <p:bg>
-      <p:bgRef idx="1001">
-        <a:schemeClr val="bg1"/>
+      <p:bgRef idx="1002">
+        <a:schemeClr val="bg2"/>
       </p:bgRef>
     </p:bg>
     <p:spTree>
@@ -2594,6 +4611,196 @@
           <a:chExt cx="0" cy="0"/>
         </a:xfrm>
       </p:grpSpPr>
+      <p:grpSp>
+        <p:nvGrpSpPr>
+          <p:cNvPr id="7" name="Group 6"/>
+          <p:cNvGrpSpPr/>
+          <p:nvPr/>
+        </p:nvGrpSpPr>
+        <p:grpSpPr>
+          <a:xfrm>
+            <a:off x="6670675" y="3894667"/>
+            <a:ext cx="2470456" cy="2658533"/>
+            <a:chOff x="6687077" y="3259666"/>
+            <a:chExt cx="2981857" cy="3208867"/>
+          </a:xfrm>
+        </p:grpSpPr>
+        <p:cxnSp>
+          <p:nvCxnSpPr>
+            <p:cNvPr id="8" name="Straight Connector 7"/>
+            <p:cNvCxnSpPr/>
+            <p:nvPr/>
+          </p:nvCxnSpPr>
+          <p:spPr>
+            <a:xfrm flipH="1">
+              <a:off x="8756120" y="3259666"/>
+              <a:ext cx="912814" cy="912812"/>
+            </a:xfrm>
+            <a:prstGeom prst="line">
+              <a:avLst/>
+            </a:prstGeom>
+            <a:ln w="9525">
+              <a:solidFill>
+                <a:schemeClr val="tx1"/>
+              </a:solidFill>
+            </a:ln>
+          </p:spPr>
+          <p:style>
+            <a:lnRef idx="2">
+              <a:schemeClr val="accent1"/>
+            </a:lnRef>
+            <a:fillRef idx="0">
+              <a:schemeClr val="accent1"/>
+            </a:fillRef>
+            <a:effectRef idx="1">
+              <a:schemeClr val="accent1"/>
+            </a:effectRef>
+            <a:fontRef idx="minor">
+              <a:schemeClr val="tx1"/>
+            </a:fontRef>
+          </p:style>
+        </p:cxnSp>
+        <p:cxnSp>
+          <p:nvCxnSpPr>
+            <p:cNvPr id="9" name="Straight Connector 8"/>
+            <p:cNvCxnSpPr/>
+            <p:nvPr/>
+          </p:nvCxnSpPr>
+          <p:spPr>
+            <a:xfrm flipH="1">
+              <a:off x="6687077" y="3486677"/>
+              <a:ext cx="2981857" cy="2981856"/>
+            </a:xfrm>
+            <a:prstGeom prst="line">
+              <a:avLst/>
+            </a:prstGeom>
+            <a:ln w="9525">
+              <a:solidFill>
+                <a:schemeClr val="tx1"/>
+              </a:solidFill>
+            </a:ln>
+          </p:spPr>
+          <p:style>
+            <a:lnRef idx="2">
+              <a:schemeClr val="accent1"/>
+            </a:lnRef>
+            <a:fillRef idx="0">
+              <a:schemeClr val="accent1"/>
+            </a:fillRef>
+            <a:effectRef idx="1">
+              <a:schemeClr val="accent1"/>
+            </a:effectRef>
+            <a:fontRef idx="minor">
+              <a:schemeClr val="tx1"/>
+            </a:fontRef>
+          </p:style>
+        </p:cxnSp>
+        <p:cxnSp>
+          <p:nvCxnSpPr>
+            <p:cNvPr id="10" name="Straight Connector 9"/>
+            <p:cNvCxnSpPr/>
+            <p:nvPr/>
+          </p:nvCxnSpPr>
+          <p:spPr>
+            <a:xfrm flipH="1">
+              <a:off x="7772400" y="3581400"/>
+              <a:ext cx="1896534" cy="1896533"/>
+            </a:xfrm>
+            <a:prstGeom prst="line">
+              <a:avLst/>
+            </a:prstGeom>
+            <a:ln w="9525">
+              <a:solidFill>
+                <a:schemeClr val="tx1"/>
+              </a:solidFill>
+            </a:ln>
+          </p:spPr>
+          <p:style>
+            <a:lnRef idx="2">
+              <a:schemeClr val="accent1"/>
+            </a:lnRef>
+            <a:fillRef idx="0">
+              <a:schemeClr val="accent1"/>
+            </a:fillRef>
+            <a:effectRef idx="1">
+              <a:schemeClr val="accent1"/>
+            </a:effectRef>
+            <a:fontRef idx="minor">
+              <a:schemeClr val="tx1"/>
+            </a:fontRef>
+          </p:style>
+        </p:cxnSp>
+        <p:cxnSp>
+          <p:nvCxnSpPr>
+            <p:cNvPr id="11" name="Straight Connector 10"/>
+            <p:cNvCxnSpPr/>
+            <p:nvPr/>
+          </p:nvCxnSpPr>
+          <p:spPr>
+            <a:xfrm flipH="1">
+              <a:off x="7923214" y="3433394"/>
+              <a:ext cx="1739738" cy="1739740"/>
+            </a:xfrm>
+            <a:prstGeom prst="line">
+              <a:avLst/>
+            </a:prstGeom>
+            <a:ln w="28575">
+              <a:solidFill>
+                <a:schemeClr val="tx1"/>
+              </a:solidFill>
+            </a:ln>
+          </p:spPr>
+          <p:style>
+            <a:lnRef idx="2">
+              <a:schemeClr val="accent1"/>
+            </a:lnRef>
+            <a:fillRef idx="0">
+              <a:schemeClr val="accent1"/>
+            </a:fillRef>
+            <a:effectRef idx="1">
+              <a:schemeClr val="accent1"/>
+            </a:effectRef>
+            <a:fontRef idx="minor">
+              <a:schemeClr val="tx1"/>
+            </a:fontRef>
+          </p:style>
+        </p:cxnSp>
+        <p:cxnSp>
+          <p:nvCxnSpPr>
+            <p:cNvPr id="12" name="Straight Connector 11"/>
+            <p:cNvCxnSpPr/>
+            <p:nvPr/>
+          </p:nvCxnSpPr>
+          <p:spPr>
+            <a:xfrm flipH="1">
+              <a:off x="8398935" y="3985317"/>
+              <a:ext cx="1264017" cy="1264016"/>
+            </a:xfrm>
+            <a:prstGeom prst="line">
+              <a:avLst/>
+            </a:prstGeom>
+            <a:ln w="28575">
+              <a:solidFill>
+                <a:schemeClr val="tx1"/>
+              </a:solidFill>
+            </a:ln>
+          </p:spPr>
+          <p:style>
+            <a:lnRef idx="2">
+              <a:schemeClr val="accent1"/>
+            </a:lnRef>
+            <a:fillRef idx="0">
+              <a:schemeClr val="accent1"/>
+            </a:fillRef>
+            <a:effectRef idx="1">
+              <a:schemeClr val="accent1"/>
+            </a:effectRef>
+            <a:fontRef idx="minor">
+              <a:schemeClr val="tx1"/>
+            </a:fontRef>
+          </p:style>
+        </p:cxnSp>
+      </p:grpSp>
       <p:sp>
         <p:nvSpPr>
           <p:cNvPr id="2" name="Title Placeholder 1"/>
@@ -2606,12 +4813,13 @@
         </p:nvSpPr>
         <p:spPr>
           <a:xfrm>
-            <a:off x="457200" y="274638"/>
-            <a:ext cx="8229600" cy="1143000"/>
+            <a:off x="533400" y="4495800"/>
+            <a:ext cx="6554867" cy="1524000"/>
           </a:xfrm>
           <a:prstGeom prst="rect">
             <a:avLst/>
           </a:prstGeom>
+          <a:effectLst/>
         </p:spPr>
         <p:txBody>
           <a:bodyPr vert="horz" lIns="91440" tIns="45720" rIns="91440" bIns="45720" rtlCol="0" anchor="ctr">
@@ -2620,10 +4828,10 @@
           <a:lstStyle/>
           <a:p>
             <a:r>
-              <a:rPr lang="en-US" smtClean="0"/>
-              <a:t>Click to edit Master title style</a:t>
-            </a:r>
-            <a:endParaRPr lang="en-US"/>
+              <a:rPr lang="it-IT"/>
+              <a:t>Fare clic per modificare lo stile del titolo dello schema</a:t>
+            </a:r>
+            <a:endParaRPr lang="en-US" dirty="0"/>
           </a:p>
         </p:txBody>
       </p:sp>
@@ -2639,53 +4847,53 @@
         </p:nvSpPr>
         <p:spPr>
           <a:xfrm>
-            <a:off x="457200" y="1600200"/>
-            <a:ext cx="8229600" cy="4525963"/>
+            <a:off x="533400" y="533401"/>
+            <a:ext cx="6554867" cy="3767670"/>
           </a:xfrm>
           <a:prstGeom prst="rect">
             <a:avLst/>
           </a:prstGeom>
         </p:spPr>
         <p:txBody>
-          <a:bodyPr vert="horz" lIns="91440" tIns="45720" rIns="91440" bIns="45720" rtlCol="0">
+          <a:bodyPr vert="horz" lIns="91440" tIns="45720" rIns="91440" bIns="45720" rtlCol="0" anchor="ctr">
             <a:normAutofit/>
           </a:bodyPr>
           <a:lstStyle/>
           <a:p>
             <a:pPr lvl="0"/>
             <a:r>
-              <a:rPr lang="en-US" smtClean="0"/>
-              <a:t>Click to edit Master text styles</a:t>
+              <a:rPr lang="it-IT"/>
+              <a:t>Fare clic per modificare gli stili del testo dello schema</a:t>
             </a:r>
           </a:p>
           <a:p>
             <a:pPr lvl="1"/>
             <a:r>
-              <a:rPr lang="en-US" smtClean="0"/>
-              <a:t>Second level</a:t>
+              <a:rPr lang="it-IT"/>
+              <a:t>Secondo livello</a:t>
             </a:r>
           </a:p>
           <a:p>
             <a:pPr lvl="2"/>
             <a:r>
-              <a:rPr lang="en-US" smtClean="0"/>
-              <a:t>Third level</a:t>
+              <a:rPr lang="it-IT"/>
+              <a:t>Terzo livello</a:t>
             </a:r>
           </a:p>
           <a:p>
             <a:pPr lvl="3"/>
             <a:r>
-              <a:rPr lang="en-US" smtClean="0"/>
-              <a:t>Fourth level</a:t>
+              <a:rPr lang="it-IT"/>
+              <a:t>Quarto livello</a:t>
             </a:r>
           </a:p>
           <a:p>
             <a:pPr lvl="4"/>
             <a:r>
-              <a:rPr lang="en-US" smtClean="0"/>
-              <a:t>Fifth level</a:t>
-            </a:r>
-            <a:endParaRPr lang="en-US"/>
+              <a:rPr lang="it-IT"/>
+              <a:t>Quinto livello</a:t>
+            </a:r>
+            <a:endParaRPr lang="en-US" dirty="0"/>
           </a:p>
         </p:txBody>
       </p:sp>
@@ -2701,30 +4909,32 @@
         </p:nvSpPr>
         <p:spPr>
           <a:xfrm>
-            <a:off x="457200" y="6356350"/>
-            <a:ext cx="2133600" cy="365125"/>
+            <a:off x="7430245" y="6172203"/>
+            <a:ext cx="1200463" cy="365125"/>
           </a:xfrm>
           <a:prstGeom prst="rect">
             <a:avLst/>
           </a:prstGeom>
         </p:spPr>
         <p:txBody>
-          <a:bodyPr vert="horz" lIns="91440" tIns="45720" rIns="91440" bIns="45720" rtlCol="0" anchor="ctr"/>
+          <a:bodyPr vert="horz" lIns="91440" tIns="45720" rIns="91440" bIns="45720" rtlCol="0" anchor="t"/>
           <a:lstStyle>
-            <a:lvl1pPr algn="l">
-              <a:defRPr sz="1200">
-                <a:solidFill>
-                  <a:schemeClr val="tx1">
-                    <a:tint val="75000"/>
+            <a:lvl1pPr algn="r">
+              <a:defRPr sz="1000" b="0" i="0">
+                <a:solidFill>
+                  <a:schemeClr val="bg2">
+                    <a:lumMod val="50000"/>
                   </a:schemeClr>
                 </a:solidFill>
+                <a:effectLst/>
+                <a:latin typeface="+mn-lt"/>
               </a:defRPr>
             </a:lvl1pPr>
           </a:lstStyle>
           <a:p>
             <a:fld id="{5BCAD085-E8A6-8845-BD4E-CB4CCA059FC4}" type="datetimeFigureOut">
               <a:rPr lang="en-US" smtClean="0"/>
-              <a:t>1/27/13</a:t>
+              <a:t>6/18/2025</a:t>
             </a:fld>
             <a:endParaRPr lang="en-US"/>
           </a:p>
@@ -2742,23 +4952,25 @@
         </p:nvSpPr>
         <p:spPr>
           <a:xfrm>
-            <a:off x="3124200" y="6356350"/>
-            <a:ext cx="2895600" cy="365125"/>
+            <a:off x="533400" y="6172200"/>
+            <a:ext cx="5811724" cy="365125"/>
           </a:xfrm>
           <a:prstGeom prst="rect">
             <a:avLst/>
           </a:prstGeom>
         </p:spPr>
         <p:txBody>
-          <a:bodyPr vert="horz" lIns="91440" tIns="45720" rIns="91440" bIns="45720" rtlCol="0" anchor="ctr"/>
+          <a:bodyPr vert="horz" lIns="91440" tIns="45720" rIns="91440" bIns="45720" rtlCol="0" anchor="t"/>
           <a:lstStyle>
-            <a:lvl1pPr algn="ctr">
-              <a:defRPr sz="1200">
-                <a:solidFill>
-                  <a:schemeClr val="tx1">
-                    <a:tint val="75000"/>
+            <a:lvl1pPr algn="l">
+              <a:defRPr sz="1000" b="0" i="0">
+                <a:solidFill>
+                  <a:schemeClr val="bg2">
+                    <a:lumMod val="50000"/>
                   </a:schemeClr>
                 </a:solidFill>
+                <a:effectLst/>
+                <a:latin typeface="+mn-lt"/>
               </a:defRPr>
             </a:lvl1pPr>
           </a:lstStyle>
@@ -2779,30 +4991,32 @@
         </p:nvSpPr>
         <p:spPr>
           <a:xfrm>
-            <a:off x="6553200" y="6356350"/>
-            <a:ext cx="2133600" cy="365125"/>
+            <a:off x="7774426" y="5578478"/>
+            <a:ext cx="856907" cy="669925"/>
           </a:xfrm>
           <a:prstGeom prst="rect">
             <a:avLst/>
           </a:prstGeom>
         </p:spPr>
         <p:txBody>
-          <a:bodyPr vert="horz" lIns="91440" tIns="45720" rIns="91440" bIns="45720" rtlCol="0" anchor="ctr"/>
+          <a:bodyPr vert="horz" lIns="91440" tIns="45720" rIns="91440" bIns="45720" rtlCol="0" anchor="b"/>
           <a:lstStyle>
             <a:lvl1pPr algn="r">
-              <a:defRPr sz="1200">
-                <a:solidFill>
-                  <a:schemeClr val="tx1">
-                    <a:tint val="75000"/>
+              <a:defRPr sz="2800" b="0" i="0">
+                <a:solidFill>
+                  <a:schemeClr val="bg2">
+                    <a:lumMod val="50000"/>
                   </a:schemeClr>
                 </a:solidFill>
+                <a:effectLst/>
+                <a:latin typeface="+mn-lt"/>
               </a:defRPr>
             </a:lvl1pPr>
           </a:lstStyle>
           <a:p>
             <a:fld id="{C1FF6DA9-008F-8B48-92A6-B652298478BF}" type="slidenum">
               <a:rPr lang="en-US" smtClean="0"/>
-              <a:t>‹#›</a:t>
+              <a:t>‹N›</a:t>
             </a:fld>
             <a:endParaRPr lang="en-US"/>
           </a:p>
@@ -2811,52 +5025,128 @@
     </p:spTree>
     <p:extLst>
       <p:ext uri="{BB962C8B-B14F-4D97-AF65-F5344CB8AC3E}">
-        <p14:creationId xmlns:p14="http://schemas.microsoft.com/office/powerpoint/2010/main" val="2209977519"/>
+        <p14:creationId xmlns:p14="http://schemas.microsoft.com/office/powerpoint/2010/main" val="4040570927"/>
       </p:ext>
     </p:extLst>
   </p:cSld>
-  <p:clrMap bg1="lt1" tx1="dk1" bg2="lt2" tx2="dk2" accent1="accent1" accent2="accent2" accent3="accent3" accent4="accent4" accent5="accent5" accent6="accent6" hlink="hlink" folHlink="folHlink"/>
+  <p:clrMap bg1="dk1" tx1="lt1" bg2="dk2" tx2="lt2" accent1="accent1" accent2="accent2" accent3="accent3" accent4="accent4" accent5="accent5" accent6="accent6" hlink="hlink" folHlink="folHlink"/>
   <p:sldLayoutIdLst>
-    <p:sldLayoutId id="2147483649" r:id="rId1"/>
-    <p:sldLayoutId id="2147483650" r:id="rId2"/>
-    <p:sldLayoutId id="2147483651" r:id="rId3"/>
-    <p:sldLayoutId id="2147483652" r:id="rId4"/>
-    <p:sldLayoutId id="2147483653" r:id="rId5"/>
-    <p:sldLayoutId id="2147483654" r:id="rId6"/>
-    <p:sldLayoutId id="2147483655" r:id="rId7"/>
-    <p:sldLayoutId id="2147483656" r:id="rId8"/>
-    <p:sldLayoutId id="2147483657" r:id="rId9"/>
-    <p:sldLayoutId id="2147483658" r:id="rId10"/>
-    <p:sldLayoutId id="2147483659" r:id="rId11"/>
+    <p:sldLayoutId id="2147483751" r:id="rId1"/>
+    <p:sldLayoutId id="2147483752" r:id="rId2"/>
+    <p:sldLayoutId id="2147483753" r:id="rId3"/>
+    <p:sldLayoutId id="2147483754" r:id="rId4"/>
+    <p:sldLayoutId id="2147483755" r:id="rId5"/>
+    <p:sldLayoutId id="2147483756" r:id="rId6"/>
+    <p:sldLayoutId id="2147483757" r:id="rId7"/>
+    <p:sldLayoutId id="2147483758" r:id="rId8"/>
+    <p:sldLayoutId id="2147483759" r:id="rId9"/>
+    <p:sldLayoutId id="2147483760" r:id="rId10"/>
+    <p:sldLayoutId id="2147483761" r:id="rId11"/>
+    <p:sldLayoutId id="2147483762" r:id="rId12"/>
+    <p:sldLayoutId id="2147483763" r:id="rId13"/>
+    <p:sldLayoutId id="2147483764" r:id="rId14"/>
+    <p:sldLayoutId id="2147483765" r:id="rId15"/>
+    <p:sldLayoutId id="2147483766" r:id="rId16"/>
+    <p:sldLayoutId id="2147483767" r:id="rId17"/>
   </p:sldLayoutIdLst>
   <p:txStyles>
     <p:titleStyle>
-      <a:lvl1pPr algn="ctr" defTabSz="457200" rtl="0" eaLnBrk="1" latinLnBrk="0" hangingPunct="1">
+      <a:lvl1pPr algn="l" defTabSz="457200" rtl="0" eaLnBrk="1" latinLnBrk="0" hangingPunct="1">
         <a:spcBef>
           <a:spcPct val="0"/>
         </a:spcBef>
         <a:buNone/>
-        <a:defRPr sz="4400" kern="1200">
+        <a:defRPr sz="3200" kern="1200" cap="all">
+          <a:ln w="3175" cmpd="sng">
+            <a:noFill/>
+          </a:ln>
           <a:solidFill>
             <a:schemeClr val="tx1"/>
           </a:solidFill>
+          <a:effectLst/>
           <a:latin typeface="+mj-lt"/>
           <a:ea typeface="+mj-ea"/>
           <a:cs typeface="+mj-cs"/>
         </a:defRPr>
       </a:lvl1pPr>
+      <a:lvl2pPr eaLnBrk="1" hangingPunct="1">
+        <a:defRPr>
+          <a:solidFill>
+            <a:schemeClr val="tx2"/>
+          </a:solidFill>
+        </a:defRPr>
+      </a:lvl2pPr>
+      <a:lvl3pPr eaLnBrk="1" hangingPunct="1">
+        <a:defRPr>
+          <a:solidFill>
+            <a:schemeClr val="tx2"/>
+          </a:solidFill>
+        </a:defRPr>
+      </a:lvl3pPr>
+      <a:lvl4pPr eaLnBrk="1" hangingPunct="1">
+        <a:defRPr>
+          <a:solidFill>
+            <a:schemeClr val="tx2"/>
+          </a:solidFill>
+        </a:defRPr>
+      </a:lvl4pPr>
+      <a:lvl5pPr eaLnBrk="1" hangingPunct="1">
+        <a:defRPr>
+          <a:solidFill>
+            <a:schemeClr val="tx2"/>
+          </a:solidFill>
+        </a:defRPr>
+      </a:lvl5pPr>
+      <a:lvl6pPr eaLnBrk="1" hangingPunct="1">
+        <a:defRPr>
+          <a:solidFill>
+            <a:schemeClr val="tx2"/>
+          </a:solidFill>
+        </a:defRPr>
+      </a:lvl6pPr>
+      <a:lvl7pPr eaLnBrk="1" hangingPunct="1">
+        <a:defRPr>
+          <a:solidFill>
+            <a:schemeClr val="tx2"/>
+          </a:solidFill>
+        </a:defRPr>
+      </a:lvl7pPr>
+      <a:lvl8pPr eaLnBrk="1" hangingPunct="1">
+        <a:defRPr>
+          <a:solidFill>
+            <a:schemeClr val="tx2"/>
+          </a:solidFill>
+        </a:defRPr>
+      </a:lvl8pPr>
+      <a:lvl9pPr eaLnBrk="1" hangingPunct="1">
+        <a:defRPr>
+          <a:solidFill>
+            <a:schemeClr val="tx2"/>
+          </a:solidFill>
+        </a:defRPr>
+      </a:lvl9pPr>
     </p:titleStyle>
     <p:bodyStyle>
-      <a:lvl1pPr marL="342900" indent="-342900" algn="l" defTabSz="457200" rtl="0" eaLnBrk="1" latinLnBrk="0" hangingPunct="1">
+      <a:lvl1pPr marL="285750" indent="-285750" algn="l" defTabSz="457200" rtl="0" eaLnBrk="1" latinLnBrk="0" hangingPunct="1">
         <a:spcBef>
           <a:spcPct val="20000"/>
         </a:spcBef>
-        <a:buFont typeface="Arial"/>
-        <a:buChar char="•"/>
-        <a:defRPr sz="3200" kern="1200">
+        <a:spcAft>
+          <a:spcPts val="600"/>
+        </a:spcAft>
+        <a:buClr>
+          <a:schemeClr val="tx1"/>
+        </a:buClr>
+        <a:buSzPct val="80000"/>
+        <a:buFont typeface="Wingdings 3" panose="05040102010807070707" pitchFamily="18" charset="2"/>
+        <a:buChar char=""/>
+        <a:defRPr sz="2000" kern="1200" cap="none">
           <a:solidFill>
-            <a:schemeClr val="tx1"/>
+            <a:schemeClr val="bg2">
+              <a:lumMod val="75000"/>
+            </a:schemeClr>
           </a:solidFill>
+          <a:effectLst/>
           <a:latin typeface="+mn-lt"/>
           <a:ea typeface="+mn-ea"/>
           <a:cs typeface="+mn-cs"/>
@@ -2866,57 +5156,97 @@
         <a:spcBef>
           <a:spcPct val="20000"/>
         </a:spcBef>
-        <a:buFont typeface="Arial"/>
-        <a:buChar char="–"/>
-        <a:defRPr sz="2800" kern="1200">
+        <a:spcAft>
+          <a:spcPts val="600"/>
+        </a:spcAft>
+        <a:buClr>
+          <a:schemeClr val="tx1"/>
+        </a:buClr>
+        <a:buSzPct val="80000"/>
+        <a:buFont typeface="Wingdings 3" panose="05040102010807070707" pitchFamily="18" charset="2"/>
+        <a:buChar char=""/>
+        <a:defRPr sz="1800" kern="1200" cap="none">
           <a:solidFill>
-            <a:schemeClr val="tx1"/>
+            <a:schemeClr val="bg2">
+              <a:lumMod val="75000"/>
+            </a:schemeClr>
           </a:solidFill>
+          <a:effectLst/>
           <a:latin typeface="+mn-lt"/>
           <a:ea typeface="+mn-ea"/>
           <a:cs typeface="+mn-cs"/>
         </a:defRPr>
       </a:lvl2pPr>
-      <a:lvl3pPr marL="1143000" indent="-228600" algn="l" defTabSz="457200" rtl="0" eaLnBrk="1" latinLnBrk="0" hangingPunct="1">
+      <a:lvl3pPr marL="1200150" indent="-285750" algn="l" defTabSz="457200" rtl="0" eaLnBrk="1" latinLnBrk="0" hangingPunct="1">
         <a:spcBef>
           <a:spcPct val="20000"/>
         </a:spcBef>
-        <a:buFont typeface="Arial"/>
-        <a:buChar char="•"/>
-        <a:defRPr sz="2400" kern="1200">
+        <a:spcAft>
+          <a:spcPts val="600"/>
+        </a:spcAft>
+        <a:buClr>
+          <a:schemeClr val="tx1"/>
+        </a:buClr>
+        <a:buSzPct val="80000"/>
+        <a:buFont typeface="Wingdings 3" panose="05040102010807070707" pitchFamily="18" charset="2"/>
+        <a:buChar char=""/>
+        <a:defRPr sz="1600" kern="1200" cap="none">
           <a:solidFill>
-            <a:schemeClr val="tx1"/>
+            <a:schemeClr val="bg2">
+              <a:lumMod val="75000"/>
+            </a:schemeClr>
           </a:solidFill>
+          <a:effectLst/>
           <a:latin typeface="+mn-lt"/>
           <a:ea typeface="+mn-ea"/>
           <a:cs typeface="+mn-cs"/>
         </a:defRPr>
       </a:lvl3pPr>
-      <a:lvl4pPr marL="1600200" indent="-228600" algn="l" defTabSz="457200" rtl="0" eaLnBrk="1" latinLnBrk="0" hangingPunct="1">
+      <a:lvl4pPr marL="1543050" indent="-171450" algn="l" defTabSz="457200" rtl="0" eaLnBrk="1" latinLnBrk="0" hangingPunct="1">
         <a:spcBef>
           <a:spcPct val="20000"/>
         </a:spcBef>
-        <a:buFont typeface="Arial"/>
-        <a:buChar char="–"/>
-        <a:defRPr sz="2000" kern="1200">
+        <a:spcAft>
+          <a:spcPts val="600"/>
+        </a:spcAft>
+        <a:buClr>
+          <a:schemeClr val="tx1"/>
+        </a:buClr>
+        <a:buSzPct val="80000"/>
+        <a:buFont typeface="Wingdings 3" panose="05040102010807070707" pitchFamily="18" charset="2"/>
+        <a:buChar char=""/>
+        <a:defRPr sz="1400" kern="1200" cap="none">
           <a:solidFill>
-            <a:schemeClr val="tx1"/>
+            <a:schemeClr val="bg2">
+              <a:lumMod val="75000"/>
+            </a:schemeClr>
           </a:solidFill>
+          <a:effectLst/>
           <a:latin typeface="+mn-lt"/>
           <a:ea typeface="+mn-ea"/>
           <a:cs typeface="+mn-cs"/>
         </a:defRPr>
       </a:lvl4pPr>
-      <a:lvl5pPr marL="2057400" indent="-228600" algn="l" defTabSz="457200" rtl="0" eaLnBrk="1" latinLnBrk="0" hangingPunct="1">
+      <a:lvl5pPr marL="2000250" indent="-171450" algn="l" defTabSz="457200" rtl="0" eaLnBrk="1" latinLnBrk="0" hangingPunct="1">
         <a:spcBef>
           <a:spcPct val="20000"/>
         </a:spcBef>
-        <a:buFont typeface="Arial"/>
-        <a:buChar char="»"/>
-        <a:defRPr sz="2000" kern="1200">
+        <a:spcAft>
+          <a:spcPts val="600"/>
+        </a:spcAft>
+        <a:buClr>
+          <a:schemeClr val="tx1"/>
+        </a:buClr>
+        <a:buSzPct val="80000"/>
+        <a:buFont typeface="Wingdings 3" panose="05040102010807070707" pitchFamily="18" charset="2"/>
+        <a:buChar char=""/>
+        <a:defRPr sz="1400" kern="1200" cap="none">
           <a:solidFill>
-            <a:schemeClr val="tx1"/>
+            <a:schemeClr val="bg2">
+              <a:lumMod val="75000"/>
+            </a:schemeClr>
           </a:solidFill>
+          <a:effectLst/>
           <a:latin typeface="+mn-lt"/>
           <a:ea typeface="+mn-ea"/>
           <a:cs typeface="+mn-cs"/>
@@ -2926,12 +5256,22 @@
         <a:spcBef>
           <a:spcPct val="20000"/>
         </a:spcBef>
-        <a:buFont typeface="Arial"/>
-        <a:buChar char="•"/>
-        <a:defRPr sz="2000" kern="1200">
+        <a:spcAft>
+          <a:spcPts val="600"/>
+        </a:spcAft>
+        <a:buClr>
+          <a:schemeClr val="tx1"/>
+        </a:buClr>
+        <a:buSzPct val="80000"/>
+        <a:buFont typeface="Wingdings 3" panose="05040102010807070707" pitchFamily="18" charset="2"/>
+        <a:buChar char=""/>
+        <a:defRPr sz="1400" kern="1200" cap="none">
           <a:solidFill>
-            <a:schemeClr val="tx1"/>
+            <a:schemeClr val="bg2">
+              <a:lumMod val="75000"/>
+            </a:schemeClr>
           </a:solidFill>
+          <a:effectLst/>
           <a:latin typeface="+mn-lt"/>
           <a:ea typeface="+mn-ea"/>
           <a:cs typeface="+mn-cs"/>
@@ -2941,12 +5281,22 @@
         <a:spcBef>
           <a:spcPct val="20000"/>
         </a:spcBef>
-        <a:buFont typeface="Arial"/>
-        <a:buChar char="•"/>
-        <a:defRPr sz="2000" kern="1200">
+        <a:spcAft>
+          <a:spcPts val="600"/>
+        </a:spcAft>
+        <a:buClr>
+          <a:schemeClr val="tx1"/>
+        </a:buClr>
+        <a:buSzPct val="80000"/>
+        <a:buFont typeface="Wingdings 3" panose="05040102010807070707" pitchFamily="18" charset="2"/>
+        <a:buChar char=""/>
+        <a:defRPr sz="1400" kern="1200" cap="none">
           <a:solidFill>
-            <a:schemeClr val="tx1"/>
+            <a:schemeClr val="bg2">
+              <a:lumMod val="75000"/>
+            </a:schemeClr>
           </a:solidFill>
+          <a:effectLst/>
           <a:latin typeface="+mn-lt"/>
           <a:ea typeface="+mn-ea"/>
           <a:cs typeface="+mn-cs"/>
@@ -2956,12 +5306,22 @@
         <a:spcBef>
           <a:spcPct val="20000"/>
         </a:spcBef>
-        <a:buFont typeface="Arial"/>
-        <a:buChar char="•"/>
-        <a:defRPr sz="2000" kern="1200">
+        <a:spcAft>
+          <a:spcPts val="600"/>
+        </a:spcAft>
+        <a:buClr>
+          <a:schemeClr val="tx1"/>
+        </a:buClr>
+        <a:buSzPct val="80000"/>
+        <a:buFont typeface="Wingdings 3" panose="05040102010807070707" pitchFamily="18" charset="2"/>
+        <a:buChar char=""/>
+        <a:defRPr sz="1400" kern="1200" cap="none">
           <a:solidFill>
-            <a:schemeClr val="tx1"/>
+            <a:schemeClr val="bg2">
+              <a:lumMod val="75000"/>
+            </a:schemeClr>
           </a:solidFill>
+          <a:effectLst/>
           <a:latin typeface="+mn-lt"/>
           <a:ea typeface="+mn-ea"/>
           <a:cs typeface="+mn-cs"/>
@@ -2971,12 +5331,22 @@
         <a:spcBef>
           <a:spcPct val="20000"/>
         </a:spcBef>
-        <a:buFont typeface="Arial"/>
-        <a:buChar char="•"/>
-        <a:defRPr sz="2000" kern="1200">
+        <a:spcAft>
+          <a:spcPts val="600"/>
+        </a:spcAft>
+        <a:buClr>
+          <a:schemeClr val="tx1"/>
+        </a:buClr>
+        <a:buSzPct val="80000"/>
+        <a:buFont typeface="Wingdings 3" panose="05040102010807070707" pitchFamily="18" charset="2"/>
+        <a:buChar char=""/>
+        <a:defRPr sz="1400" kern="1200" cap="none">
           <a:solidFill>
-            <a:schemeClr val="tx1"/>
+            <a:schemeClr val="bg2">
+              <a:lumMod val="75000"/>
+            </a:schemeClr>
           </a:solidFill>
+          <a:effectLst/>
           <a:latin typeface="+mn-lt"/>
           <a:ea typeface="+mn-ea"/>
           <a:cs typeface="+mn-cs"/>
@@ -3083,7 +5453,7 @@
 </file>
 
 <file path=ppt/slides/slide1.xml><?xml version="1.0" encoding="utf-8"?>
-<p:sld xmlns:a="http://schemas.openxmlformats.org/drawingml/2006/main" xmlns:p="http://schemas.openxmlformats.org/presentationml/2006/main" xmlns:r="http://schemas.openxmlformats.org/officeDocument/2006/relationships">
+<p:sld xmlns:a="http://schemas.openxmlformats.org/drawingml/2006/main" xmlns:r="http://schemas.openxmlformats.org/officeDocument/2006/relationships" xmlns:p="http://schemas.openxmlformats.org/presentationml/2006/main">
   <p:cSld>
     <p:spTree>
       <p:nvGrpSpPr>
@@ -3091,7 +5461,14 @@
         <p:cNvGrpSpPr/>
         <p:nvPr/>
       </p:nvGrpSpPr>
-      <p:grpSpPr/>
+      <p:grpSpPr>
+        <a:xfrm>
+          <a:off x="0" y="0"/>
+          <a:ext cx="0" cy="0"/>
+          <a:chOff x="0" y="0"/>
+          <a:chExt cx="0" cy="0"/>
+        </a:xfrm>
+      </p:grpSpPr>
       <p:sp>
         <p:nvSpPr>
           <p:cNvPr id="2" name="Title 1"/>
@@ -3102,13 +5479,23 @@
             <p:ph type="ctrTitle"/>
           </p:nvPr>
         </p:nvSpPr>
-        <p:spPr/>
+        <p:spPr>
+          <a:xfrm>
+            <a:off x="533400" y="1504335"/>
+            <a:ext cx="6154713" cy="2153266"/>
+          </a:xfrm>
+        </p:spPr>
         <p:txBody>
           <a:bodyPr/>
           <a:lstStyle/>
           <a:p>
             <a:r>
-              <a:t>Analisi del Sentiment delle Recensioni Automobilistiche</a:t>
+              <a:rPr lang="it-IT" b="1" noProof="0" dirty="0">
+                <a:solidFill>
+                  <a:srgbClr val="FFC000"/>
+                </a:solidFill>
+              </a:rPr>
+              <a:t>Sentiment AnalYsis delle Recensioni Automobilistiche</a:t>
             </a:r>
           </a:p>
         </p:txBody>
@@ -3123,13 +5510,62 @@
             <p:ph type="subTitle" idx="1"/>
           </p:nvPr>
         </p:nvSpPr>
-        <p:spPr/>
+        <p:spPr>
+          <a:xfrm>
+            <a:off x="533399" y="3843868"/>
+            <a:ext cx="5297129" cy="718300"/>
+          </a:xfrm>
+        </p:spPr>
         <p:txBody>
           <a:bodyPr/>
           <a:lstStyle/>
           <a:p>
             <a:r>
-              <a:t>Confronto tra brand cinesi ed europei nel mercato UK</a:t>
+              <a:rPr lang="it-IT" noProof="0" dirty="0">
+                <a:solidFill>
+                  <a:srgbClr val="FFE07D"/>
+                </a:solidFill>
+              </a:rPr>
+              <a:t>Confronto tra brand cinesi ed europei nel mercato</a:t>
+            </a:r>
+          </a:p>
+        </p:txBody>
+      </p:sp>
+      <p:sp>
+        <p:nvSpPr>
+          <p:cNvPr id="4" name="CasellaDiTesto 3">
+            <a:extLst>
+              <a:ext uri="{FF2B5EF4-FFF2-40B4-BE49-F238E27FC236}">
+                <a16:creationId xmlns:a16="http://schemas.microsoft.com/office/drawing/2014/main" id="{E12026B5-C273-342E-26A9-A2B2BF9E8A7F}"/>
+              </a:ext>
+            </a:extLst>
+          </p:cNvPr>
+          <p:cNvSpPr txBox="1"/>
+          <p:nvPr/>
+        </p:nvSpPr>
+        <p:spPr>
+          <a:xfrm>
+            <a:off x="3795252" y="4615001"/>
+            <a:ext cx="1769807" cy="369332"/>
+          </a:xfrm>
+          <a:prstGeom prst="rect">
+            <a:avLst/>
+          </a:prstGeom>
+          <a:noFill/>
+        </p:spPr>
+        <p:txBody>
+          <a:bodyPr wrap="square" rtlCol="0">
+            <a:spAutoFit/>
+          </a:bodyPr>
+          <a:lstStyle/>
+          <a:p>
+            <a:r>
+              <a:rPr lang="it-IT" i="1" dirty="0">
+                <a:solidFill>
+                  <a:schemeClr val="bg1"/>
+                </a:solidFill>
+              </a:rPr>
+              <a:t>Varnier Guido</a:t>
             </a:r>
           </a:p>
         </p:txBody>
@@ -3143,7 +5579,7 @@
 </file>
 
 <file path=ppt/slides/slide2.xml><?xml version="1.0" encoding="utf-8"?>
-<p:sld xmlns:a="http://schemas.openxmlformats.org/drawingml/2006/main" xmlns:p="http://schemas.openxmlformats.org/presentationml/2006/main" xmlns:r="http://schemas.openxmlformats.org/officeDocument/2006/relationships">
+<p:sld xmlns:a="http://schemas.openxmlformats.org/drawingml/2006/main" xmlns:r="http://schemas.openxmlformats.org/officeDocument/2006/relationships" xmlns:p="http://schemas.openxmlformats.org/presentationml/2006/main">
   <p:cSld>
     <p:spTree>
       <p:nvGrpSpPr>
@@ -3151,10 +5587,23 @@
         <p:cNvGrpSpPr/>
         <p:nvPr/>
       </p:nvGrpSpPr>
-      <p:grpSpPr/>
-      <p:sp>
-        <p:nvSpPr>
-          <p:cNvPr id="2" name="Title 1"/>
+      <p:grpSpPr>
+        <a:xfrm>
+          <a:off x="0" y="0"/>
+          <a:ext cx="0" cy="0"/>
+          <a:chOff x="0" y="0"/>
+          <a:chExt cx="0" cy="0"/>
+        </a:xfrm>
+      </p:grpSpPr>
+      <p:sp>
+        <p:nvSpPr>
+          <p:cNvPr id="4" name="Titolo 3">
+            <a:extLst>
+              <a:ext uri="{FF2B5EF4-FFF2-40B4-BE49-F238E27FC236}">
+                <a16:creationId xmlns:a16="http://schemas.microsoft.com/office/drawing/2014/main" id="{BA2CD3A9-8C0D-E6F3-15F1-FD9D37891E03}"/>
+              </a:ext>
+            </a:extLst>
+          </p:cNvPr>
           <p:cNvSpPr>
             <a:spLocks noGrp="1"/>
           </p:cNvSpPr>
@@ -3162,74 +5611,35 @@
             <p:ph type="title"/>
           </p:nvPr>
         </p:nvSpPr>
-        <p:spPr/>
-        <p:txBody>
-          <a:bodyPr/>
-          <a:lstStyle/>
-          <a:p>
-            <a:r>
-              <a:t>Fase 1 – Raccolta Dati &amp; Preprocessing</a:t>
-            </a:r>
-          </a:p>
-        </p:txBody>
-      </p:sp>
-      <p:sp>
-        <p:nvSpPr>
-          <p:cNvPr id="3" name="Content Placeholder 2"/>
-          <p:cNvSpPr>
-            <a:spLocks noGrp="1"/>
-          </p:cNvSpPr>
-          <p:nvPr>
-            <p:ph idx="1"/>
-          </p:nvPr>
-        </p:nvSpPr>
-        <p:spPr/>
-        <p:txBody>
-          <a:bodyPr/>
-          <a:lstStyle/>
-          <a:p>
-            <a:pPr>
-              <a:defRPr sz="1800"/>
-            </a:pPr>
-            <a:r>
-              <a:t>Raccolte 205 recensioni da Carwow con BeautifulSoup</a:t>
-            </a:r>
-          </a:p>
-          <a:p>
-            <a:pPr>
-              <a:defRPr sz="1800"/>
-            </a:pPr>
-            <a:r>
-              <a:t>Gestione etica scraping con delay</a:t>
-            </a:r>
-          </a:p>
-          <a:p>
-            <a:pPr>
-              <a:defRPr sz="1800"/>
-            </a:pPr>
-            <a:r>
-              <a:t>Dati salvati in CSV</a:t>
-            </a:r>
-          </a:p>
-          <a:p>
-            <a:pPr>
-              <a:defRPr sz="1800"/>
-            </a:pPr>
-            <a:r>
-              <a:t>Pulizia e parsing JSON, analisi con modello Ollama in locale</a:t>
-            </a:r>
-          </a:p>
-          <a:p>
-            <a:pPr>
-              <a:defRPr sz="1800"/>
-            </a:pPr>
-            <a:r>
-              <a:t>Decisione: uso locale per privacy e indipendenza</a:t>
+        <p:spPr>
+          <a:xfrm>
+            <a:off x="491613" y="2746273"/>
+            <a:ext cx="8160773" cy="1365454"/>
+          </a:xfrm>
+        </p:spPr>
+        <p:txBody>
+          <a:bodyPr>
+            <a:noAutofit/>
+          </a:bodyPr>
+          <a:lstStyle/>
+          <a:p>
+            <a:r>
+              <a:rPr lang="it-IT" sz="3600" b="1" dirty="0">
+                <a:solidFill>
+                  <a:srgbClr val="FFC000"/>
+                </a:solidFill>
+              </a:rPr>
+              <a:t>Analisi EDA (Exploratory Data Analysis) e Preparazione dei dati</a:t>
             </a:r>
           </a:p>
         </p:txBody>
       </p:sp>
     </p:spTree>
+    <p:extLst>
+      <p:ext uri="{BB962C8B-B14F-4D97-AF65-F5344CB8AC3E}">
+        <p14:creationId xmlns:p14="http://schemas.microsoft.com/office/powerpoint/2010/main" val="2365970056"/>
+      </p:ext>
+    </p:extLst>
   </p:cSld>
   <p:clrMapOvr>
     <a:masterClrMapping/>
@@ -3238,7 +5648,7 @@
 </file>
 
 <file path=ppt/slides/slide3.xml><?xml version="1.0" encoding="utf-8"?>
-<p:sld xmlns:a="http://schemas.openxmlformats.org/drawingml/2006/main" xmlns:p="http://schemas.openxmlformats.org/presentationml/2006/main" xmlns:r="http://schemas.openxmlformats.org/officeDocument/2006/relationships">
+<p:sld xmlns:a="http://schemas.openxmlformats.org/drawingml/2006/main" xmlns:r="http://schemas.openxmlformats.org/officeDocument/2006/relationships" xmlns:p="http://schemas.openxmlformats.org/presentationml/2006/main">
   <p:cSld>
     <p:spTree>
       <p:nvGrpSpPr>
@@ -3246,7 +5656,14 @@
         <p:cNvGrpSpPr/>
         <p:nvPr/>
       </p:nvGrpSpPr>
-      <p:grpSpPr/>
+      <p:grpSpPr>
+        <a:xfrm>
+          <a:off x="0" y="0"/>
+          <a:ext cx="0" cy="0"/>
+          <a:chOff x="0" y="0"/>
+          <a:chExt cx="0" cy="0"/>
+        </a:xfrm>
+      </p:grpSpPr>
       <p:sp>
         <p:nvSpPr>
           <p:cNvPr id="2" name="Title 1"/>
@@ -3257,13 +5674,23 @@
             <p:ph type="title"/>
           </p:nvPr>
         </p:nvSpPr>
-        <p:spPr/>
+        <p:spPr>
+          <a:xfrm>
+            <a:off x="2510496" y="494071"/>
+            <a:ext cx="4123008" cy="793955"/>
+          </a:xfrm>
+        </p:spPr>
         <p:txBody>
           <a:bodyPr/>
           <a:lstStyle/>
           <a:p>
             <a:r>
-              <a:t>Fase 2 – Sentiment &amp; Analisi Esplorativa</a:t>
+              <a:rPr lang="it-IT" b="1" noProof="0" dirty="0">
+                <a:solidFill>
+                  <a:srgbClr val="FFC000"/>
+                </a:solidFill>
+              </a:rPr>
+              <a:t>RACCOLTA DEI DATI</a:t>
             </a:r>
           </a:p>
         </p:txBody>
@@ -3278,24 +5705,52 @@
             <p:ph idx="1"/>
           </p:nvPr>
         </p:nvSpPr>
-        <p:spPr/>
-        <p:txBody>
-          <a:bodyPr/>
+        <p:spPr>
+          <a:xfrm>
+            <a:off x="674738" y="1475380"/>
+            <a:ext cx="7794523" cy="4050349"/>
+          </a:xfrm>
+        </p:spPr>
+        <p:txBody>
+          <a:bodyPr>
+            <a:normAutofit/>
+          </a:bodyPr>
           <a:lstStyle/>
           <a:p>
             <a:pPr>
               <a:defRPr sz="1800"/>
             </a:pPr>
             <a:r>
-              <a:t>Classificazione in 16 categorie (es. comfort, sicurezza, prezzo)</a:t>
-            </a:r>
+              <a:rPr lang="it-IT" sz="2200" b="1" dirty="0">
+                <a:solidFill>
+                  <a:schemeClr val="tx1">
+                    <a:lumMod val="95000"/>
+                  </a:schemeClr>
+                </a:solidFill>
+              </a:rPr>
+              <a:t>Scelta dei modelli di auto, in ugual numero tra brand cinesi ed europei</a:t>
+            </a:r>
+            <a:endParaRPr lang="it-IT" sz="2200" b="1" noProof="0" dirty="0">
+              <a:solidFill>
+                <a:schemeClr val="tx1">
+                  <a:lumMod val="95000"/>
+                </a:schemeClr>
+              </a:solidFill>
+            </a:endParaRPr>
           </a:p>
           <a:p>
             <a:pPr>
               <a:defRPr sz="1800"/>
             </a:pPr>
             <a:r>
-              <a:t>Retry &amp; regex per gestire errori AI</a:t>
+              <a:rPr lang="it-IT" sz="2200" b="1" noProof="0" dirty="0">
+                <a:solidFill>
+                  <a:schemeClr val="tx1">
+                    <a:lumMod val="95000"/>
+                  </a:schemeClr>
+                </a:solidFill>
+              </a:rPr>
+              <a:t>Raccolte 205 recensioni da Carwow.uk con utilizzo della libreria BeautifulSoup.</a:t>
             </a:r>
           </a:p>
           <a:p>
@@ -3303,7 +5758,14 @@
               <a:defRPr sz="1800"/>
             </a:pPr>
             <a:r>
-              <a:t>EDA su distribuzione brand, prezzo vs valutazione, fattori influenti</a:t>
+              <a:rPr lang="it-IT" sz="2200" b="1" noProof="0" dirty="0">
+                <a:solidFill>
+                  <a:schemeClr val="tx1">
+                    <a:lumMod val="95000"/>
+                  </a:schemeClr>
+                </a:solidFill>
+              </a:rPr>
+              <a:t>Estrapolate solo parti importanti delle recensioni con Gemma3:1B.</a:t>
             </a:r>
           </a:p>
           <a:p>
@@ -3311,7 +5773,71 @@
               <a:defRPr sz="1800"/>
             </a:pPr>
             <a:r>
-              <a:t>Decisione: analisi fine-grained per insight precisi</a:t>
+              <a:rPr lang="it-IT" sz="2200" b="1" dirty="0">
+                <a:solidFill>
+                  <a:schemeClr val="tx1">
+                    <a:lumMod val="95000"/>
+                  </a:schemeClr>
+                </a:solidFill>
+              </a:rPr>
+              <a:t>Parsing JSON delle recensioni processate.</a:t>
+            </a:r>
+            <a:endParaRPr lang="it-IT" sz="2200" b="1" noProof="0" dirty="0">
+              <a:solidFill>
+                <a:schemeClr val="tx1">
+                  <a:lumMod val="95000"/>
+                </a:schemeClr>
+              </a:solidFill>
+            </a:endParaRPr>
+          </a:p>
+          <a:p>
+            <a:pPr>
+              <a:defRPr sz="1800"/>
+            </a:pPr>
+            <a:r>
+              <a:rPr lang="it-IT" sz="2200" b="1" noProof="0" dirty="0">
+                <a:solidFill>
+                  <a:schemeClr val="tx1">
+                    <a:lumMod val="95000"/>
+                  </a:schemeClr>
+                </a:solidFill>
+              </a:rPr>
+              <a:t>Salvataggio su file CSV.</a:t>
+            </a:r>
+          </a:p>
+        </p:txBody>
+      </p:sp>
+      <p:sp>
+        <p:nvSpPr>
+          <p:cNvPr id="4" name="CasellaDiTesto 3">
+            <a:extLst>
+              <a:ext uri="{FF2B5EF4-FFF2-40B4-BE49-F238E27FC236}">
+                <a16:creationId xmlns:a16="http://schemas.microsoft.com/office/drawing/2014/main" id="{29ECE358-19DA-58A7-392F-EF2D6051DEFC}"/>
+              </a:ext>
+            </a:extLst>
+          </p:cNvPr>
+          <p:cNvSpPr txBox="1"/>
+          <p:nvPr/>
+        </p:nvSpPr>
+        <p:spPr>
+          <a:xfrm>
+            <a:off x="8681884" y="6324289"/>
+            <a:ext cx="312906" cy="369332"/>
+          </a:xfrm>
+          <a:prstGeom prst="rect">
+            <a:avLst/>
+          </a:prstGeom>
+          <a:noFill/>
+        </p:spPr>
+        <p:txBody>
+          <a:bodyPr wrap="none" rtlCol="0">
+            <a:spAutoFit/>
+          </a:bodyPr>
+          <a:lstStyle/>
+          <a:p>
+            <a:r>
+              <a:rPr lang="it-IT" dirty="0"/>
+              <a:t>3</a:t>
             </a:r>
           </a:p>
         </p:txBody>
@@ -3325,7 +5851,317 @@
 </file>
 
 <file path=ppt/slides/slide4.xml><?xml version="1.0" encoding="utf-8"?>
-<p:sld xmlns:a="http://schemas.openxmlformats.org/drawingml/2006/main" xmlns:p="http://schemas.openxmlformats.org/presentationml/2006/main" xmlns:r="http://schemas.openxmlformats.org/officeDocument/2006/relationships">
+<p:sld xmlns:a="http://schemas.openxmlformats.org/drawingml/2006/main" xmlns:r="http://schemas.openxmlformats.org/officeDocument/2006/relationships" xmlns:p="http://schemas.openxmlformats.org/presentationml/2006/main">
+  <p:cSld>
+    <p:spTree>
+      <p:nvGrpSpPr>
+        <p:cNvPr id="1" name="">
+          <a:extLst>
+            <a:ext uri="{FF2B5EF4-FFF2-40B4-BE49-F238E27FC236}">
+              <a16:creationId xmlns:a16="http://schemas.microsoft.com/office/drawing/2014/main" id="{D96A3E05-B663-69AA-59FA-05B92A5330E9}"/>
+            </a:ext>
+          </a:extLst>
+        </p:cNvPr>
+        <p:cNvGrpSpPr/>
+        <p:nvPr/>
+      </p:nvGrpSpPr>
+      <p:grpSpPr>
+        <a:xfrm>
+          <a:off x="0" y="0"/>
+          <a:ext cx="0" cy="0"/>
+          <a:chOff x="0" y="0"/>
+          <a:chExt cx="0" cy="0"/>
+        </a:xfrm>
+      </p:grpSpPr>
+      <p:sp>
+        <p:nvSpPr>
+          <p:cNvPr id="2" name="Title 1">
+            <a:extLst>
+              <a:ext uri="{FF2B5EF4-FFF2-40B4-BE49-F238E27FC236}">
+                <a16:creationId xmlns:a16="http://schemas.microsoft.com/office/drawing/2014/main" id="{600F3036-9E24-79B5-5491-C1F798A7BE9F}"/>
+              </a:ext>
+            </a:extLst>
+          </p:cNvPr>
+          <p:cNvSpPr>
+            <a:spLocks noGrp="1"/>
+          </p:cNvSpPr>
+          <p:nvPr>
+            <p:ph type="title"/>
+          </p:nvPr>
+        </p:nvSpPr>
+        <p:spPr>
+          <a:xfrm>
+            <a:off x="1091380" y="476865"/>
+            <a:ext cx="6961240" cy="793955"/>
+          </a:xfrm>
+        </p:spPr>
+        <p:txBody>
+          <a:bodyPr>
+            <a:noAutofit/>
+          </a:bodyPr>
+          <a:lstStyle/>
+          <a:p>
+            <a:r>
+              <a:rPr lang="it-IT" b="1" dirty="0">
+                <a:solidFill>
+                  <a:srgbClr val="FFC000"/>
+                </a:solidFill>
+              </a:rPr>
+              <a:t>Sentiment &amp; Analisi Esplorativa</a:t>
+            </a:r>
+            <a:endParaRPr lang="it-IT" b="1" noProof="0" dirty="0">
+              <a:solidFill>
+                <a:srgbClr val="FFC000"/>
+              </a:solidFill>
+            </a:endParaRPr>
+          </a:p>
+        </p:txBody>
+      </p:sp>
+      <p:sp>
+        <p:nvSpPr>
+          <p:cNvPr id="3" name="Content Placeholder 2">
+            <a:extLst>
+              <a:ext uri="{FF2B5EF4-FFF2-40B4-BE49-F238E27FC236}">
+                <a16:creationId xmlns:a16="http://schemas.microsoft.com/office/drawing/2014/main" id="{04ECA645-24EA-4CD0-1F87-FD257BAB479F}"/>
+              </a:ext>
+            </a:extLst>
+          </p:cNvPr>
+          <p:cNvSpPr>
+            <a:spLocks noGrp="1"/>
+          </p:cNvSpPr>
+          <p:nvPr>
+            <p:ph idx="1"/>
+          </p:nvPr>
+        </p:nvSpPr>
+        <p:spPr>
+          <a:xfrm>
+            <a:off x="674738" y="1300317"/>
+            <a:ext cx="7794523" cy="3717135"/>
+          </a:xfrm>
+        </p:spPr>
+        <p:txBody>
+          <a:bodyPr>
+            <a:normAutofit/>
+          </a:bodyPr>
+          <a:lstStyle/>
+          <a:p>
+            <a:pPr>
+              <a:defRPr sz="1800"/>
+            </a:pPr>
+            <a:r>
+              <a:rPr lang="it-IT" sz="2200" b="1" dirty="0">
+                <a:solidFill>
+                  <a:schemeClr val="tx1"/>
+                </a:solidFill>
+              </a:rPr>
+              <a:t>Scelte 12 categorie per sentiment analysis.</a:t>
+            </a:r>
+          </a:p>
+          <a:p>
+            <a:pPr>
+              <a:defRPr sz="1800"/>
+            </a:pPr>
+            <a:r>
+              <a:rPr lang="it-IT" sz="2200" b="1" dirty="0">
+                <a:solidFill>
+                  <a:schemeClr val="tx1"/>
+                </a:solidFill>
+              </a:rPr>
+              <a:t>Effettuata analisi e salvato i risultati in un CSV.</a:t>
+            </a:r>
+          </a:p>
+          <a:p>
+            <a:pPr>
+              <a:defRPr sz="1800"/>
+            </a:pPr>
+            <a:r>
+              <a:rPr lang="it-IT" sz="2200" b="1" dirty="0">
+                <a:solidFill>
+                  <a:schemeClr val="tx1"/>
+                </a:solidFill>
+              </a:rPr>
+              <a:t>Pulizia Dataset:</a:t>
+            </a:r>
+          </a:p>
+          <a:p>
+            <a:pPr lvl="1">
+              <a:defRPr sz="1800"/>
+            </a:pPr>
+            <a:r>
+              <a:rPr lang="it-IT" sz="2200" b="1" dirty="0">
+                <a:solidFill>
+                  <a:schemeClr val="tx1"/>
+                </a:solidFill>
+              </a:rPr>
+              <a:t>Modifica valori non pertinenti.</a:t>
+            </a:r>
+          </a:p>
+          <a:p>
+            <a:pPr lvl="1">
+              <a:defRPr sz="1800"/>
+            </a:pPr>
+            <a:r>
+              <a:rPr lang="it-IT" sz="2200" b="1" dirty="0">
+                <a:solidFill>
+                  <a:schemeClr val="tx1"/>
+                </a:solidFill>
+              </a:rPr>
+              <a:t>Cambio valuta da £ a €.</a:t>
+            </a:r>
+          </a:p>
+          <a:p>
+            <a:pPr lvl="1">
+              <a:defRPr sz="1800"/>
+            </a:pPr>
+            <a:r>
+              <a:rPr lang="it-IT" sz="2200" b="1" dirty="0">
+                <a:solidFill>
+                  <a:schemeClr val="tx1"/>
+                </a:solidFill>
+              </a:rPr>
+              <a:t>Aggiunta colonna «Fascia di Prezzo». </a:t>
+            </a:r>
+          </a:p>
+          <a:p>
+            <a:pPr>
+              <a:defRPr sz="1800"/>
+            </a:pPr>
+            <a:r>
+              <a:rPr lang="it-IT" sz="2200" b="1" dirty="0">
+                <a:solidFill>
+                  <a:schemeClr val="tx1"/>
+                </a:solidFill>
+              </a:rPr>
+              <a:t>EDA su distribuzione brand, prezzo vs valutazione, fattori influenti.</a:t>
+            </a:r>
+          </a:p>
+        </p:txBody>
+      </p:sp>
+      <p:sp>
+        <p:nvSpPr>
+          <p:cNvPr id="5" name="CasellaDiTesto 4">
+            <a:extLst>
+              <a:ext uri="{FF2B5EF4-FFF2-40B4-BE49-F238E27FC236}">
+                <a16:creationId xmlns:a16="http://schemas.microsoft.com/office/drawing/2014/main" id="{7019F6DB-5646-6A1B-5F7D-8A1ABFB61BDD}"/>
+              </a:ext>
+            </a:extLst>
+          </p:cNvPr>
+          <p:cNvSpPr txBox="1"/>
+          <p:nvPr/>
+        </p:nvSpPr>
+        <p:spPr>
+          <a:xfrm>
+            <a:off x="8681884" y="6324289"/>
+            <a:ext cx="312906" cy="369332"/>
+          </a:xfrm>
+          <a:prstGeom prst="rect">
+            <a:avLst/>
+          </a:prstGeom>
+          <a:noFill/>
+        </p:spPr>
+        <p:txBody>
+          <a:bodyPr wrap="none" rtlCol="0">
+            <a:spAutoFit/>
+          </a:bodyPr>
+          <a:lstStyle/>
+          <a:p>
+            <a:r>
+              <a:rPr lang="it-IT" dirty="0"/>
+              <a:t>4</a:t>
+            </a:r>
+          </a:p>
+        </p:txBody>
+      </p:sp>
+    </p:spTree>
+    <p:extLst>
+      <p:ext uri="{BB962C8B-B14F-4D97-AF65-F5344CB8AC3E}">
+        <p14:creationId xmlns:p14="http://schemas.microsoft.com/office/powerpoint/2010/main" val="3630824435"/>
+      </p:ext>
+    </p:extLst>
+  </p:cSld>
+  <p:clrMapOvr>
+    <a:masterClrMapping/>
+  </p:clrMapOvr>
+</p:sld>
+</file>
+
+<file path=ppt/slides/slide5.xml><?xml version="1.0" encoding="utf-8"?>
+<p:sld xmlns:a="http://schemas.openxmlformats.org/drawingml/2006/main" xmlns:r="http://schemas.openxmlformats.org/officeDocument/2006/relationships" xmlns:p="http://schemas.openxmlformats.org/presentationml/2006/main">
+  <p:cSld>
+    <p:spTree>
+      <p:nvGrpSpPr>
+        <p:cNvPr id="1" name="">
+          <a:extLst>
+            <a:ext uri="{FF2B5EF4-FFF2-40B4-BE49-F238E27FC236}">
+              <a16:creationId xmlns:a16="http://schemas.microsoft.com/office/drawing/2014/main" id="{AC151E49-3055-96D1-82EF-652693389582}"/>
+            </a:ext>
+          </a:extLst>
+        </p:cNvPr>
+        <p:cNvGrpSpPr/>
+        <p:nvPr/>
+      </p:nvGrpSpPr>
+      <p:grpSpPr>
+        <a:xfrm>
+          <a:off x="0" y="0"/>
+          <a:ext cx="0" cy="0"/>
+          <a:chOff x="0" y="0"/>
+          <a:chExt cx="0" cy="0"/>
+        </a:xfrm>
+      </p:grpSpPr>
+      <p:sp>
+        <p:nvSpPr>
+          <p:cNvPr id="4" name="Titolo 3">
+            <a:extLst>
+              <a:ext uri="{FF2B5EF4-FFF2-40B4-BE49-F238E27FC236}">
+                <a16:creationId xmlns:a16="http://schemas.microsoft.com/office/drawing/2014/main" id="{B71CC527-6DB6-80FC-2727-A73E67F54EE0}"/>
+              </a:ext>
+            </a:extLst>
+          </p:cNvPr>
+          <p:cNvSpPr>
+            <a:spLocks noGrp="1"/>
+          </p:cNvSpPr>
+          <p:nvPr>
+            <p:ph type="title"/>
+          </p:nvPr>
+        </p:nvSpPr>
+        <p:spPr>
+          <a:xfrm>
+            <a:off x="383458" y="2553007"/>
+            <a:ext cx="8377084" cy="1751985"/>
+          </a:xfrm>
+        </p:spPr>
+        <p:txBody>
+          <a:bodyPr>
+            <a:noAutofit/>
+          </a:bodyPr>
+          <a:lstStyle/>
+          <a:p>
+            <a:r>
+              <a:rPr lang="it-IT" sz="3600" b="1" dirty="0">
+                <a:solidFill>
+                  <a:srgbClr val="FFC000"/>
+                </a:solidFill>
+              </a:rPr>
+              <a:t>Progettazione della Soluzione e dell’Architettura della Soluzione</a:t>
+            </a:r>
+          </a:p>
+        </p:txBody>
+      </p:sp>
+    </p:spTree>
+    <p:extLst>
+      <p:ext uri="{BB962C8B-B14F-4D97-AF65-F5344CB8AC3E}">
+        <p14:creationId xmlns:p14="http://schemas.microsoft.com/office/powerpoint/2010/main" val="1087188916"/>
+      </p:ext>
+    </p:extLst>
+  </p:cSld>
+  <p:clrMapOvr>
+    <a:masterClrMapping/>
+  </p:clrMapOvr>
+</p:sld>
+</file>
+
+<file path=ppt/slides/slide6.xml><?xml version="1.0" encoding="utf-8"?>
+<p:sld xmlns:a="http://schemas.openxmlformats.org/drawingml/2006/main" xmlns:r="http://schemas.openxmlformats.org/officeDocument/2006/relationships" xmlns:p="http://schemas.openxmlformats.org/presentationml/2006/main">
   <p:cSld>
     <p:spTree>
       <p:nvGrpSpPr>
@@ -3333,7 +6169,14 @@
         <p:cNvGrpSpPr/>
         <p:nvPr/>
       </p:nvGrpSpPr>
-      <p:grpSpPr/>
+      <p:grpSpPr>
+        <a:xfrm>
+          <a:off x="0" y="0"/>
+          <a:ext cx="0" cy="0"/>
+          <a:chOff x="0" y="0"/>
+          <a:chExt cx="0" cy="0"/>
+        </a:xfrm>
+      </p:grpSpPr>
       <p:sp>
         <p:nvSpPr>
           <p:cNvPr id="2" name="Title 1"/>
@@ -3344,13 +6187,23 @@
             <p:ph type="title"/>
           </p:nvPr>
         </p:nvSpPr>
-        <p:spPr/>
+        <p:spPr>
+          <a:xfrm>
+            <a:off x="2590798" y="435077"/>
+            <a:ext cx="3962401" cy="793955"/>
+          </a:xfrm>
+        </p:spPr>
         <p:txBody>
           <a:bodyPr/>
           <a:lstStyle/>
           <a:p>
             <a:r>
-              <a:t>Fase 3 – Architettura dati &amp; Dashboard</a:t>
+              <a:rPr lang="it-IT" b="1" dirty="0">
+                <a:solidFill>
+                  <a:srgbClr val="FFC000"/>
+                </a:solidFill>
+              </a:rPr>
+              <a:t>Architettura dati</a:t>
             </a:r>
           </a:p>
         </p:txBody>
@@ -3365,7 +6218,12 @@
             <p:ph idx="1"/>
           </p:nvPr>
         </p:nvSpPr>
-        <p:spPr/>
+        <p:spPr>
+          <a:xfrm>
+            <a:off x="1294566" y="1356851"/>
+            <a:ext cx="6554867" cy="2210757"/>
+          </a:xfrm>
+        </p:spPr>
         <p:txBody>
           <a:bodyPr/>
           <a:lstStyle/>
@@ -3374,7 +6232,12 @@
               <a:defRPr sz="1800"/>
             </a:pPr>
             <a:r>
-              <a:t>SQLite con schema normalizzato, configurazione via .env</a:t>
+              <a:rPr lang="it-IT" sz="2200" b="1" dirty="0">
+                <a:solidFill>
+                  <a:schemeClr val="tx1"/>
+                </a:solidFill>
+              </a:rPr>
+              <a:t>SQLite come Database.</a:t>
             </a:r>
           </a:p>
           <a:p>
@@ -3382,7 +6245,12 @@
               <a:defRPr sz="1800"/>
             </a:pPr>
             <a:r>
-              <a:t>Dashboard Streamlit con KPI e filtri interattivi</a:t>
+              <a:rPr lang="it-IT" sz="2200" b="1" dirty="0">
+                <a:solidFill>
+                  <a:schemeClr val="tx1"/>
+                </a:solidFill>
+              </a:rPr>
+              <a:t>Dashboard mediante Streamlit e connessione al Database con sqlite3.</a:t>
             </a:r>
           </a:p>
           <a:p>
@@ -3390,15 +6258,90 @@
               <a:defRPr sz="1800"/>
             </a:pPr>
             <a:r>
-              <a:t>Codifica cromatica (rosso = Cina, teal = Europa)</a:t>
-            </a:r>
-          </a:p>
-          <a:p>
-            <a:pPr>
-              <a:defRPr sz="1800"/>
-            </a:pPr>
-            <a:r>
-              <a:t>Decisione: dashboard orientata ai manager con layout chiaro</a:t>
+              <a:rPr lang="it-IT" sz="2200" b="1" dirty="0">
+                <a:solidFill>
+                  <a:schemeClr val="tx1"/>
+                </a:solidFill>
+              </a:rPr>
+              <a:t>Pubblicazione su Streamlit Cloud.</a:t>
+            </a:r>
+          </a:p>
+        </p:txBody>
+      </p:sp>
+      <p:pic>
+        <p:nvPicPr>
+          <p:cNvPr id="6" name="Immagine 5">
+            <a:extLst>
+              <a:ext uri="{FF2B5EF4-FFF2-40B4-BE49-F238E27FC236}">
+                <a16:creationId xmlns:a16="http://schemas.microsoft.com/office/drawing/2014/main" id="{1F286232-F80E-8107-EC55-A2A3394EF37C}"/>
+              </a:ext>
+            </a:extLst>
+          </p:cNvPr>
+          <p:cNvPicPr>
+            <a:picLocks noChangeAspect="1"/>
+          </p:cNvPicPr>
+          <p:nvPr/>
+        </p:nvPicPr>
+        <p:blipFill>
+          <a:blip r:embed="rId2"/>
+          <a:stretch>
+            <a:fillRect/>
+          </a:stretch>
+        </p:blipFill>
+        <p:spPr>
+          <a:xfrm>
+            <a:off x="978977" y="3695427"/>
+            <a:ext cx="7186044" cy="1610080"/>
+          </a:xfrm>
+          <a:prstGeom prst="roundRect">
+            <a:avLst>
+              <a:gd name="adj" fmla="val 8594"/>
+            </a:avLst>
+          </a:prstGeom>
+          <a:solidFill>
+            <a:srgbClr val="FFFFFF">
+              <a:shade val="85000"/>
+            </a:srgbClr>
+          </a:solidFill>
+          <a:ln>
+            <a:noFill/>
+          </a:ln>
+          <a:effectLst>
+            <a:reflection blurRad="12700" stA="38000" endPos="28000" dist="5000" dir="5400000" sy="-100000" algn="bl" rotWithShape="0"/>
+          </a:effectLst>
+        </p:spPr>
+      </p:pic>
+      <p:sp>
+        <p:nvSpPr>
+          <p:cNvPr id="7" name="CasellaDiTesto 6">
+            <a:extLst>
+              <a:ext uri="{FF2B5EF4-FFF2-40B4-BE49-F238E27FC236}">
+                <a16:creationId xmlns:a16="http://schemas.microsoft.com/office/drawing/2014/main" id="{D8D929BB-A915-D859-A934-5A211FA1AD66}"/>
+              </a:ext>
+            </a:extLst>
+          </p:cNvPr>
+          <p:cNvSpPr txBox="1"/>
+          <p:nvPr/>
+        </p:nvSpPr>
+        <p:spPr>
+          <a:xfrm>
+            <a:off x="8681884" y="6324289"/>
+            <a:ext cx="312906" cy="369332"/>
+          </a:xfrm>
+          <a:prstGeom prst="rect">
+            <a:avLst/>
+          </a:prstGeom>
+          <a:noFill/>
+        </p:spPr>
+        <p:txBody>
+          <a:bodyPr wrap="none" rtlCol="0">
+            <a:spAutoFit/>
+          </a:bodyPr>
+          <a:lstStyle/>
+          <a:p>
+            <a:r>
+              <a:rPr lang="it-IT" dirty="0"/>
+              <a:t>6</a:t>
             </a:r>
           </a:p>
         </p:txBody>
@@ -3411,8 +6354,494 @@
 </p:sld>
 </file>
 
-<file path=ppt/slides/slide5.xml><?xml version="1.0" encoding="utf-8"?>
-<p:sld xmlns:a="http://schemas.openxmlformats.org/drawingml/2006/main" xmlns:p="http://schemas.openxmlformats.org/presentationml/2006/main" xmlns:r="http://schemas.openxmlformats.org/officeDocument/2006/relationships">
+<file path=ppt/slides/slide7.xml><?xml version="1.0" encoding="utf-8"?>
+<p:sld xmlns:a="http://schemas.openxmlformats.org/drawingml/2006/main" xmlns:r="http://schemas.openxmlformats.org/officeDocument/2006/relationships" xmlns:p="http://schemas.openxmlformats.org/presentationml/2006/main">
+  <p:cSld>
+    <p:spTree>
+      <p:nvGrpSpPr>
+        <p:cNvPr id="1" name="">
+          <a:extLst>
+            <a:ext uri="{FF2B5EF4-FFF2-40B4-BE49-F238E27FC236}">
+              <a16:creationId xmlns:a16="http://schemas.microsoft.com/office/drawing/2014/main" id="{2EBBFA02-8E86-C565-E43F-3C700BEC700E}"/>
+            </a:ext>
+          </a:extLst>
+        </p:cNvPr>
+        <p:cNvGrpSpPr/>
+        <p:nvPr/>
+      </p:nvGrpSpPr>
+      <p:grpSpPr>
+        <a:xfrm>
+          <a:off x="0" y="0"/>
+          <a:ext cx="0" cy="0"/>
+          <a:chOff x="0" y="0"/>
+          <a:chExt cx="0" cy="0"/>
+        </a:xfrm>
+      </p:grpSpPr>
+      <p:sp>
+        <p:nvSpPr>
+          <p:cNvPr id="2" name="Title 1">
+            <a:extLst>
+              <a:ext uri="{FF2B5EF4-FFF2-40B4-BE49-F238E27FC236}">
+                <a16:creationId xmlns:a16="http://schemas.microsoft.com/office/drawing/2014/main" id="{1D6CDBFF-A7C4-1FAA-A178-892DEE02CBEC}"/>
+              </a:ext>
+            </a:extLst>
+          </p:cNvPr>
+          <p:cNvSpPr>
+            <a:spLocks noGrp="1"/>
+          </p:cNvSpPr>
+          <p:nvPr>
+            <p:ph type="title"/>
+          </p:nvPr>
+        </p:nvSpPr>
+        <p:spPr>
+          <a:xfrm>
+            <a:off x="3237268" y="164379"/>
+            <a:ext cx="2669460" cy="793955"/>
+          </a:xfrm>
+        </p:spPr>
+        <p:txBody>
+          <a:bodyPr/>
+          <a:lstStyle/>
+          <a:p>
+            <a:r>
+              <a:rPr lang="it-IT" b="1" dirty="0">
+                <a:solidFill>
+                  <a:srgbClr val="FFC000"/>
+                </a:solidFill>
+              </a:rPr>
+              <a:t>DASHBOARD</a:t>
+            </a:r>
+          </a:p>
+        </p:txBody>
+      </p:sp>
+      <p:sp>
+        <p:nvSpPr>
+          <p:cNvPr id="3" name="Content Placeholder 2">
+            <a:extLst>
+              <a:ext uri="{FF2B5EF4-FFF2-40B4-BE49-F238E27FC236}">
+                <a16:creationId xmlns:a16="http://schemas.microsoft.com/office/drawing/2014/main" id="{1AA035E6-EC81-1272-65D4-958789874130}"/>
+              </a:ext>
+            </a:extLst>
+          </p:cNvPr>
+          <p:cNvSpPr>
+            <a:spLocks noGrp="1"/>
+          </p:cNvSpPr>
+          <p:nvPr>
+            <p:ph idx="1"/>
+          </p:nvPr>
+        </p:nvSpPr>
+        <p:spPr>
+          <a:xfrm>
+            <a:off x="232681" y="889024"/>
+            <a:ext cx="8832661" cy="1959723"/>
+          </a:xfrm>
+        </p:spPr>
+        <p:txBody>
+          <a:bodyPr>
+            <a:normAutofit/>
+          </a:bodyPr>
+          <a:lstStyle/>
+          <a:p>
+            <a:pPr>
+              <a:defRPr sz="1800"/>
+            </a:pPr>
+            <a:r>
+              <a:rPr lang="it-IT" sz="2200" b="1" dirty="0">
+                <a:solidFill>
+                  <a:schemeClr val="tx1"/>
+                </a:solidFill>
+              </a:rPr>
+              <a:t>Scelta di elementi che risaltino il confronto tra brand cinesi ed europei.</a:t>
+            </a:r>
+          </a:p>
+          <a:p>
+            <a:pPr>
+              <a:defRPr sz="1800"/>
+            </a:pPr>
+            <a:r>
+              <a:rPr lang="it-IT" sz="2200" b="1" dirty="0">
+                <a:solidFill>
+                  <a:schemeClr val="tx1"/>
+                </a:solidFill>
+              </a:rPr>
+              <a:t>Grafici chiari che permettano di capire i dati.</a:t>
+            </a:r>
+          </a:p>
+          <a:p>
+            <a:pPr>
+              <a:defRPr sz="1800"/>
+            </a:pPr>
+            <a:r>
+              <a:rPr lang="it-IT" sz="2200" b="1" dirty="0">
+                <a:solidFill>
+                  <a:schemeClr val="tx1"/>
+                </a:solidFill>
+              </a:rPr>
+              <a:t>Scelta intuitiva mediante selezione multipla e diverse pagine.</a:t>
+            </a:r>
+          </a:p>
+        </p:txBody>
+      </p:sp>
+      <p:pic>
+        <p:nvPicPr>
+          <p:cNvPr id="7" name="Immagine 6">
+            <a:extLst>
+              <a:ext uri="{FF2B5EF4-FFF2-40B4-BE49-F238E27FC236}">
+                <a16:creationId xmlns:a16="http://schemas.microsoft.com/office/drawing/2014/main" id="{06F01204-F6BF-7A80-17B5-FC00FC654AEB}"/>
+              </a:ext>
+            </a:extLst>
+          </p:cNvPr>
+          <p:cNvPicPr>
+            <a:picLocks noChangeAspect="1"/>
+          </p:cNvPicPr>
+          <p:nvPr/>
+        </p:nvPicPr>
+        <p:blipFill>
+          <a:blip r:embed="rId2"/>
+          <a:stretch>
+            <a:fillRect/>
+          </a:stretch>
+        </p:blipFill>
+        <p:spPr>
+          <a:xfrm>
+            <a:off x="1118316" y="2848747"/>
+            <a:ext cx="7876474" cy="3844874"/>
+          </a:xfrm>
+          <a:prstGeom prst="rect">
+            <a:avLst/>
+          </a:prstGeom>
+        </p:spPr>
+      </p:pic>
+      <p:sp>
+        <p:nvSpPr>
+          <p:cNvPr id="4" name="CasellaDiTesto 3">
+            <a:extLst>
+              <a:ext uri="{FF2B5EF4-FFF2-40B4-BE49-F238E27FC236}">
+                <a16:creationId xmlns:a16="http://schemas.microsoft.com/office/drawing/2014/main" id="{9A66B6B5-1BCD-48E2-389B-0AC8B48892A1}"/>
+              </a:ext>
+            </a:extLst>
+          </p:cNvPr>
+          <p:cNvSpPr txBox="1"/>
+          <p:nvPr/>
+        </p:nvSpPr>
+        <p:spPr>
+          <a:xfrm>
+            <a:off x="8681884" y="6324289"/>
+            <a:ext cx="312906" cy="369332"/>
+          </a:xfrm>
+          <a:prstGeom prst="rect">
+            <a:avLst/>
+          </a:prstGeom>
+          <a:noFill/>
+        </p:spPr>
+        <p:txBody>
+          <a:bodyPr wrap="none" rtlCol="0">
+            <a:spAutoFit/>
+          </a:bodyPr>
+          <a:lstStyle/>
+          <a:p>
+            <a:r>
+              <a:rPr lang="it-IT" dirty="0"/>
+              <a:t>7</a:t>
+            </a:r>
+          </a:p>
+        </p:txBody>
+      </p:sp>
+    </p:spTree>
+    <p:extLst>
+      <p:ext uri="{BB962C8B-B14F-4D97-AF65-F5344CB8AC3E}">
+        <p14:creationId xmlns:p14="http://schemas.microsoft.com/office/powerpoint/2010/main" val="3360039161"/>
+      </p:ext>
+    </p:extLst>
+  </p:cSld>
+  <p:clrMapOvr>
+    <a:masterClrMapping/>
+  </p:clrMapOvr>
+</p:sld>
+</file>
+
+<file path=ppt/slides/slide8.xml><?xml version="1.0" encoding="utf-8"?>
+<p:sld xmlns:a="http://schemas.openxmlformats.org/drawingml/2006/main" xmlns:r="http://schemas.openxmlformats.org/officeDocument/2006/relationships" xmlns:p="http://schemas.openxmlformats.org/presentationml/2006/main">
+  <p:cSld>
+    <p:spTree>
+      <p:nvGrpSpPr>
+        <p:cNvPr id="1" name="">
+          <a:extLst>
+            <a:ext uri="{FF2B5EF4-FFF2-40B4-BE49-F238E27FC236}">
+              <a16:creationId xmlns:a16="http://schemas.microsoft.com/office/drawing/2014/main" id="{69FE8BBE-488C-FE90-E12B-7D079B74A3EE}"/>
+            </a:ext>
+          </a:extLst>
+        </p:cNvPr>
+        <p:cNvGrpSpPr/>
+        <p:nvPr/>
+      </p:nvGrpSpPr>
+      <p:grpSpPr>
+        <a:xfrm>
+          <a:off x="0" y="0"/>
+          <a:ext cx="0" cy="0"/>
+          <a:chOff x="0" y="0"/>
+          <a:chExt cx="0" cy="0"/>
+        </a:xfrm>
+      </p:grpSpPr>
+      <p:sp>
+        <p:nvSpPr>
+          <p:cNvPr id="2" name="Title 1">
+            <a:extLst>
+              <a:ext uri="{FF2B5EF4-FFF2-40B4-BE49-F238E27FC236}">
+                <a16:creationId xmlns:a16="http://schemas.microsoft.com/office/drawing/2014/main" id="{17DDED1C-2664-39C9-F976-8293695693CA}"/>
+              </a:ext>
+            </a:extLst>
+          </p:cNvPr>
+          <p:cNvSpPr>
+            <a:spLocks noGrp="1"/>
+          </p:cNvSpPr>
+          <p:nvPr>
+            <p:ph type="title"/>
+          </p:nvPr>
+        </p:nvSpPr>
+        <p:spPr>
+          <a:xfrm>
+            <a:off x="2488787" y="204019"/>
+            <a:ext cx="4166422" cy="793955"/>
+          </a:xfrm>
+        </p:spPr>
+        <p:txBody>
+          <a:bodyPr>
+            <a:normAutofit/>
+          </a:bodyPr>
+          <a:lstStyle/>
+          <a:p>
+            <a:r>
+              <a:rPr lang="it-IT" b="1" dirty="0">
+                <a:solidFill>
+                  <a:srgbClr val="FFC000"/>
+                </a:solidFill>
+              </a:rPr>
+              <a:t>SCELTE E DIFFICOLTÀ</a:t>
+            </a:r>
+          </a:p>
+        </p:txBody>
+      </p:sp>
+      <p:sp>
+        <p:nvSpPr>
+          <p:cNvPr id="3" name="Content Placeholder 2">
+            <a:extLst>
+              <a:ext uri="{FF2B5EF4-FFF2-40B4-BE49-F238E27FC236}">
+                <a16:creationId xmlns:a16="http://schemas.microsoft.com/office/drawing/2014/main" id="{F41076EE-DD6A-6FB2-D8F2-191A92EEA968}"/>
+              </a:ext>
+            </a:extLst>
+          </p:cNvPr>
+          <p:cNvSpPr>
+            <a:spLocks noGrp="1"/>
+          </p:cNvSpPr>
+          <p:nvPr>
+            <p:ph idx="1"/>
+          </p:nvPr>
+        </p:nvSpPr>
+        <p:spPr>
+          <a:xfrm>
+            <a:off x="422787" y="1056967"/>
+            <a:ext cx="8259097" cy="4842388"/>
+          </a:xfrm>
+        </p:spPr>
+        <p:txBody>
+          <a:bodyPr>
+            <a:normAutofit fontScale="70000" lnSpcReduction="20000"/>
+          </a:bodyPr>
+          <a:lstStyle/>
+          <a:p>
+            <a:pPr>
+              <a:defRPr sz="1800"/>
+            </a:pPr>
+            <a:r>
+              <a:rPr lang="it-IT" sz="2800" b="1" dirty="0">
+                <a:solidFill>
+                  <a:srgbClr val="00F26D"/>
+                </a:solidFill>
+              </a:rPr>
+              <a:t>Scelte</a:t>
+            </a:r>
+            <a:r>
+              <a:rPr lang="it-IT" sz="2800" b="1" dirty="0">
+                <a:solidFill>
+                  <a:schemeClr val="tx1"/>
+                </a:solidFill>
+              </a:rPr>
+              <a:t>:</a:t>
+            </a:r>
+          </a:p>
+          <a:p>
+            <a:pPr lvl="1">
+              <a:defRPr sz="1800"/>
+            </a:pPr>
+            <a:r>
+              <a:rPr lang="it-IT" sz="2800" b="1" dirty="0">
+                <a:solidFill>
+                  <a:schemeClr val="tx1"/>
+                </a:solidFill>
+              </a:rPr>
+              <a:t>SQLite per facilità di implementazione e possibilità di test in locale.</a:t>
+            </a:r>
+          </a:p>
+          <a:p>
+            <a:pPr lvl="1">
+              <a:defRPr sz="1800"/>
+            </a:pPr>
+            <a:r>
+              <a:rPr lang="it-IT" sz="2800" b="1" dirty="0">
+                <a:solidFill>
+                  <a:schemeClr val="tx1"/>
+                </a:solidFill>
+              </a:rPr>
+              <a:t>Scelto come connettore la libreria SQLite3, già predisposta alla connessione con database SQLite.</a:t>
+            </a:r>
+          </a:p>
+          <a:p>
+            <a:pPr lvl="1">
+              <a:defRPr sz="1800"/>
+            </a:pPr>
+            <a:r>
+              <a:rPr lang="it-IT" sz="2800" b="1" dirty="0">
+                <a:solidFill>
+                  <a:schemeClr val="tx1"/>
+                </a:solidFill>
+              </a:rPr>
+              <a:t>Pubblicazione su Streamlit Cloud perché gratuito.</a:t>
+            </a:r>
+          </a:p>
+          <a:p>
+            <a:pPr marL="457200" lvl="1" indent="0">
+              <a:buNone/>
+              <a:defRPr sz="1800"/>
+            </a:pPr>
+            <a:endParaRPr lang="it-IT" sz="2800" b="1" dirty="0">
+              <a:solidFill>
+                <a:schemeClr val="tx1"/>
+              </a:solidFill>
+            </a:endParaRPr>
+          </a:p>
+          <a:p>
+            <a:pPr>
+              <a:defRPr sz="1800"/>
+            </a:pPr>
+            <a:r>
+              <a:rPr lang="it-IT" sz="2800" b="1" dirty="0">
+                <a:solidFill>
+                  <a:srgbClr val="FF0000"/>
+                </a:solidFill>
+              </a:rPr>
+              <a:t>Difficoltà</a:t>
+            </a:r>
+            <a:r>
+              <a:rPr lang="it-IT" sz="2800" b="1" dirty="0">
+                <a:solidFill>
+                  <a:schemeClr val="tx1"/>
+                </a:solidFill>
+              </a:rPr>
+              <a:t>:</a:t>
+            </a:r>
+          </a:p>
+          <a:p>
+            <a:pPr lvl="1">
+              <a:defRPr sz="1800"/>
+            </a:pPr>
+            <a:r>
+              <a:rPr lang="it-IT" sz="2800" b="1" dirty="0">
+                <a:solidFill>
+                  <a:schemeClr val="tx1"/>
+                </a:solidFill>
+              </a:rPr>
+              <a:t>Recupero dei dati problematico perché siti molto diversi. Alla fine optato per CarWow.uk, ma in futuro si può implementare per diversi siti.</a:t>
+            </a:r>
+          </a:p>
+          <a:p>
+            <a:pPr lvl="1">
+              <a:defRPr sz="1800"/>
+            </a:pPr>
+            <a:r>
+              <a:rPr lang="it-IT" sz="2800" b="1" dirty="0">
+                <a:solidFill>
+                  <a:schemeClr val="tx1"/>
+                </a:solidFill>
+              </a:rPr>
+              <a:t>Poche auto cinesi rispetto a quelle europee.</a:t>
+            </a:r>
+          </a:p>
+          <a:p>
+            <a:pPr lvl="1">
+              <a:defRPr sz="1800"/>
+            </a:pPr>
+            <a:r>
+              <a:rPr lang="it-IT" sz="2800" b="1" dirty="0">
+                <a:solidFill>
+                  <a:schemeClr val="tx1"/>
+                </a:solidFill>
+              </a:rPr>
+              <a:t>Prompt LLM difficile da ottimizzare, diversi tentativi per avere quello migliore.</a:t>
+            </a:r>
+          </a:p>
+          <a:p>
+            <a:pPr lvl="1">
+              <a:defRPr sz="1800"/>
+            </a:pPr>
+            <a:endParaRPr lang="it-IT" sz="2000" b="1" dirty="0">
+              <a:solidFill>
+                <a:schemeClr val="tx1"/>
+              </a:solidFill>
+            </a:endParaRPr>
+          </a:p>
+        </p:txBody>
+      </p:sp>
+      <p:sp>
+        <p:nvSpPr>
+          <p:cNvPr id="4" name="CasellaDiTesto 3">
+            <a:extLst>
+              <a:ext uri="{FF2B5EF4-FFF2-40B4-BE49-F238E27FC236}">
+                <a16:creationId xmlns:a16="http://schemas.microsoft.com/office/drawing/2014/main" id="{CC2B7CD9-768F-2F73-DACD-B0998985C404}"/>
+              </a:ext>
+            </a:extLst>
+          </p:cNvPr>
+          <p:cNvSpPr txBox="1"/>
+          <p:nvPr/>
+        </p:nvSpPr>
+        <p:spPr>
+          <a:xfrm>
+            <a:off x="8681884" y="6324289"/>
+            <a:ext cx="312906" cy="369332"/>
+          </a:xfrm>
+          <a:prstGeom prst="rect">
+            <a:avLst/>
+          </a:prstGeom>
+          <a:noFill/>
+        </p:spPr>
+        <p:txBody>
+          <a:bodyPr wrap="none" rtlCol="0">
+            <a:spAutoFit/>
+          </a:bodyPr>
+          <a:lstStyle/>
+          <a:p>
+            <a:r>
+              <a:rPr lang="it-IT" dirty="0"/>
+              <a:t>8</a:t>
+            </a:r>
+          </a:p>
+        </p:txBody>
+      </p:sp>
+    </p:spTree>
+    <p:extLst>
+      <p:ext uri="{BB962C8B-B14F-4D97-AF65-F5344CB8AC3E}">
+        <p14:creationId xmlns:p14="http://schemas.microsoft.com/office/powerpoint/2010/main" val="3418235989"/>
+      </p:ext>
+    </p:extLst>
+  </p:cSld>
+  <p:clrMapOvr>
+    <a:masterClrMapping/>
+  </p:clrMapOvr>
+</p:sld>
+</file>
+
+<file path=ppt/slides/slide9.xml><?xml version="1.0" encoding="utf-8"?>
+<p:sld xmlns:a="http://schemas.openxmlformats.org/drawingml/2006/main" xmlns:r="http://schemas.openxmlformats.org/officeDocument/2006/relationships" xmlns:p="http://schemas.openxmlformats.org/presentationml/2006/main">
   <p:cSld>
     <p:spTree>
       <p:nvGrpSpPr>
@@ -3420,10 +6849,23 @@
         <p:cNvGrpSpPr/>
         <p:nvPr/>
       </p:nvGrpSpPr>
-      <p:grpSpPr/>
-      <p:sp>
-        <p:nvSpPr>
-          <p:cNvPr id="2" name="Title 1"/>
+      <p:grpSpPr>
+        <a:xfrm>
+          <a:off x="0" y="0"/>
+          <a:ext cx="0" cy="0"/>
+          <a:chOff x="0" y="0"/>
+          <a:chExt cx="0" cy="0"/>
+        </a:xfrm>
+      </p:grpSpPr>
+      <p:sp>
+        <p:nvSpPr>
+          <p:cNvPr id="2" name="Titolo 1">
+            <a:extLst>
+              <a:ext uri="{FF2B5EF4-FFF2-40B4-BE49-F238E27FC236}">
+                <a16:creationId xmlns:a16="http://schemas.microsoft.com/office/drawing/2014/main" id="{002DD457-B855-6ED1-2743-B9B96DC2E847}"/>
+              </a:ext>
+            </a:extLst>
+          </p:cNvPr>
           <p:cNvSpPr>
             <a:spLocks noGrp="1"/>
           </p:cNvSpPr>
@@ -3431,66 +6873,35 @@
             <p:ph type="title"/>
           </p:nvPr>
         </p:nvSpPr>
-        <p:spPr/>
-        <p:txBody>
-          <a:bodyPr/>
-          <a:lstStyle/>
-          <a:p>
-            <a:r>
-              <a:t>Risultati, Limiti e Sviluppi Futuri</a:t>
-            </a:r>
-          </a:p>
-        </p:txBody>
-      </p:sp>
-      <p:sp>
-        <p:nvSpPr>
-          <p:cNvPr id="3" name="Content Placeholder 2"/>
-          <p:cNvSpPr>
-            <a:spLocks noGrp="1"/>
-          </p:cNvSpPr>
-          <p:nvPr>
-            <p:ph idx="1"/>
-          </p:nvPr>
-        </p:nvSpPr>
-        <p:spPr/>
-        <p:txBody>
-          <a:bodyPr/>
-          <a:lstStyle/>
-          <a:p>
-            <a:pPr>
-              <a:defRPr sz="1800"/>
-            </a:pPr>
-            <a:r>
-              <a:t>95% recensioni analizzate correttamente, dashboard &lt; 2s</a:t>
-            </a:r>
-          </a:p>
-          <a:p>
-            <a:pPr>
-              <a:defRPr sz="1800"/>
-            </a:pPr>
-            <a:r>
-              <a:t>Insight: brand cinesi +0,3 punti, miglior qualità/prezzo</a:t>
-            </a:r>
-          </a:p>
-          <a:p>
-            <a:pPr>
-              <a:defRPr sz="1800"/>
-            </a:pPr>
-            <a:r>
-              <a:t>Limiti: solo Carwow, no analisi temporale</a:t>
-            </a:r>
-          </a:p>
-          <a:p>
-            <a:pPr>
-              <a:defRPr sz="1800"/>
-            </a:pPr>
-            <a:r>
-              <a:t>Futuro: nuove fonti, modelli ensemble, aggiornamento real-time</a:t>
+        <p:spPr>
+          <a:xfrm>
+            <a:off x="1662880" y="2874706"/>
+            <a:ext cx="5818239" cy="1108588"/>
+          </a:xfrm>
+        </p:spPr>
+        <p:txBody>
+          <a:bodyPr>
+            <a:normAutofit/>
+          </a:bodyPr>
+          <a:lstStyle/>
+          <a:p>
+            <a:r>
+              <a:rPr lang="it-IT" sz="3600" b="1" dirty="0">
+                <a:solidFill>
+                  <a:srgbClr val="FFC000"/>
+                </a:solidFill>
+              </a:rPr>
+              <a:t>GRAZIE PER L’ATTENZIONE</a:t>
             </a:r>
           </a:p>
         </p:txBody>
       </p:sp>
     </p:spTree>
+    <p:extLst>
+      <p:ext uri="{BB962C8B-B14F-4D97-AF65-F5344CB8AC3E}">
+        <p14:creationId xmlns:p14="http://schemas.microsoft.com/office/powerpoint/2010/main" val="2471783033"/>
+      </p:ext>
+    </p:extLst>
   </p:cSld>
   <p:clrMapOvr>
     <a:masterClrMapping/>
@@ -3499,9 +6910,9 @@
 </file>
 
 <file path=ppt/theme/theme1.xml><?xml version="1.0" encoding="utf-8"?>
-<a:theme xmlns:a="http://schemas.openxmlformats.org/drawingml/2006/main" name="Office Theme">
+<a:theme xmlns:a="http://schemas.openxmlformats.org/drawingml/2006/main" name="Sezione">
   <a:themeElements>
-    <a:clrScheme name="Office">
+    <a:clrScheme name="Rosso viola">
       <a:dk1>
         <a:sysClr val="windowText" lastClr="000000"/>
       </a:dk1>
@@ -3509,83 +6920,48 @@
         <a:sysClr val="window" lastClr="FFFFFF"/>
       </a:lt1>
       <a:dk2>
-        <a:srgbClr val="1F497D"/>
+        <a:srgbClr val="454551"/>
       </a:dk2>
       <a:lt2>
-        <a:srgbClr val="EEECE1"/>
+        <a:srgbClr val="D8D9DC"/>
       </a:lt2>
       <a:accent1>
-        <a:srgbClr val="4F81BD"/>
+        <a:srgbClr val="E32D91"/>
       </a:accent1>
       <a:accent2>
-        <a:srgbClr val="C0504D"/>
+        <a:srgbClr val="C830CC"/>
       </a:accent2>
       <a:accent3>
-        <a:srgbClr val="9BBB59"/>
+        <a:srgbClr val="4EA6DC"/>
       </a:accent3>
       <a:accent4>
-        <a:srgbClr val="8064A2"/>
+        <a:srgbClr val="4775E7"/>
       </a:accent4>
       <a:accent5>
-        <a:srgbClr val="4BACC6"/>
+        <a:srgbClr val="8971E1"/>
       </a:accent5>
       <a:accent6>
-        <a:srgbClr val="F79646"/>
+        <a:srgbClr val="D54773"/>
       </a:accent6>
       <a:hlink>
-        <a:srgbClr val="0000FF"/>
+        <a:srgbClr val="6B9F25"/>
       </a:hlink>
       <a:folHlink>
-        <a:srgbClr val="800080"/>
+        <a:srgbClr val="8C8C8C"/>
       </a:folHlink>
     </a:clrScheme>
-    <a:fontScheme name="Office">
+    <a:fontScheme name="Sezione">
       <a:majorFont>
-        <a:latin typeface="Calibri"/>
+        <a:latin typeface="Century Gothic" panose="020B0502020202020204"/>
         <a:ea typeface=""/>
         <a:cs typeface=""/>
-        <a:font script="Jpan" typeface="ＭＳ Ｐゴシック"/>
-        <a:font script="Hang" typeface="맑은 고딕"/>
-        <a:font script="Hans" typeface="宋体"/>
-        <a:font script="Hant" typeface="新細明體"/>
-        <a:font script="Arab" typeface="Times New Roman"/>
-        <a:font script="Hebr" typeface="Times New Roman"/>
-        <a:font script="Thai" typeface="Angsana New"/>
-        <a:font script="Ethi" typeface="Nyala"/>
-        <a:font script="Beng" typeface="Vrinda"/>
-        <a:font script="Gujr" typeface="Shruti"/>
-        <a:font script="Khmr" typeface="MoolBoran"/>
-        <a:font script="Knda" typeface="Tunga"/>
-        <a:font script="Guru" typeface="Raavi"/>
-        <a:font script="Cans" typeface="Euphemia"/>
-        <a:font script="Cher" typeface="Plantagenet Cherokee"/>
-        <a:font script="Yiii" typeface="Microsoft Yi Baiti"/>
-        <a:font script="Tibt" typeface="Microsoft Himalaya"/>
-        <a:font script="Thaa" typeface="MV Boli"/>
-        <a:font script="Deva" typeface="Mangal"/>
-        <a:font script="Telu" typeface="Gautami"/>
-        <a:font script="Taml" typeface="Latha"/>
-        <a:font script="Syrc" typeface="Estrangelo Edessa"/>
-        <a:font script="Orya" typeface="Kalinga"/>
-        <a:font script="Mlym" typeface="Kartika"/>
-        <a:font script="Laoo" typeface="DokChampa"/>
-        <a:font script="Sinh" typeface="Iskoola Pota"/>
-        <a:font script="Mong" typeface="Mongolian Baiti"/>
-        <a:font script="Viet" typeface="Times New Roman"/>
-        <a:font script="Uigh" typeface="Microsoft Uighur"/>
-        <a:font script="Geor" typeface="Sylfaen"/>
-      </a:majorFont>
-      <a:minorFont>
-        <a:latin typeface="Calibri"/>
-        <a:ea typeface=""/>
-        <a:cs typeface=""/>
-        <a:font script="Jpan" typeface="ＭＳ Ｐゴシック"/>
-        <a:font script="Hang" typeface="맑은 고딕"/>
-        <a:font script="Hans" typeface="宋体"/>
-        <a:font script="Hant" typeface="新細明體"/>
-        <a:font script="Arab" typeface="Arial"/>
-        <a:font script="Hebr" typeface="Arial"/>
-        <a:font script="Thai" typeface="Cordia New"/>
+        <a:font script="Jpan" typeface="メイリオ"/>
+        <a:font script="Hang" typeface="HY중고딕"/>
+        <a:font script="Hans" typeface="幼圆"/>
+        <a:font script="Hant" typeface="微軟正黑體"/>
+        <a:font script="Arab" typeface="Tahoma"/>
+        <a:font script="Hebr" typeface="Gisha"/>
+        <a:font script="Thai" typeface="DilleniaUPC"/>
         <a:font script="Ethi" typeface="Nyala"/>
         <a:font script="Beng" typeface="Vrinda"/>
         <a:font script="Gujr" typeface="Shruti"/>
@@ -3606,12 +6982,47 @@
         <a:font script="Laoo" typeface="DokChampa"/>
         <a:font script="Sinh" typeface="Iskoola Pota"/>
         <a:font script="Mong" typeface="Mongolian Baiti"/>
-        <a:font script="Viet" typeface="Arial"/>
+        <a:font script="Viet" typeface="Tahoma"/>
+        <a:font script="Uigh" typeface="Microsoft Uighur"/>
+        <a:font script="Geor" typeface="Sylfaen"/>
+      </a:majorFont>
+      <a:minorFont>
+        <a:latin typeface="Century Gothic" panose="020B0502020202020204"/>
+        <a:ea typeface=""/>
+        <a:cs typeface=""/>
+        <a:font script="Jpan" typeface="メイリオ"/>
+        <a:font script="Hang" typeface="HY중고딕"/>
+        <a:font script="Hans" typeface="幼圆"/>
+        <a:font script="Hant" typeface="微軟正黑體"/>
+        <a:font script="Arab" typeface="Tahoma"/>
+        <a:font script="Hebr" typeface="Gisha"/>
+        <a:font script="Thai" typeface="DilleniaUPC"/>
+        <a:font script="Ethi" typeface="Nyala"/>
+        <a:font script="Beng" typeface="Vrinda"/>
+        <a:font script="Gujr" typeface="Shruti"/>
+        <a:font script="Khmr" typeface="DaunPenh"/>
+        <a:font script="Knda" typeface="Tunga"/>
+        <a:font script="Guru" typeface="Raavi"/>
+        <a:font script="Cans" typeface="Euphemia"/>
+        <a:font script="Cher" typeface="Plantagenet Cherokee"/>
+        <a:font script="Yiii" typeface="Microsoft Yi Baiti"/>
+        <a:font script="Tibt" typeface="Microsoft Himalaya"/>
+        <a:font script="Thaa" typeface="MV Boli"/>
+        <a:font script="Deva" typeface="Mangal"/>
+        <a:font script="Telu" typeface="Gautami"/>
+        <a:font script="Taml" typeface="Latha"/>
+        <a:font script="Syrc" typeface="Estrangelo Edessa"/>
+        <a:font script="Orya" typeface="Kalinga"/>
+        <a:font script="Mlym" typeface="Kartika"/>
+        <a:font script="Laoo" typeface="DokChampa"/>
+        <a:font script="Sinh" typeface="Iskoola Pota"/>
+        <a:font script="Mong" typeface="Mongolian Baiti"/>
+        <a:font script="Viet" typeface="Tahoma"/>
         <a:font script="Uigh" typeface="Microsoft Uighur"/>
         <a:font script="Geor" typeface="Sylfaen"/>
       </a:minorFont>
     </a:fontScheme>
-    <a:fmtScheme name="Office">
+    <a:fmtScheme name="Sezione">
       <a:fillStyleLst>
         <a:solidFill>
           <a:schemeClr val="phClr"/>
@@ -3620,62 +7031,61 @@
           <a:gsLst>
             <a:gs pos="0">
               <a:schemeClr val="phClr">
-                <a:tint val="50000"/>
-                <a:satMod val="300000"/>
-              </a:schemeClr>
-            </a:gs>
-            <a:gs pos="35000">
-              <a:schemeClr val="phClr">
-                <a:tint val="37000"/>
-                <a:satMod val="300000"/>
+                <a:tint val="62000"/>
+                <a:hueMod val="94000"/>
+                <a:satMod val="140000"/>
+                <a:lumMod val="110000"/>
               </a:schemeClr>
             </a:gs>
             <a:gs pos="100000">
               <a:schemeClr val="phClr">
-                <a:tint val="15000"/>
-                <a:satMod val="350000"/>
+                <a:tint val="84000"/>
+                <a:satMod val="160000"/>
               </a:schemeClr>
             </a:gs>
           </a:gsLst>
-          <a:lin ang="16200000" scaled="1"/>
+          <a:lin ang="5400000" scaled="0"/>
         </a:gradFill>
         <a:gradFill rotWithShape="1">
           <a:gsLst>
             <a:gs pos="0">
               <a:schemeClr val="phClr">
-                <a:tint val="100000"/>
-                <a:shade val="100000"/>
+                <a:tint val="98000"/>
+                <a:hueMod val="94000"/>
                 <a:satMod val="130000"/>
+                <a:lumMod val="138000"/>
               </a:schemeClr>
             </a:gs>
             <a:gs pos="100000">
               <a:schemeClr val="phClr">
-                <a:tint val="50000"/>
-                <a:shade val="100000"/>
-                <a:satMod val="350000"/>
+                <a:shade val="94000"/>
+                <a:lumMod val="88000"/>
               </a:schemeClr>
             </a:gs>
           </a:gsLst>
-          <a:lin ang="16200000" scaled="0"/>
+          <a:lin ang="5400000" scaled="0"/>
         </a:gradFill>
       </a:fillStyleLst>
       <a:lnStyleLst>
-        <a:ln w="9525" cap="flat" cmpd="sng" algn="ctr">
+        <a:ln w="9525" cap="rnd" cmpd="sng" algn="ctr">
           <a:solidFill>
             <a:schemeClr val="phClr">
-              <a:shade val="95000"/>
-              <a:satMod val="105000"/>
+              <a:tint val="76000"/>
+              <a:alpha val="60000"/>
+              <a:hueMod val="94000"/>
             </a:schemeClr>
           </a:solidFill>
           <a:prstDash val="solid"/>
         </a:ln>
-        <a:ln w="25400" cap="flat" cmpd="sng" algn="ctr">
+        <a:ln w="12700" cap="rnd" cmpd="sng" algn="ctr">
           <a:solidFill>
-            <a:schemeClr val="phClr"/>
+            <a:schemeClr val="phClr">
+              <a:hueMod val="94000"/>
+            </a:schemeClr>
           </a:solidFill>
           <a:prstDash val="solid"/>
         </a:ln>
-        <a:ln w="38100" cap="flat" cmpd="sng" algn="ctr">
+        <a:ln w="28575" cap="rnd" cmpd="sng" algn="ctr">
           <a:solidFill>
             <a:schemeClr val="phClr"/>
           </a:solidFill>
@@ -3684,28 +7094,22 @@
       </a:lnStyleLst>
       <a:effectStyleLst>
         <a:effectStyle>
+          <a:effectLst/>
+        </a:effectStyle>
+        <a:effectStyle>
           <a:effectLst>
-            <a:outerShdw blurRad="40000" dist="20000" dir="5400000" rotWithShape="0">
+            <a:innerShdw blurRad="25400" dist="12700" dir="13500000">
               <a:srgbClr val="000000">
-                <a:alpha val="38000"/>
+                <a:alpha val="45000"/>
               </a:srgbClr>
-            </a:outerShdw>
+            </a:innerShdw>
           </a:effectLst>
         </a:effectStyle>
         <a:effectStyle>
           <a:effectLst>
-            <a:outerShdw blurRad="40000" dist="23000" dir="5400000" rotWithShape="0">
+            <a:outerShdw blurRad="50800" dist="38100" dir="5400000" rotWithShape="0">
               <a:srgbClr val="000000">
-                <a:alpha val="35000"/>
-              </a:srgbClr>
-            </a:outerShdw>
-          </a:effectLst>
-        </a:effectStyle>
-        <a:effectStyle>
-          <a:effectLst>
-            <a:outerShdw blurRad="40000" dist="23000" dir="5400000" rotWithShape="0">
-              <a:srgbClr val="000000">
-                <a:alpha val="35000"/>
+                <a:alpha val="46000"/>
               </a:srgbClr>
             </a:outerShdw>
           </a:effectLst>
@@ -3713,12 +7117,10 @@
             <a:camera prst="orthographicFront">
               <a:rot lat="0" lon="0" rev="0"/>
             </a:camera>
-            <a:lightRig rig="threePt" dir="t">
-              <a:rot lat="0" lon="0" rev="1200000"/>
-            </a:lightRig>
+            <a:lightRig rig="threePt" dir="t"/>
           </a:scene3d>
-          <a:sp3d>
-            <a:bevelT w="63500" h="25400"/>
+          <a:sp3d prstMaterial="plastic">
+            <a:bevelT w="25400" h="25400"/>
           </a:sp3d>
         </a:effectStyle>
       </a:effectStyleLst>
@@ -3728,92 +7130,55 @@
         </a:solidFill>
         <a:gradFill rotWithShape="1">
           <a:gsLst>
-            <a:gs pos="0">
+            <a:gs pos="10000">
               <a:schemeClr val="phClr">
-                <a:tint val="40000"/>
-                <a:satMod val="350000"/>
-              </a:schemeClr>
-            </a:gs>
-            <a:gs pos="40000">
-              <a:schemeClr val="phClr">
-                <a:tint val="45000"/>
-                <a:shade val="99000"/>
-                <a:satMod val="350000"/>
+                <a:tint val="97000"/>
+                <a:hueMod val="92000"/>
+                <a:satMod val="169000"/>
+                <a:lumMod val="164000"/>
               </a:schemeClr>
             </a:gs>
             <a:gs pos="100000">
               <a:schemeClr val="phClr">
-                <a:shade val="20000"/>
-                <a:satMod val="255000"/>
+                <a:shade val="96000"/>
+                <a:satMod val="120000"/>
+                <a:lumMod val="90000"/>
               </a:schemeClr>
             </a:gs>
           </a:gsLst>
-          <a:path path="circle">
-            <a:fillToRect l="50000" t="-80000" r="50000" b="180000"/>
-          </a:path>
+          <a:lin ang="6120000" scaled="1"/>
         </a:gradFill>
         <a:gradFill rotWithShape="1">
           <a:gsLst>
             <a:gs pos="0">
               <a:schemeClr val="phClr">
-                <a:tint val="80000"/>
-                <a:satMod val="300000"/>
+                <a:tint val="97000"/>
+                <a:hueMod val="92000"/>
+                <a:satMod val="169000"/>
+                <a:lumMod val="164000"/>
               </a:schemeClr>
             </a:gs>
             <a:gs pos="100000">
               <a:schemeClr val="phClr">
-                <a:shade val="30000"/>
-                <a:satMod val="200000"/>
+                <a:shade val="96000"/>
+                <a:satMod val="120000"/>
+                <a:lumMod val="90000"/>
               </a:schemeClr>
             </a:gs>
           </a:gsLst>
           <a:path path="circle">
-            <a:fillToRect l="50000" t="50000" r="50000" b="50000"/>
+            <a:fillToRect b="100000"/>
           </a:path>
         </a:gradFill>
       </a:bgFillStyleLst>
     </a:fmtScheme>
   </a:themeElements>
-  <a:objectDefaults>
-    <a:spDef>
-      <a:spPr/>
-      <a:bodyPr/>
-      <a:lstStyle/>
-      <a:style>
-        <a:lnRef idx="1">
-          <a:schemeClr val="accent1"/>
-        </a:lnRef>
-        <a:fillRef idx="3">
-          <a:schemeClr val="accent1"/>
-        </a:fillRef>
-        <a:effectRef idx="2">
-          <a:schemeClr val="accent1"/>
-        </a:effectRef>
-        <a:fontRef idx="minor">
-          <a:schemeClr val="lt1"/>
-        </a:fontRef>
-      </a:style>
-    </a:spDef>
-    <a:lnDef>
-      <a:spPr/>
-      <a:bodyPr/>
-      <a:lstStyle/>
-      <a:style>
-        <a:lnRef idx="2">
-          <a:schemeClr val="accent1"/>
-        </a:lnRef>
-        <a:fillRef idx="0">
-          <a:schemeClr val="accent1"/>
-        </a:fillRef>
-        <a:effectRef idx="1">
-          <a:schemeClr val="accent1"/>
-        </a:effectRef>
-        <a:fontRef idx="minor">
-          <a:schemeClr val="tx1"/>
-        </a:fontRef>
-      </a:style>
-    </a:lnDef>
-  </a:objectDefaults>
+  <a:objectDefaults/>
   <a:extraClrSchemeLst/>
+  <a:extLst>
+    <a:ext uri="{05A4C25C-085E-4340-85A3-A5531E510DB2}">
+      <thm15:themeFamily xmlns:thm15="http://schemas.microsoft.com/office/thememl/2012/main" name="Slice" id="{0507925B-6AC9-4358-8E18-C330545D08F8}" vid="{19759155-7935-4C61-A06C-C04380D1B16E}"/>
+    </a:ext>
+  </a:extLst>
 </a:theme>
 </file>